--- a/docs/source/figures/zppy_schematic.pptx
+++ b/docs/source/figures/zppy_schematic.pptx
@@ -5,7 +5,8 @@
     <p:sldMasterId id="2147483660" r:id="rId1"/>
   </p:sldMasterIdLst>
   <p:sldIdLst>
-    <p:sldId id="256" r:id="rId2"/>
+    <p:sldId id="258" r:id="rId2"/>
+    <p:sldId id="260" r:id="rId3"/>
   </p:sldIdLst>
   <p:sldSz cx="13716000" cy="13716000"/>
   <p:notesSz cx="6858000" cy="9144000"/>
@@ -104,6 +105,11 @@
       </a:defRPr>
     </a:lvl9pPr>
   </p:defaultTextStyle>
+  <p:extLst>
+    <p:ext uri="{EFAFB233-063F-42B5-8137-9DF3F51BA10A}">
+      <p15:sldGuideLst xmlns:p15="http://schemas.microsoft.com/office/powerpoint/2012/main"/>
+    </p:ext>
+  </p:extLst>
 </p:presentation>
 </file>
 
@@ -238,7 +244,7 @@
           <a:p>
             <a:fld id="{90C2BDB4-BC7B-9F47-BE55-4A4F967EA5B8}" type="datetimeFigureOut">
               <a:rPr lang="en-US" smtClean="0"/>
-              <a:t>3/10/21</a:t>
+              <a:t>8/12/21</a:t>
             </a:fld>
             <a:endParaRPr lang="en-US"/>
           </a:p>
@@ -408,7 +414,7 @@
           <a:p>
             <a:fld id="{90C2BDB4-BC7B-9F47-BE55-4A4F967EA5B8}" type="datetimeFigureOut">
               <a:rPr lang="en-US" smtClean="0"/>
-              <a:t>3/10/21</a:t>
+              <a:t>8/12/21</a:t>
             </a:fld>
             <a:endParaRPr lang="en-US"/>
           </a:p>
@@ -588,7 +594,7 @@
           <a:p>
             <a:fld id="{90C2BDB4-BC7B-9F47-BE55-4A4F967EA5B8}" type="datetimeFigureOut">
               <a:rPr lang="en-US" smtClean="0"/>
-              <a:t>3/10/21</a:t>
+              <a:t>8/12/21</a:t>
             </a:fld>
             <a:endParaRPr lang="en-US"/>
           </a:p>
@@ -758,7 +764,7 @@
           <a:p>
             <a:fld id="{90C2BDB4-BC7B-9F47-BE55-4A4F967EA5B8}" type="datetimeFigureOut">
               <a:rPr lang="en-US" smtClean="0"/>
-              <a:t>3/10/21</a:t>
+              <a:t>8/12/21</a:t>
             </a:fld>
             <a:endParaRPr lang="en-US"/>
           </a:p>
@@ -1002,7 +1008,7 @@
           <a:p>
             <a:fld id="{90C2BDB4-BC7B-9F47-BE55-4A4F967EA5B8}" type="datetimeFigureOut">
               <a:rPr lang="en-US" smtClean="0"/>
-              <a:t>3/10/21</a:t>
+              <a:t>8/12/21</a:t>
             </a:fld>
             <a:endParaRPr lang="en-US"/>
           </a:p>
@@ -1234,7 +1240,7 @@
           <a:p>
             <a:fld id="{90C2BDB4-BC7B-9F47-BE55-4A4F967EA5B8}" type="datetimeFigureOut">
               <a:rPr lang="en-US" smtClean="0"/>
-              <a:t>3/10/21</a:t>
+              <a:t>8/12/21</a:t>
             </a:fld>
             <a:endParaRPr lang="en-US"/>
           </a:p>
@@ -1601,7 +1607,7 @@
           <a:p>
             <a:fld id="{90C2BDB4-BC7B-9F47-BE55-4A4F967EA5B8}" type="datetimeFigureOut">
               <a:rPr lang="en-US" smtClean="0"/>
-              <a:t>3/10/21</a:t>
+              <a:t>8/12/21</a:t>
             </a:fld>
             <a:endParaRPr lang="en-US"/>
           </a:p>
@@ -1719,7 +1725,7 @@
           <a:p>
             <a:fld id="{90C2BDB4-BC7B-9F47-BE55-4A4F967EA5B8}" type="datetimeFigureOut">
               <a:rPr lang="en-US" smtClean="0"/>
-              <a:t>3/10/21</a:t>
+              <a:t>8/12/21</a:t>
             </a:fld>
             <a:endParaRPr lang="en-US"/>
           </a:p>
@@ -1814,7 +1820,7 @@
           <a:p>
             <a:fld id="{90C2BDB4-BC7B-9F47-BE55-4A4F967EA5B8}" type="datetimeFigureOut">
               <a:rPr lang="en-US" smtClean="0"/>
-              <a:t>3/10/21</a:t>
+              <a:t>8/12/21</a:t>
             </a:fld>
             <a:endParaRPr lang="en-US"/>
           </a:p>
@@ -2091,7 +2097,7 @@
           <a:p>
             <a:fld id="{90C2BDB4-BC7B-9F47-BE55-4A4F967EA5B8}" type="datetimeFigureOut">
               <a:rPr lang="en-US" smtClean="0"/>
-              <a:t>3/10/21</a:t>
+              <a:t>8/12/21</a:t>
             </a:fld>
             <a:endParaRPr lang="en-US"/>
           </a:p>
@@ -2348,7 +2354,7 @@
           <a:p>
             <a:fld id="{90C2BDB4-BC7B-9F47-BE55-4A4F967EA5B8}" type="datetimeFigureOut">
               <a:rPr lang="en-US" smtClean="0"/>
-              <a:t>3/10/21</a:t>
+              <a:t>8/12/21</a:t>
             </a:fld>
             <a:endParaRPr lang="en-US"/>
           </a:p>
@@ -2561,7 +2567,7 @@
           <a:p>
             <a:fld id="{90C2BDB4-BC7B-9F47-BE55-4A4F967EA5B8}" type="datetimeFigureOut">
               <a:rPr lang="en-US" smtClean="0"/>
-              <a:t>3/10/21</a:t>
+              <a:t>8/12/21</a:t>
             </a:fld>
             <a:endParaRPr lang="en-US"/>
           </a:p>
@@ -2968,3059 +2974,6 @@
       </p:grpSpPr>
       <p:sp>
         <p:nvSpPr>
-          <p:cNvPr id="4" name="Rounded Rectangle 3">
-            <a:extLst>
-              <a:ext uri="{FF2B5EF4-FFF2-40B4-BE49-F238E27FC236}">
-                <a16:creationId xmlns:a16="http://schemas.microsoft.com/office/drawing/2014/main" id="{F631549E-A076-B74E-9F57-CFD25620DA53}"/>
-              </a:ext>
-            </a:extLst>
-          </p:cNvPr>
-          <p:cNvSpPr/>
-          <p:nvPr/>
-        </p:nvSpPr>
-        <p:spPr>
-          <a:xfrm>
-            <a:off x="7417200" y="4325197"/>
-            <a:ext cx="4145859" cy="1503770"/>
-          </a:xfrm>
-          <a:prstGeom prst="roundRect">
-            <a:avLst/>
-          </a:prstGeom>
-          <a:solidFill>
-            <a:schemeClr val="accent6">
-              <a:lumMod val="60000"/>
-              <a:lumOff val="40000"/>
-            </a:schemeClr>
-          </a:solidFill>
-        </p:spPr>
-        <p:style>
-          <a:lnRef idx="2">
-            <a:schemeClr val="accent1">
-              <a:shade val="50000"/>
-            </a:schemeClr>
-          </a:lnRef>
-          <a:fillRef idx="1">
-            <a:schemeClr val="accent1"/>
-          </a:fillRef>
-          <a:effectRef idx="0">
-            <a:schemeClr val="accent1"/>
-          </a:effectRef>
-          <a:fontRef idx="minor">
-            <a:schemeClr val="lt1"/>
-          </a:fontRef>
-        </p:style>
-        <p:txBody>
-          <a:bodyPr rtlCol="0" anchor="ctr"/>
-          <a:lstStyle/>
-          <a:p>
-            <a:pPr algn="ctr"/>
-            <a:r>
-              <a:rPr lang="en-US" sz="4800" b="1" dirty="0" err="1">
-                <a:solidFill>
-                  <a:schemeClr val="tx1"/>
-                </a:solidFill>
-              </a:rPr>
-              <a:t>zppy</a:t>
-            </a:r>
-            <a:endParaRPr lang="en-US" sz="4800" b="1" dirty="0">
-              <a:solidFill>
-                <a:schemeClr val="tx1"/>
-              </a:solidFill>
-            </a:endParaRPr>
-          </a:p>
-        </p:txBody>
-      </p:sp>
-      <p:grpSp>
-        <p:nvGrpSpPr>
-          <p:cNvPr id="16" name="Group 15">
-            <a:extLst>
-              <a:ext uri="{FF2B5EF4-FFF2-40B4-BE49-F238E27FC236}">
-                <a16:creationId xmlns:a16="http://schemas.microsoft.com/office/drawing/2014/main" id="{0555A342-5193-7E43-9A7C-FD20E6E7401B}"/>
-              </a:ext>
-            </a:extLst>
-          </p:cNvPr>
-          <p:cNvGrpSpPr/>
-          <p:nvPr/>
-        </p:nvGrpSpPr>
-        <p:grpSpPr>
-          <a:xfrm>
-            <a:off x="6222204" y="489709"/>
-            <a:ext cx="6535851" cy="2953406"/>
-            <a:chOff x="6038193" y="3901966"/>
-            <a:chExt cx="6535851" cy="2953406"/>
-          </a:xfrm>
-        </p:grpSpPr>
-        <p:sp>
-          <p:nvSpPr>
-            <p:cNvPr id="5" name="Rectangle 4">
-              <a:extLst>
-                <a:ext uri="{FF2B5EF4-FFF2-40B4-BE49-F238E27FC236}">
-                  <a16:creationId xmlns:a16="http://schemas.microsoft.com/office/drawing/2014/main" id="{82688753-B336-CD46-8469-C47523175A36}"/>
-                </a:ext>
-              </a:extLst>
-            </p:cNvPr>
-            <p:cNvSpPr/>
-            <p:nvPr/>
-          </p:nvSpPr>
-          <p:spPr>
-            <a:xfrm>
-              <a:off x="6038193" y="3901966"/>
-              <a:ext cx="6535851" cy="2953406"/>
-            </a:xfrm>
-            <a:prstGeom prst="rect">
-              <a:avLst/>
-            </a:prstGeom>
-            <a:solidFill>
-              <a:schemeClr val="accent1">
-                <a:lumMod val="40000"/>
-                <a:lumOff val="60000"/>
-              </a:schemeClr>
-            </a:solidFill>
-          </p:spPr>
-          <p:style>
-            <a:lnRef idx="2">
-              <a:schemeClr val="accent1">
-                <a:shade val="50000"/>
-              </a:schemeClr>
-            </a:lnRef>
-            <a:fillRef idx="1">
-              <a:schemeClr val="accent1"/>
-            </a:fillRef>
-            <a:effectRef idx="0">
-              <a:schemeClr val="accent1"/>
-            </a:effectRef>
-            <a:fontRef idx="minor">
-              <a:schemeClr val="lt1"/>
-            </a:fontRef>
-          </p:style>
-          <p:txBody>
-            <a:bodyPr rtlCol="0" anchor="t"/>
-            <a:lstStyle/>
-            <a:p>
-              <a:r>
-                <a:rPr lang="en-US" sz="2400" b="1" dirty="0"/>
-                <a:t>Task templates (bash + Jinja2)</a:t>
-              </a:r>
-            </a:p>
-          </p:txBody>
-        </p:sp>
-        <p:sp>
-          <p:nvSpPr>
-            <p:cNvPr id="12" name="Round Diagonal Corner Rectangle 11">
-              <a:extLst>
-                <a:ext uri="{FF2B5EF4-FFF2-40B4-BE49-F238E27FC236}">
-                  <a16:creationId xmlns:a16="http://schemas.microsoft.com/office/drawing/2014/main" id="{4F33CE79-AC84-1746-A0EE-213A741806D7}"/>
-                </a:ext>
-              </a:extLst>
-            </p:cNvPr>
-            <p:cNvSpPr/>
-            <p:nvPr/>
-          </p:nvSpPr>
-          <p:spPr>
-            <a:xfrm>
-              <a:off x="6158449" y="4398204"/>
-              <a:ext cx="2081048" cy="2033498"/>
-            </a:xfrm>
-            <a:prstGeom prst="round2DiagRect">
-              <a:avLst/>
-            </a:prstGeom>
-            <a:solidFill>
-              <a:schemeClr val="accent2">
-                <a:lumMod val="20000"/>
-                <a:lumOff val="80000"/>
-              </a:schemeClr>
-            </a:solidFill>
-          </p:spPr>
-          <p:style>
-            <a:lnRef idx="2">
-              <a:schemeClr val="accent1">
-                <a:shade val="50000"/>
-              </a:schemeClr>
-            </a:lnRef>
-            <a:fillRef idx="1">
-              <a:schemeClr val="accent1"/>
-            </a:fillRef>
-            <a:effectRef idx="0">
-              <a:schemeClr val="accent1"/>
-            </a:effectRef>
-            <a:fontRef idx="minor">
-              <a:schemeClr val="lt1"/>
-            </a:fontRef>
-          </p:style>
-          <p:txBody>
-            <a:bodyPr rtlCol="0" anchor="t"/>
-            <a:lstStyle/>
-            <a:p>
-              <a:pPr algn="ctr"/>
-              <a:r>
-                <a:rPr lang="en-US" sz="2400" b="1" dirty="0" err="1">
-                  <a:solidFill>
-                    <a:schemeClr val="tx1"/>
-                  </a:solidFill>
-                </a:rPr>
-                <a:t>ts</a:t>
-              </a:r>
-              <a:endParaRPr lang="en-US" dirty="0">
-                <a:solidFill>
-                  <a:schemeClr val="tx1"/>
-                </a:solidFill>
-              </a:endParaRPr>
-            </a:p>
-            <a:p>
-              <a:pPr marL="173038" indent="-173038">
-                <a:buFont typeface="Arial" panose="020B0604020202020204" pitchFamily="34" charset="0"/>
-                <a:buChar char="•"/>
-              </a:pPr>
-              <a:r>
-                <a:rPr lang="en-US" sz="1400" dirty="0">
-                  <a:solidFill>
-                    <a:schemeClr val="tx1"/>
-                  </a:solidFill>
-                </a:rPr>
-                <a:t>Using </a:t>
-              </a:r>
-              <a:r>
-                <a:rPr lang="en-US" sz="1400" b="1" dirty="0" err="1">
-                  <a:solidFill>
-                    <a:schemeClr val="tx1"/>
-                  </a:solidFill>
-                </a:rPr>
-                <a:t>ncclimo</a:t>
-              </a:r>
-              <a:endParaRPr lang="en-US" sz="1400" b="1" dirty="0">
-                <a:solidFill>
-                  <a:schemeClr val="tx1"/>
-                </a:solidFill>
-              </a:endParaRPr>
-            </a:p>
-            <a:p>
-              <a:pPr marL="173038" indent="-173038">
-                <a:buFont typeface="Arial" panose="020B0604020202020204" pitchFamily="34" charset="0"/>
-                <a:buChar char="•"/>
-              </a:pPr>
-              <a:r>
-                <a:rPr lang="en-US" sz="1400" dirty="0">
-                  <a:solidFill>
-                    <a:schemeClr val="tx1"/>
-                  </a:solidFill>
-                </a:rPr>
-                <a:t>atm, </a:t>
-              </a:r>
-              <a:r>
-                <a:rPr lang="en-US" sz="1400" dirty="0" err="1">
-                  <a:solidFill>
-                    <a:schemeClr val="tx1"/>
-                  </a:solidFill>
-                </a:rPr>
-                <a:t>lnd</a:t>
-              </a:r>
-              <a:r>
-                <a:rPr lang="en-US" sz="1400" dirty="0">
-                  <a:solidFill>
-                    <a:schemeClr val="tx1"/>
-                  </a:solidFill>
-                </a:rPr>
-                <a:t>, </a:t>
-              </a:r>
-              <a:r>
-                <a:rPr lang="en-US" sz="1400" dirty="0" err="1">
-                  <a:solidFill>
-                    <a:schemeClr val="tx1"/>
-                  </a:solidFill>
-                </a:rPr>
-                <a:t>rof</a:t>
-              </a:r>
-              <a:r>
-                <a:rPr lang="en-US" sz="1400" dirty="0">
-                  <a:solidFill>
-                    <a:schemeClr val="tx1"/>
-                  </a:solidFill>
-                </a:rPr>
-                <a:t>, …</a:t>
-              </a:r>
-            </a:p>
-            <a:p>
-              <a:pPr marL="173038" indent="-173038">
-                <a:buFont typeface="Arial" panose="020B0604020202020204" pitchFamily="34" charset="0"/>
-                <a:buChar char="•"/>
-              </a:pPr>
-              <a:r>
-                <a:rPr lang="en-US" sz="1400" dirty="0" err="1">
-                  <a:solidFill>
-                    <a:schemeClr val="tx1"/>
-                  </a:solidFill>
-                </a:rPr>
-                <a:t>regridded</a:t>
-              </a:r>
-              <a:endParaRPr lang="en-US" sz="1400" dirty="0">
-                <a:solidFill>
-                  <a:schemeClr val="tx1"/>
-                </a:solidFill>
-              </a:endParaRPr>
-            </a:p>
-            <a:p>
-              <a:pPr marL="173038" indent="-173038">
-                <a:buFont typeface="Arial" panose="020B0604020202020204" pitchFamily="34" charset="0"/>
-                <a:buChar char="•"/>
-              </a:pPr>
-              <a:r>
-                <a:rPr lang="en-US" sz="1400" dirty="0">
-                  <a:solidFill>
-                    <a:schemeClr val="tx1"/>
-                  </a:solidFill>
-                </a:rPr>
-                <a:t>native grid</a:t>
-              </a:r>
-            </a:p>
-            <a:p>
-              <a:pPr marL="173038" indent="-173038">
-                <a:buFont typeface="Arial" panose="020B0604020202020204" pitchFamily="34" charset="0"/>
-                <a:buChar char="•"/>
-              </a:pPr>
-              <a:r>
-                <a:rPr lang="en-US" sz="1400" dirty="0">
-                  <a:solidFill>
-                    <a:schemeClr val="tx1"/>
-                  </a:solidFill>
-                </a:rPr>
-                <a:t>globally averaged</a:t>
-              </a:r>
-            </a:p>
-            <a:p>
-              <a:pPr marL="173038" indent="-173038">
-                <a:buFont typeface="Arial" panose="020B0604020202020204" pitchFamily="34" charset="0"/>
-                <a:buChar char="•"/>
-              </a:pPr>
-              <a:r>
-                <a:rPr lang="en-US" sz="1400" dirty="0">
-                  <a:solidFill>
-                    <a:schemeClr val="tx1"/>
-                  </a:solidFill>
-                </a:rPr>
-                <a:t>high frequency</a:t>
-              </a:r>
-            </a:p>
-            <a:p>
-              <a:pPr algn="ctr"/>
-              <a:endParaRPr lang="en-US" dirty="0"/>
-            </a:p>
-          </p:txBody>
-        </p:sp>
-        <p:sp>
-          <p:nvSpPr>
-            <p:cNvPr id="13" name="Round Diagonal Corner Rectangle 12">
-              <a:extLst>
-                <a:ext uri="{FF2B5EF4-FFF2-40B4-BE49-F238E27FC236}">
-                  <a16:creationId xmlns:a16="http://schemas.microsoft.com/office/drawing/2014/main" id="{525DB76B-A11A-024F-B16B-8CF6CB494106}"/>
-                </a:ext>
-              </a:extLst>
-            </p:cNvPr>
-            <p:cNvSpPr/>
-            <p:nvPr/>
-          </p:nvSpPr>
-          <p:spPr>
-            <a:xfrm>
-              <a:off x="8051934" y="4732552"/>
-              <a:ext cx="2081048" cy="2033498"/>
-            </a:xfrm>
-            <a:prstGeom prst="round2DiagRect">
-              <a:avLst/>
-            </a:prstGeom>
-            <a:solidFill>
-              <a:schemeClr val="accent3">
-                <a:lumMod val="20000"/>
-                <a:lumOff val="80000"/>
-              </a:schemeClr>
-            </a:solidFill>
-          </p:spPr>
-          <p:style>
-            <a:lnRef idx="2">
-              <a:schemeClr val="accent1">
-                <a:shade val="50000"/>
-              </a:schemeClr>
-            </a:lnRef>
-            <a:fillRef idx="1">
-              <a:schemeClr val="accent1"/>
-            </a:fillRef>
-            <a:effectRef idx="0">
-              <a:schemeClr val="accent1"/>
-            </a:effectRef>
-            <a:fontRef idx="minor">
-              <a:schemeClr val="lt1"/>
-            </a:fontRef>
-          </p:style>
-          <p:txBody>
-            <a:bodyPr rtlCol="0" anchor="t"/>
-            <a:lstStyle/>
-            <a:p>
-              <a:pPr algn="ctr"/>
-              <a:r>
-                <a:rPr lang="en-US" sz="2400" b="1" dirty="0" err="1">
-                  <a:solidFill>
-                    <a:schemeClr val="tx1"/>
-                  </a:solidFill>
-                </a:rPr>
-                <a:t>climo</a:t>
-              </a:r>
-              <a:endParaRPr lang="en-US" sz="2400" b="1" dirty="0">
-                <a:solidFill>
-                  <a:schemeClr val="tx1"/>
-                </a:solidFill>
-              </a:endParaRPr>
-            </a:p>
-            <a:p>
-              <a:pPr marL="173038" indent="-173038">
-                <a:buFont typeface="Arial" panose="020B0604020202020204" pitchFamily="34" charset="0"/>
-                <a:buChar char="•"/>
-              </a:pPr>
-              <a:endParaRPr lang="en-US" sz="1400" dirty="0">
-                <a:solidFill>
-                  <a:schemeClr val="tx1"/>
-                </a:solidFill>
-              </a:endParaRPr>
-            </a:p>
-            <a:p>
-              <a:pPr marL="173038" indent="-173038">
-                <a:buFont typeface="Arial" panose="020B0604020202020204" pitchFamily="34" charset="0"/>
-                <a:buChar char="•"/>
-              </a:pPr>
-              <a:r>
-                <a:rPr lang="en-US" sz="1400" dirty="0">
-                  <a:solidFill>
-                    <a:schemeClr val="tx1"/>
-                  </a:solidFill>
-                </a:rPr>
-                <a:t>Using </a:t>
-              </a:r>
-              <a:r>
-                <a:rPr lang="en-US" sz="1400" b="1" dirty="0" err="1">
-                  <a:solidFill>
-                    <a:schemeClr val="tx1"/>
-                  </a:solidFill>
-                </a:rPr>
-                <a:t>ncclimo</a:t>
-              </a:r>
-              <a:endParaRPr lang="en-US" sz="1400" b="1" dirty="0">
-                <a:solidFill>
-                  <a:schemeClr val="tx1"/>
-                </a:solidFill>
-              </a:endParaRPr>
-            </a:p>
-            <a:p>
-              <a:pPr marL="173038" indent="-173038">
-                <a:buFont typeface="Arial" panose="020B0604020202020204" pitchFamily="34" charset="0"/>
-                <a:buChar char="•"/>
-              </a:pPr>
-              <a:r>
-                <a:rPr lang="en-US" sz="1400" dirty="0">
-                  <a:solidFill>
-                    <a:schemeClr val="tx1"/>
-                  </a:solidFill>
-                </a:rPr>
-                <a:t>atm, </a:t>
-              </a:r>
-              <a:r>
-                <a:rPr lang="en-US" sz="1400" dirty="0" err="1">
-                  <a:solidFill>
-                    <a:schemeClr val="tx1"/>
-                  </a:solidFill>
-                </a:rPr>
-                <a:t>lnd</a:t>
-              </a:r>
-              <a:r>
-                <a:rPr lang="en-US" sz="1400" dirty="0">
-                  <a:solidFill>
-                    <a:schemeClr val="tx1"/>
-                  </a:solidFill>
-                </a:rPr>
-                <a:t>, </a:t>
-              </a:r>
-              <a:r>
-                <a:rPr lang="en-US" sz="1400" dirty="0" err="1">
-                  <a:solidFill>
-                    <a:schemeClr val="tx1"/>
-                  </a:solidFill>
-                </a:rPr>
-                <a:t>rof</a:t>
-              </a:r>
-              <a:r>
-                <a:rPr lang="en-US" sz="1400" dirty="0">
-                  <a:solidFill>
-                    <a:schemeClr val="tx1"/>
-                  </a:solidFill>
-                </a:rPr>
-                <a:t>, …</a:t>
-              </a:r>
-              <a:endParaRPr lang="en-US" sz="1400" b="1" dirty="0">
-                <a:solidFill>
-                  <a:schemeClr val="tx1"/>
-                </a:solidFill>
-              </a:endParaRPr>
-            </a:p>
-            <a:p>
-              <a:pPr marL="173038" indent="-173038">
-                <a:buFont typeface="Arial" panose="020B0604020202020204" pitchFamily="34" charset="0"/>
-                <a:buChar char="•"/>
-              </a:pPr>
-              <a:r>
-                <a:rPr lang="en-US" sz="1400" dirty="0" err="1">
-                  <a:solidFill>
-                    <a:schemeClr val="tx1"/>
-                  </a:solidFill>
-                </a:rPr>
-                <a:t>regridded</a:t>
-              </a:r>
-              <a:endParaRPr lang="en-US" sz="1400" dirty="0">
-                <a:solidFill>
-                  <a:schemeClr val="tx1"/>
-                </a:solidFill>
-              </a:endParaRPr>
-            </a:p>
-            <a:p>
-              <a:pPr marL="173038" indent="-173038">
-                <a:buFont typeface="Arial" panose="020B0604020202020204" pitchFamily="34" charset="0"/>
-                <a:buChar char="•"/>
-              </a:pPr>
-              <a:r>
-                <a:rPr lang="en-US" sz="1400" dirty="0">
-                  <a:solidFill>
-                    <a:schemeClr val="tx1"/>
-                  </a:solidFill>
-                </a:rPr>
-                <a:t>native grid</a:t>
-              </a:r>
-            </a:p>
-            <a:p>
-              <a:pPr marL="173038" indent="-173038">
-                <a:buFont typeface="Arial" panose="020B0604020202020204" pitchFamily="34" charset="0"/>
-                <a:buChar char="•"/>
-              </a:pPr>
-              <a:r>
-                <a:rPr lang="en-US" sz="1400" dirty="0">
-                  <a:solidFill>
-                    <a:schemeClr val="tx1"/>
-                  </a:solidFill>
-                </a:rPr>
-                <a:t>diurnal cycle</a:t>
-              </a:r>
-            </a:p>
-            <a:p>
-              <a:pPr algn="ctr"/>
-              <a:endParaRPr lang="en-US" dirty="0"/>
-            </a:p>
-          </p:txBody>
-        </p:sp>
-        <p:sp>
-          <p:nvSpPr>
-            <p:cNvPr id="14" name="Round Diagonal Corner Rectangle 13">
-              <a:extLst>
-                <a:ext uri="{FF2B5EF4-FFF2-40B4-BE49-F238E27FC236}">
-                  <a16:creationId xmlns:a16="http://schemas.microsoft.com/office/drawing/2014/main" id="{C55D2A17-B931-9944-9BCB-B46C62882AFE}"/>
-                </a:ext>
-              </a:extLst>
-            </p:cNvPr>
-            <p:cNvSpPr/>
-            <p:nvPr/>
-          </p:nvSpPr>
-          <p:spPr>
-            <a:xfrm>
-              <a:off x="9945418" y="4007241"/>
-              <a:ext cx="2081048" cy="1772505"/>
-            </a:xfrm>
-            <a:prstGeom prst="round2DiagRect">
-              <a:avLst/>
-            </a:prstGeom>
-            <a:solidFill>
-              <a:schemeClr val="accent4">
-                <a:lumMod val="20000"/>
-                <a:lumOff val="80000"/>
-              </a:schemeClr>
-            </a:solidFill>
-          </p:spPr>
-          <p:style>
-            <a:lnRef idx="2">
-              <a:schemeClr val="accent1">
-                <a:shade val="50000"/>
-              </a:schemeClr>
-            </a:lnRef>
-            <a:fillRef idx="1">
-              <a:schemeClr val="accent1"/>
-            </a:fillRef>
-            <a:effectRef idx="0">
-              <a:schemeClr val="accent1"/>
-            </a:effectRef>
-            <a:fontRef idx="minor">
-              <a:schemeClr val="lt1"/>
-            </a:fontRef>
-          </p:style>
-          <p:txBody>
-            <a:bodyPr rtlCol="0" anchor="t"/>
-            <a:lstStyle/>
-            <a:p>
-              <a:pPr algn="ctr"/>
-              <a:r>
-                <a:rPr lang="en-US" sz="2400" b="1" dirty="0">
-                  <a:solidFill>
-                    <a:schemeClr val="tx1"/>
-                  </a:solidFill>
-                </a:rPr>
-                <a:t>e3sm_diags</a:t>
-              </a:r>
-            </a:p>
-            <a:p>
-              <a:pPr marL="173038" indent="-173038">
-                <a:buFont typeface="Arial" panose="020B0604020202020204" pitchFamily="34" charset="0"/>
-                <a:buChar char="•"/>
-              </a:pPr>
-              <a:endParaRPr lang="en-US" sz="1400" dirty="0">
-                <a:solidFill>
-                  <a:schemeClr val="tx1"/>
-                </a:solidFill>
-              </a:endParaRPr>
-            </a:p>
-            <a:p>
-              <a:pPr marL="173038" indent="-173038">
-                <a:buFont typeface="Arial" panose="020B0604020202020204" pitchFamily="34" charset="0"/>
-                <a:buChar char="•"/>
-              </a:pPr>
-              <a:r>
-                <a:rPr lang="en-US" sz="1400" dirty="0">
-                  <a:solidFill>
-                    <a:schemeClr val="tx1"/>
-                  </a:solidFill>
-                </a:rPr>
-                <a:t>model vs model</a:t>
-              </a:r>
-            </a:p>
-            <a:p>
-              <a:pPr marL="173038" indent="-173038">
-                <a:buFont typeface="Arial" panose="020B0604020202020204" pitchFamily="34" charset="0"/>
-                <a:buChar char="•"/>
-              </a:pPr>
-              <a:r>
-                <a:rPr lang="en-US" sz="1400" dirty="0">
-                  <a:solidFill>
-                    <a:schemeClr val="tx1"/>
-                  </a:solidFill>
-                </a:rPr>
-                <a:t>model vs </a:t>
-              </a:r>
-              <a:r>
-                <a:rPr lang="en-US" sz="1400" dirty="0" err="1">
-                  <a:solidFill>
-                    <a:schemeClr val="tx1"/>
-                  </a:solidFill>
-                </a:rPr>
-                <a:t>obs</a:t>
-              </a:r>
-              <a:endParaRPr lang="en-US" sz="1400" dirty="0">
-                <a:solidFill>
-                  <a:schemeClr val="tx1"/>
-                </a:solidFill>
-              </a:endParaRPr>
-            </a:p>
-            <a:p>
-              <a:pPr marL="173038" indent="-173038">
-                <a:buFont typeface="Arial" panose="020B0604020202020204" pitchFamily="34" charset="0"/>
-                <a:buChar char="•"/>
-              </a:pPr>
-              <a:r>
-                <a:rPr lang="en-US" sz="1400" dirty="0">
-                  <a:solidFill>
-                    <a:schemeClr val="tx1"/>
-                  </a:solidFill>
-                </a:rPr>
-                <a:t>NA RRM</a:t>
-              </a:r>
-            </a:p>
-            <a:p>
-              <a:pPr algn="ctr"/>
-              <a:endParaRPr lang="en-US" dirty="0"/>
-            </a:p>
-          </p:txBody>
-        </p:sp>
-        <p:sp>
-          <p:nvSpPr>
-            <p:cNvPr id="15" name="Round Diagonal Corner Rectangle 14">
-              <a:extLst>
-                <a:ext uri="{FF2B5EF4-FFF2-40B4-BE49-F238E27FC236}">
-                  <a16:creationId xmlns:a16="http://schemas.microsoft.com/office/drawing/2014/main" id="{294972DB-BA29-7D48-8576-8A7BC5179358}"/>
-                </a:ext>
-              </a:extLst>
-            </p:cNvPr>
-            <p:cNvSpPr/>
-            <p:nvPr/>
-          </p:nvSpPr>
-          <p:spPr>
-            <a:xfrm>
-              <a:off x="10271107" y="5487249"/>
-              <a:ext cx="2215882" cy="1240850"/>
-            </a:xfrm>
-            <a:prstGeom prst="round2DiagRect">
-              <a:avLst/>
-            </a:prstGeom>
-            <a:solidFill>
-              <a:schemeClr val="accent5">
-                <a:lumMod val="20000"/>
-                <a:lumOff val="80000"/>
-              </a:schemeClr>
-            </a:solidFill>
-          </p:spPr>
-          <p:style>
-            <a:lnRef idx="2">
-              <a:schemeClr val="accent1">
-                <a:shade val="50000"/>
-              </a:schemeClr>
-            </a:lnRef>
-            <a:fillRef idx="1">
-              <a:schemeClr val="accent1"/>
-            </a:fillRef>
-            <a:effectRef idx="0">
-              <a:schemeClr val="accent1"/>
-            </a:effectRef>
-            <a:fontRef idx="minor">
-              <a:schemeClr val="lt1"/>
-            </a:fontRef>
-          </p:style>
-          <p:txBody>
-            <a:bodyPr rtlCol="0" anchor="t"/>
-            <a:lstStyle/>
-            <a:p>
-              <a:pPr algn="ctr"/>
-              <a:r>
-                <a:rPr lang="en-US" sz="2400" b="1" dirty="0" err="1">
-                  <a:solidFill>
-                    <a:schemeClr val="tx1"/>
-                  </a:solidFill>
-                </a:rPr>
-                <a:t>mpas_analysis</a:t>
-              </a:r>
-              <a:endParaRPr lang="en-US" sz="2400" b="1" dirty="0">
-                <a:solidFill>
-                  <a:schemeClr val="tx1"/>
-                </a:solidFill>
-              </a:endParaRPr>
-            </a:p>
-            <a:p>
-              <a:endParaRPr lang="en-US" sz="1400" dirty="0">
-                <a:solidFill>
-                  <a:schemeClr val="tx1"/>
-                </a:solidFill>
-              </a:endParaRPr>
-            </a:p>
-          </p:txBody>
-        </p:sp>
-      </p:grpSp>
-      <p:grpSp>
-        <p:nvGrpSpPr>
-          <p:cNvPr id="88" name="Group 87">
-            <a:extLst>
-              <a:ext uri="{FF2B5EF4-FFF2-40B4-BE49-F238E27FC236}">
-                <a16:creationId xmlns:a16="http://schemas.microsoft.com/office/drawing/2014/main" id="{2084E2AB-F0C0-074D-BEB1-A2F2619EE03B}"/>
-              </a:ext>
-            </a:extLst>
-          </p:cNvPr>
-          <p:cNvGrpSpPr/>
-          <p:nvPr/>
-        </p:nvGrpSpPr>
-        <p:grpSpPr>
-          <a:xfrm>
-            <a:off x="5977797" y="6591778"/>
-            <a:ext cx="7024665" cy="6727371"/>
-            <a:chOff x="5957093" y="6857999"/>
-            <a:chExt cx="7024665" cy="6727371"/>
-          </a:xfrm>
-        </p:grpSpPr>
-        <p:sp>
-          <p:nvSpPr>
-            <p:cNvPr id="17" name="Rectangle 16">
-              <a:extLst>
-                <a:ext uri="{FF2B5EF4-FFF2-40B4-BE49-F238E27FC236}">
-                  <a16:creationId xmlns:a16="http://schemas.microsoft.com/office/drawing/2014/main" id="{080CDFDC-A297-704A-BFC7-704EA410581F}"/>
-                </a:ext>
-              </a:extLst>
-            </p:cNvPr>
-            <p:cNvSpPr/>
-            <p:nvPr/>
-          </p:nvSpPr>
-          <p:spPr>
-            <a:xfrm>
-              <a:off x="5957093" y="6857999"/>
-              <a:ext cx="7024665" cy="6727371"/>
-            </a:xfrm>
-            <a:prstGeom prst="rect">
-              <a:avLst/>
-            </a:prstGeom>
-            <a:solidFill>
-              <a:schemeClr val="accent1">
-                <a:lumMod val="60000"/>
-                <a:lumOff val="40000"/>
-              </a:schemeClr>
-            </a:solidFill>
-          </p:spPr>
-          <p:style>
-            <a:lnRef idx="2">
-              <a:schemeClr val="accent1">
-                <a:shade val="50000"/>
-              </a:schemeClr>
-            </a:lnRef>
-            <a:fillRef idx="1">
-              <a:schemeClr val="accent1"/>
-            </a:fillRef>
-            <a:effectRef idx="0">
-              <a:schemeClr val="accent1"/>
-            </a:effectRef>
-            <a:fontRef idx="minor">
-              <a:schemeClr val="lt1"/>
-            </a:fontRef>
-          </p:style>
-          <p:txBody>
-            <a:bodyPr rtlCol="0" anchor="t"/>
-            <a:lstStyle/>
-            <a:p>
-              <a:r>
-                <a:rPr lang="en-US" sz="2400" b="1" dirty="0"/>
-                <a:t>Instantiated batch jobs with </a:t>
-              </a:r>
-              <a:r>
-                <a:rPr lang="en-US" sz="2400" b="1" dirty="0">
-                  <a:solidFill>
-                    <a:srgbClr val="C00000"/>
-                  </a:solidFill>
-                </a:rPr>
-                <a:t>dependencies</a:t>
-              </a:r>
-            </a:p>
-          </p:txBody>
-        </p:sp>
-        <p:grpSp>
-          <p:nvGrpSpPr>
-            <p:cNvPr id="39" name="Group 38">
-              <a:extLst>
-                <a:ext uri="{FF2B5EF4-FFF2-40B4-BE49-F238E27FC236}">
-                  <a16:creationId xmlns:a16="http://schemas.microsoft.com/office/drawing/2014/main" id="{B7820CB1-258F-F64B-9C07-14EF26F072F8}"/>
-                </a:ext>
-              </a:extLst>
-            </p:cNvPr>
-            <p:cNvGrpSpPr/>
-            <p:nvPr/>
-          </p:nvGrpSpPr>
-          <p:grpSpPr>
-            <a:xfrm>
-              <a:off x="6107132" y="7363226"/>
-              <a:ext cx="6333451" cy="1020421"/>
-              <a:chOff x="6142120" y="8153032"/>
-              <a:chExt cx="6333451" cy="1020421"/>
-            </a:xfrm>
-          </p:grpSpPr>
-          <p:sp>
-            <p:nvSpPr>
-              <p:cNvPr id="18" name="Round Diagonal Corner Rectangle 17">
-                <a:extLst>
-                  <a:ext uri="{FF2B5EF4-FFF2-40B4-BE49-F238E27FC236}">
-                    <a16:creationId xmlns:a16="http://schemas.microsoft.com/office/drawing/2014/main" id="{547DE259-F660-2741-9241-2B734F16EAD0}"/>
-                  </a:ext>
-                </a:extLst>
-              </p:cNvPr>
-              <p:cNvSpPr/>
-              <p:nvPr/>
-            </p:nvSpPr>
-            <p:spPr>
-              <a:xfrm>
-                <a:off x="6142120" y="8153298"/>
-                <a:ext cx="1706480" cy="1019888"/>
-              </a:xfrm>
-              <a:prstGeom prst="round2DiagRect">
-                <a:avLst/>
-              </a:prstGeom>
-              <a:solidFill>
-                <a:schemeClr val="accent2">
-                  <a:lumMod val="40000"/>
-                  <a:lumOff val="60000"/>
-                </a:schemeClr>
-              </a:solidFill>
-            </p:spPr>
-            <p:style>
-              <a:lnRef idx="2">
-                <a:schemeClr val="accent1">
-                  <a:shade val="50000"/>
-                </a:schemeClr>
-              </a:lnRef>
-              <a:fillRef idx="1">
-                <a:schemeClr val="accent1"/>
-              </a:fillRef>
-              <a:effectRef idx="0">
-                <a:schemeClr val="accent1"/>
-              </a:effectRef>
-              <a:fontRef idx="minor">
-                <a:schemeClr val="lt1"/>
-              </a:fontRef>
-            </p:style>
-            <p:txBody>
-              <a:bodyPr rtlCol="0" anchor="t"/>
-              <a:lstStyle/>
-              <a:p>
-                <a:pPr algn="ctr"/>
-                <a:r>
-                  <a:rPr lang="en-US" sz="2400" b="1" dirty="0" err="1">
-                    <a:solidFill>
-                      <a:schemeClr val="tx1"/>
-                    </a:solidFill>
-                  </a:rPr>
-                  <a:t>ts</a:t>
-                </a:r>
-                <a:endParaRPr lang="en-US" dirty="0">
-                  <a:solidFill>
-                    <a:schemeClr val="tx1"/>
-                  </a:solidFill>
-                </a:endParaRPr>
-              </a:p>
-              <a:p>
-                <a:pPr marL="173038" indent="-173038">
-                  <a:buFont typeface="Arial" panose="020B0604020202020204" pitchFamily="34" charset="0"/>
-                  <a:buChar char="•"/>
-                </a:pPr>
-                <a:r>
-                  <a:rPr lang="en-US" sz="1400" b="1" dirty="0">
-                    <a:solidFill>
-                      <a:schemeClr val="tx1"/>
-                    </a:solidFill>
-                  </a:rPr>
-                  <a:t>atm, </a:t>
-                </a:r>
-                <a:r>
-                  <a:rPr lang="en-US" sz="1400" b="1" dirty="0" err="1">
-                    <a:solidFill>
-                      <a:schemeClr val="tx1"/>
-                    </a:solidFill>
-                  </a:rPr>
-                  <a:t>regridded</a:t>
-                </a:r>
-                <a:endParaRPr lang="en-US" sz="1400" b="1" dirty="0">
-                  <a:solidFill>
-                    <a:schemeClr val="tx1"/>
-                  </a:solidFill>
-                </a:endParaRPr>
-              </a:p>
-              <a:p>
-                <a:pPr marL="173038" indent="-173038">
-                  <a:buFont typeface="Arial" panose="020B0604020202020204" pitchFamily="34" charset="0"/>
-                  <a:buChar char="•"/>
-                </a:pPr>
-                <a:r>
-                  <a:rPr lang="en-US" sz="1400" b="1" dirty="0">
-                    <a:solidFill>
-                      <a:schemeClr val="tx1"/>
-                    </a:solidFill>
-                  </a:rPr>
-                  <a:t>Years 1-10</a:t>
-                </a:r>
-              </a:p>
-            </p:txBody>
-          </p:sp>
-          <p:sp>
-            <p:nvSpPr>
-              <p:cNvPr id="19" name="Round Diagonal Corner Rectangle 18">
-                <a:extLst>
-                  <a:ext uri="{FF2B5EF4-FFF2-40B4-BE49-F238E27FC236}">
-                    <a16:creationId xmlns:a16="http://schemas.microsoft.com/office/drawing/2014/main" id="{BE283A9C-02CA-BF4A-B56A-109F79788059}"/>
-                  </a:ext>
-                </a:extLst>
-              </p:cNvPr>
-              <p:cNvSpPr/>
-              <p:nvPr/>
-            </p:nvSpPr>
-            <p:spPr>
-              <a:xfrm>
-                <a:off x="7968857" y="8153032"/>
-                <a:ext cx="1706480" cy="1020421"/>
-              </a:xfrm>
-              <a:prstGeom prst="round2DiagRect">
-                <a:avLst/>
-              </a:prstGeom>
-              <a:solidFill>
-                <a:schemeClr val="accent2">
-                  <a:lumMod val="40000"/>
-                  <a:lumOff val="60000"/>
-                </a:schemeClr>
-              </a:solidFill>
-            </p:spPr>
-            <p:style>
-              <a:lnRef idx="2">
-                <a:schemeClr val="accent1">
-                  <a:shade val="50000"/>
-                </a:schemeClr>
-              </a:lnRef>
-              <a:fillRef idx="1">
-                <a:schemeClr val="accent1"/>
-              </a:fillRef>
-              <a:effectRef idx="0">
-                <a:schemeClr val="accent1"/>
-              </a:effectRef>
-              <a:fontRef idx="minor">
-                <a:schemeClr val="lt1"/>
-              </a:fontRef>
-            </p:style>
-            <p:txBody>
-              <a:bodyPr rtlCol="0" anchor="t"/>
-              <a:lstStyle/>
-              <a:p>
-                <a:pPr algn="ctr"/>
-                <a:r>
-                  <a:rPr lang="en-US" sz="2400" b="1" dirty="0" err="1">
-                    <a:solidFill>
-                      <a:schemeClr val="tx1"/>
-                    </a:solidFill>
-                  </a:rPr>
-                  <a:t>ts</a:t>
-                </a:r>
-                <a:endParaRPr lang="en-US" dirty="0">
-                  <a:solidFill>
-                    <a:schemeClr val="tx1"/>
-                  </a:solidFill>
-                </a:endParaRPr>
-              </a:p>
-              <a:p>
-                <a:pPr marL="173038" indent="-173038">
-                  <a:buFont typeface="Arial" panose="020B0604020202020204" pitchFamily="34" charset="0"/>
-                  <a:buChar char="•"/>
-                </a:pPr>
-                <a:r>
-                  <a:rPr lang="en-US" sz="1400" b="1" dirty="0">
-                    <a:solidFill>
-                      <a:schemeClr val="tx1"/>
-                    </a:solidFill>
-                  </a:rPr>
-                  <a:t>atm, </a:t>
-                </a:r>
-                <a:r>
-                  <a:rPr lang="en-US" sz="1400" b="1" dirty="0" err="1">
-                    <a:solidFill>
-                      <a:schemeClr val="tx1"/>
-                    </a:solidFill>
-                  </a:rPr>
-                  <a:t>regridded</a:t>
-                </a:r>
-                <a:endParaRPr lang="en-US" sz="1400" b="1" dirty="0">
-                  <a:solidFill>
-                    <a:schemeClr val="tx1"/>
-                  </a:solidFill>
-                </a:endParaRPr>
-              </a:p>
-              <a:p>
-                <a:pPr marL="173038" indent="-173038">
-                  <a:buFont typeface="Arial" panose="020B0604020202020204" pitchFamily="34" charset="0"/>
-                  <a:buChar char="•"/>
-                </a:pPr>
-                <a:r>
-                  <a:rPr lang="en-US" sz="1400" b="1" dirty="0">
-                    <a:solidFill>
-                      <a:schemeClr val="tx1"/>
-                    </a:solidFill>
-                  </a:rPr>
-                  <a:t>Years 11-20</a:t>
-                </a:r>
-              </a:p>
-            </p:txBody>
-          </p:sp>
-          <p:sp>
-            <p:nvSpPr>
-              <p:cNvPr id="20" name="Round Diagonal Corner Rectangle 19">
-                <a:extLst>
-                  <a:ext uri="{FF2B5EF4-FFF2-40B4-BE49-F238E27FC236}">
-                    <a16:creationId xmlns:a16="http://schemas.microsoft.com/office/drawing/2014/main" id="{43ADCA4D-FBB8-9944-A87D-65E5B39D3EEA}"/>
-                  </a:ext>
-                </a:extLst>
-              </p:cNvPr>
-              <p:cNvSpPr/>
-              <p:nvPr/>
-            </p:nvSpPr>
-            <p:spPr>
-              <a:xfrm>
-                <a:off x="10769091" y="8153032"/>
-                <a:ext cx="1706480" cy="1020420"/>
-              </a:xfrm>
-              <a:prstGeom prst="round2DiagRect">
-                <a:avLst/>
-              </a:prstGeom>
-              <a:solidFill>
-                <a:schemeClr val="accent2">
-                  <a:lumMod val="40000"/>
-                  <a:lumOff val="60000"/>
-                </a:schemeClr>
-              </a:solidFill>
-            </p:spPr>
-            <p:style>
-              <a:lnRef idx="2">
-                <a:schemeClr val="accent1">
-                  <a:shade val="50000"/>
-                </a:schemeClr>
-              </a:lnRef>
-              <a:fillRef idx="1">
-                <a:schemeClr val="accent1"/>
-              </a:fillRef>
-              <a:effectRef idx="0">
-                <a:schemeClr val="accent1"/>
-              </a:effectRef>
-              <a:fontRef idx="minor">
-                <a:schemeClr val="lt1"/>
-              </a:fontRef>
-            </p:style>
-            <p:txBody>
-              <a:bodyPr rtlCol="0" anchor="t"/>
-              <a:lstStyle/>
-              <a:p>
-                <a:pPr algn="ctr"/>
-                <a:r>
-                  <a:rPr lang="en-US" sz="2400" b="1" dirty="0" err="1">
-                    <a:solidFill>
-                      <a:schemeClr val="tx1"/>
-                    </a:solidFill>
-                  </a:rPr>
-                  <a:t>ts</a:t>
-                </a:r>
-                <a:endParaRPr lang="en-US" dirty="0">
-                  <a:solidFill>
-                    <a:schemeClr val="tx1"/>
-                  </a:solidFill>
-                </a:endParaRPr>
-              </a:p>
-              <a:p>
-                <a:pPr marL="173038" indent="-173038">
-                  <a:buFont typeface="Arial" panose="020B0604020202020204" pitchFamily="34" charset="0"/>
-                  <a:buChar char="•"/>
-                </a:pPr>
-                <a:r>
-                  <a:rPr lang="en-US" sz="1400" b="1" dirty="0">
-                    <a:solidFill>
-                      <a:schemeClr val="tx1"/>
-                    </a:solidFill>
-                  </a:rPr>
-                  <a:t>atm, </a:t>
-                </a:r>
-                <a:r>
-                  <a:rPr lang="en-US" sz="1400" b="1" dirty="0" err="1">
-                    <a:solidFill>
-                      <a:schemeClr val="tx1"/>
-                    </a:solidFill>
-                  </a:rPr>
-                  <a:t>regridded</a:t>
-                </a:r>
-                <a:endParaRPr lang="en-US" sz="1400" b="1" dirty="0">
-                  <a:solidFill>
-                    <a:schemeClr val="tx1"/>
-                  </a:solidFill>
-                </a:endParaRPr>
-              </a:p>
-              <a:p>
-                <a:pPr marL="173038" indent="-173038">
-                  <a:buFont typeface="Arial" panose="020B0604020202020204" pitchFamily="34" charset="0"/>
-                  <a:buChar char="•"/>
-                </a:pPr>
-                <a:r>
-                  <a:rPr lang="en-US" sz="1400" b="1" dirty="0">
-                    <a:solidFill>
-                      <a:schemeClr val="tx1"/>
-                    </a:solidFill>
-                  </a:rPr>
-                  <a:t>Years 191-200</a:t>
-                </a:r>
-              </a:p>
-            </p:txBody>
-          </p:sp>
-          <p:cxnSp>
-            <p:nvCxnSpPr>
-              <p:cNvPr id="34" name="Straight Connector 33">
-                <a:extLst>
-                  <a:ext uri="{FF2B5EF4-FFF2-40B4-BE49-F238E27FC236}">
-                    <a16:creationId xmlns:a16="http://schemas.microsoft.com/office/drawing/2014/main" id="{F0DCFAF3-E09A-DD44-988B-08A9BA1059F8}"/>
-                  </a:ext>
-                </a:extLst>
-              </p:cNvPr>
-              <p:cNvCxnSpPr>
-                <a:cxnSpLocks/>
-              </p:cNvCxnSpPr>
-              <p:nvPr/>
-            </p:nvCxnSpPr>
-            <p:spPr>
-              <a:xfrm>
-                <a:off x="9893053" y="8663242"/>
-                <a:ext cx="734786" cy="0"/>
-              </a:xfrm>
-              <a:prstGeom prst="line">
-                <a:avLst/>
-              </a:prstGeom>
-              <a:ln w="63500">
-                <a:prstDash val="sysDot"/>
-              </a:ln>
-            </p:spPr>
-            <p:style>
-              <a:lnRef idx="1">
-                <a:schemeClr val="dk1"/>
-              </a:lnRef>
-              <a:fillRef idx="0">
-                <a:schemeClr val="dk1"/>
-              </a:fillRef>
-              <a:effectRef idx="0">
-                <a:schemeClr val="dk1"/>
-              </a:effectRef>
-              <a:fontRef idx="minor">
-                <a:schemeClr val="tx1"/>
-              </a:fontRef>
-            </p:style>
-          </p:cxnSp>
-        </p:grpSp>
-        <p:grpSp>
-          <p:nvGrpSpPr>
-            <p:cNvPr id="40" name="Group 39">
-              <a:extLst>
-                <a:ext uri="{FF2B5EF4-FFF2-40B4-BE49-F238E27FC236}">
-                  <a16:creationId xmlns:a16="http://schemas.microsoft.com/office/drawing/2014/main" id="{3D868921-7D4E-694E-ABFE-77C07A1F149D}"/>
-                </a:ext>
-              </a:extLst>
-            </p:cNvPr>
-            <p:cNvGrpSpPr/>
-            <p:nvPr/>
-          </p:nvGrpSpPr>
-          <p:grpSpPr>
-            <a:xfrm>
-              <a:off x="6302699" y="8263704"/>
-              <a:ext cx="6333451" cy="1020421"/>
-              <a:chOff x="6359836" y="9105533"/>
-              <a:chExt cx="6333451" cy="1020421"/>
-            </a:xfrm>
-          </p:grpSpPr>
-          <p:sp>
-            <p:nvSpPr>
-              <p:cNvPr id="21" name="Round Diagonal Corner Rectangle 20">
-                <a:extLst>
-                  <a:ext uri="{FF2B5EF4-FFF2-40B4-BE49-F238E27FC236}">
-                    <a16:creationId xmlns:a16="http://schemas.microsoft.com/office/drawing/2014/main" id="{E0D047DE-DB19-4147-9D58-D1C59DD9B1A5}"/>
-                  </a:ext>
-                </a:extLst>
-              </p:cNvPr>
-              <p:cNvSpPr/>
-              <p:nvPr/>
-            </p:nvSpPr>
-            <p:spPr>
-              <a:xfrm>
-                <a:off x="6359836" y="9105533"/>
-                <a:ext cx="1706480" cy="1020421"/>
-              </a:xfrm>
-              <a:prstGeom prst="round2DiagRect">
-                <a:avLst/>
-              </a:prstGeom>
-              <a:solidFill>
-                <a:schemeClr val="accent2">
-                  <a:lumMod val="40000"/>
-                  <a:lumOff val="60000"/>
-                </a:schemeClr>
-              </a:solidFill>
-            </p:spPr>
-            <p:style>
-              <a:lnRef idx="2">
-                <a:schemeClr val="accent1">
-                  <a:shade val="50000"/>
-                </a:schemeClr>
-              </a:lnRef>
-              <a:fillRef idx="1">
-                <a:schemeClr val="accent1"/>
-              </a:fillRef>
-              <a:effectRef idx="0">
-                <a:schemeClr val="accent1"/>
-              </a:effectRef>
-              <a:fontRef idx="minor">
-                <a:schemeClr val="lt1"/>
-              </a:fontRef>
-            </p:style>
-            <p:txBody>
-              <a:bodyPr rtlCol="0" anchor="t"/>
-              <a:lstStyle/>
-              <a:p>
-                <a:pPr algn="ctr"/>
-                <a:r>
-                  <a:rPr lang="en-US" sz="2400" b="1" dirty="0" err="1">
-                    <a:solidFill>
-                      <a:schemeClr val="tx1"/>
-                    </a:solidFill>
-                  </a:rPr>
-                  <a:t>ts</a:t>
-                </a:r>
-                <a:endParaRPr lang="en-US" dirty="0">
-                  <a:solidFill>
-                    <a:schemeClr val="tx1"/>
-                  </a:solidFill>
-                </a:endParaRPr>
-              </a:p>
-              <a:p>
-                <a:pPr marL="173038" indent="-173038">
-                  <a:buFont typeface="Arial" panose="020B0604020202020204" pitchFamily="34" charset="0"/>
-                  <a:buChar char="•"/>
-                </a:pPr>
-                <a:r>
-                  <a:rPr lang="en-US" sz="1400" b="1" dirty="0">
-                    <a:solidFill>
-                      <a:schemeClr val="tx1"/>
-                    </a:solidFill>
-                  </a:rPr>
-                  <a:t>atm, global</a:t>
-                </a:r>
-              </a:p>
-              <a:p>
-                <a:pPr marL="173038" indent="-173038">
-                  <a:buFont typeface="Arial" panose="020B0604020202020204" pitchFamily="34" charset="0"/>
-                  <a:buChar char="•"/>
-                </a:pPr>
-                <a:r>
-                  <a:rPr lang="en-US" sz="1400" b="1" dirty="0">
-                    <a:solidFill>
-                      <a:schemeClr val="tx1"/>
-                    </a:solidFill>
-                  </a:rPr>
-                  <a:t>Years 1-10</a:t>
-                </a:r>
-              </a:p>
-            </p:txBody>
-          </p:sp>
-          <p:sp>
-            <p:nvSpPr>
-              <p:cNvPr id="22" name="Round Diagonal Corner Rectangle 21">
-                <a:extLst>
-                  <a:ext uri="{FF2B5EF4-FFF2-40B4-BE49-F238E27FC236}">
-                    <a16:creationId xmlns:a16="http://schemas.microsoft.com/office/drawing/2014/main" id="{6ABDBE70-8DD2-0549-B887-C21BBAB789FF}"/>
-                  </a:ext>
-                </a:extLst>
-              </p:cNvPr>
-              <p:cNvSpPr/>
-              <p:nvPr/>
-            </p:nvSpPr>
-            <p:spPr>
-              <a:xfrm>
-                <a:off x="8186573" y="9105533"/>
-                <a:ext cx="1706480" cy="1020420"/>
-              </a:xfrm>
-              <a:prstGeom prst="round2DiagRect">
-                <a:avLst/>
-              </a:prstGeom>
-              <a:solidFill>
-                <a:schemeClr val="accent2">
-                  <a:lumMod val="40000"/>
-                  <a:lumOff val="60000"/>
-                </a:schemeClr>
-              </a:solidFill>
-            </p:spPr>
-            <p:style>
-              <a:lnRef idx="2">
-                <a:schemeClr val="accent1">
-                  <a:shade val="50000"/>
-                </a:schemeClr>
-              </a:lnRef>
-              <a:fillRef idx="1">
-                <a:schemeClr val="accent1"/>
-              </a:fillRef>
-              <a:effectRef idx="0">
-                <a:schemeClr val="accent1"/>
-              </a:effectRef>
-              <a:fontRef idx="minor">
-                <a:schemeClr val="lt1"/>
-              </a:fontRef>
-            </p:style>
-            <p:txBody>
-              <a:bodyPr rtlCol="0" anchor="t"/>
-              <a:lstStyle/>
-              <a:p>
-                <a:pPr algn="ctr"/>
-                <a:r>
-                  <a:rPr lang="en-US" sz="2400" b="1" dirty="0" err="1">
-                    <a:solidFill>
-                      <a:schemeClr val="tx1"/>
-                    </a:solidFill>
-                  </a:rPr>
-                  <a:t>ts</a:t>
-                </a:r>
-                <a:endParaRPr lang="en-US" dirty="0">
-                  <a:solidFill>
-                    <a:schemeClr val="tx1"/>
-                  </a:solidFill>
-                </a:endParaRPr>
-              </a:p>
-              <a:p>
-                <a:pPr marL="173038" indent="-173038">
-                  <a:buFont typeface="Arial" panose="020B0604020202020204" pitchFamily="34" charset="0"/>
-                  <a:buChar char="•"/>
-                </a:pPr>
-                <a:r>
-                  <a:rPr lang="en-US" sz="1400" b="1" dirty="0">
-                    <a:solidFill>
-                      <a:schemeClr val="tx1"/>
-                    </a:solidFill>
-                  </a:rPr>
-                  <a:t>atm, global</a:t>
-                </a:r>
-              </a:p>
-              <a:p>
-                <a:pPr marL="173038" indent="-173038">
-                  <a:buFont typeface="Arial" panose="020B0604020202020204" pitchFamily="34" charset="0"/>
-                  <a:buChar char="•"/>
-                </a:pPr>
-                <a:r>
-                  <a:rPr lang="en-US" sz="1400" b="1" dirty="0">
-                    <a:solidFill>
-                      <a:schemeClr val="tx1"/>
-                    </a:solidFill>
-                  </a:rPr>
-                  <a:t>Years 11-20</a:t>
-                </a:r>
-              </a:p>
-            </p:txBody>
-          </p:sp>
-          <p:sp>
-            <p:nvSpPr>
-              <p:cNvPr id="23" name="Round Diagonal Corner Rectangle 22">
-                <a:extLst>
-                  <a:ext uri="{FF2B5EF4-FFF2-40B4-BE49-F238E27FC236}">
-                    <a16:creationId xmlns:a16="http://schemas.microsoft.com/office/drawing/2014/main" id="{2F02E347-070F-EB4C-960C-3188F8614D4A}"/>
-                  </a:ext>
-                </a:extLst>
-              </p:cNvPr>
-              <p:cNvSpPr/>
-              <p:nvPr/>
-            </p:nvSpPr>
-            <p:spPr>
-              <a:xfrm>
-                <a:off x="10986807" y="9105533"/>
-                <a:ext cx="1706480" cy="1020420"/>
-              </a:xfrm>
-              <a:prstGeom prst="round2DiagRect">
-                <a:avLst/>
-              </a:prstGeom>
-              <a:solidFill>
-                <a:schemeClr val="accent2">
-                  <a:lumMod val="40000"/>
-                  <a:lumOff val="60000"/>
-                </a:schemeClr>
-              </a:solidFill>
-            </p:spPr>
-            <p:style>
-              <a:lnRef idx="2">
-                <a:schemeClr val="accent1">
-                  <a:shade val="50000"/>
-                </a:schemeClr>
-              </a:lnRef>
-              <a:fillRef idx="1">
-                <a:schemeClr val="accent1"/>
-              </a:fillRef>
-              <a:effectRef idx="0">
-                <a:schemeClr val="accent1"/>
-              </a:effectRef>
-              <a:fontRef idx="minor">
-                <a:schemeClr val="lt1"/>
-              </a:fontRef>
-            </p:style>
-            <p:txBody>
-              <a:bodyPr rtlCol="0" anchor="t"/>
-              <a:lstStyle/>
-              <a:p>
-                <a:pPr algn="ctr"/>
-                <a:r>
-                  <a:rPr lang="en-US" sz="2400" b="1" dirty="0" err="1">
-                    <a:solidFill>
-                      <a:schemeClr val="tx1"/>
-                    </a:solidFill>
-                  </a:rPr>
-                  <a:t>ts</a:t>
-                </a:r>
-                <a:endParaRPr lang="en-US" dirty="0">
-                  <a:solidFill>
-                    <a:schemeClr val="tx1"/>
-                  </a:solidFill>
-                </a:endParaRPr>
-              </a:p>
-              <a:p>
-                <a:pPr marL="173038" indent="-173038">
-                  <a:buFont typeface="Arial" panose="020B0604020202020204" pitchFamily="34" charset="0"/>
-                  <a:buChar char="•"/>
-                </a:pPr>
-                <a:r>
-                  <a:rPr lang="en-US" sz="1400" b="1" dirty="0">
-                    <a:solidFill>
-                      <a:schemeClr val="tx1"/>
-                    </a:solidFill>
-                  </a:rPr>
-                  <a:t>atm, global</a:t>
-                </a:r>
-              </a:p>
-              <a:p>
-                <a:pPr marL="173038" indent="-173038">
-                  <a:buFont typeface="Arial" panose="020B0604020202020204" pitchFamily="34" charset="0"/>
-                  <a:buChar char="•"/>
-                </a:pPr>
-                <a:r>
-                  <a:rPr lang="en-US" sz="1400" b="1" dirty="0">
-                    <a:solidFill>
-                      <a:schemeClr val="tx1"/>
-                    </a:solidFill>
-                  </a:rPr>
-                  <a:t>Years 191-200</a:t>
-                </a:r>
-              </a:p>
-            </p:txBody>
-          </p:sp>
-          <p:cxnSp>
-            <p:nvCxnSpPr>
-              <p:cNvPr id="35" name="Straight Connector 34">
-                <a:extLst>
-                  <a:ext uri="{FF2B5EF4-FFF2-40B4-BE49-F238E27FC236}">
-                    <a16:creationId xmlns:a16="http://schemas.microsoft.com/office/drawing/2014/main" id="{61B845C8-7898-4049-A5A1-BC16AECEAFBB}"/>
-                  </a:ext>
-                </a:extLst>
-              </p:cNvPr>
-              <p:cNvCxnSpPr>
-                <a:cxnSpLocks/>
-              </p:cNvCxnSpPr>
-              <p:nvPr/>
-            </p:nvCxnSpPr>
-            <p:spPr>
-              <a:xfrm>
-                <a:off x="10061782" y="9615743"/>
-                <a:ext cx="734786" cy="0"/>
-              </a:xfrm>
-              <a:prstGeom prst="line">
-                <a:avLst/>
-              </a:prstGeom>
-              <a:ln w="63500">
-                <a:prstDash val="sysDot"/>
-              </a:ln>
-            </p:spPr>
-            <p:style>
-              <a:lnRef idx="1">
-                <a:schemeClr val="dk1"/>
-              </a:lnRef>
-              <a:fillRef idx="0">
-                <a:schemeClr val="dk1"/>
-              </a:fillRef>
-              <a:effectRef idx="0">
-                <a:schemeClr val="dk1"/>
-              </a:effectRef>
-              <a:fontRef idx="minor">
-                <a:schemeClr val="tx1"/>
-              </a:fontRef>
-            </p:style>
-          </p:cxnSp>
-        </p:grpSp>
-        <p:grpSp>
-          <p:nvGrpSpPr>
-            <p:cNvPr id="41" name="Group 40">
-              <a:extLst>
-                <a:ext uri="{FF2B5EF4-FFF2-40B4-BE49-F238E27FC236}">
-                  <a16:creationId xmlns:a16="http://schemas.microsoft.com/office/drawing/2014/main" id="{6E9EAFA2-B801-9646-A022-FFC50CDACDE0}"/>
-                </a:ext>
-              </a:extLst>
-            </p:cNvPr>
-            <p:cNvGrpSpPr/>
-            <p:nvPr/>
-          </p:nvGrpSpPr>
-          <p:grpSpPr>
-            <a:xfrm>
-              <a:off x="6473623" y="9195751"/>
-              <a:ext cx="6333451" cy="1020421"/>
-              <a:chOff x="6593881" y="10107023"/>
-              <a:chExt cx="6333451" cy="1020421"/>
-            </a:xfrm>
-          </p:grpSpPr>
-          <p:sp>
-            <p:nvSpPr>
-              <p:cNvPr id="24" name="Round Diagonal Corner Rectangle 23">
-                <a:extLst>
-                  <a:ext uri="{FF2B5EF4-FFF2-40B4-BE49-F238E27FC236}">
-                    <a16:creationId xmlns:a16="http://schemas.microsoft.com/office/drawing/2014/main" id="{063E2700-D628-9040-BB8E-2330DF3EA9B7}"/>
-                  </a:ext>
-                </a:extLst>
-              </p:cNvPr>
-              <p:cNvSpPr/>
-              <p:nvPr/>
-            </p:nvSpPr>
-            <p:spPr>
-              <a:xfrm>
-                <a:off x="6593881" y="10107023"/>
-                <a:ext cx="1706480" cy="1020421"/>
-              </a:xfrm>
-              <a:prstGeom prst="round2DiagRect">
-                <a:avLst/>
-              </a:prstGeom>
-              <a:solidFill>
-                <a:schemeClr val="accent2">
-                  <a:lumMod val="40000"/>
-                  <a:lumOff val="60000"/>
-                </a:schemeClr>
-              </a:solidFill>
-            </p:spPr>
-            <p:style>
-              <a:lnRef idx="2">
-                <a:schemeClr val="accent1">
-                  <a:shade val="50000"/>
-                </a:schemeClr>
-              </a:lnRef>
-              <a:fillRef idx="1">
-                <a:schemeClr val="accent1"/>
-              </a:fillRef>
-              <a:effectRef idx="0">
-                <a:schemeClr val="accent1"/>
-              </a:effectRef>
-              <a:fontRef idx="minor">
-                <a:schemeClr val="lt1"/>
-              </a:fontRef>
-            </p:style>
-            <p:txBody>
-              <a:bodyPr rtlCol="0" anchor="t"/>
-              <a:lstStyle/>
-              <a:p>
-                <a:pPr algn="ctr"/>
-                <a:r>
-                  <a:rPr lang="en-US" sz="2400" b="1" dirty="0" err="1">
-                    <a:solidFill>
-                      <a:schemeClr val="tx1"/>
-                    </a:solidFill>
-                  </a:rPr>
-                  <a:t>ts</a:t>
-                </a:r>
-                <a:endParaRPr lang="en-US" dirty="0">
-                  <a:solidFill>
-                    <a:schemeClr val="tx1"/>
-                  </a:solidFill>
-                </a:endParaRPr>
-              </a:p>
-              <a:p>
-                <a:pPr marL="173038" indent="-173038">
-                  <a:buFont typeface="Arial" panose="020B0604020202020204" pitchFamily="34" charset="0"/>
-                  <a:buChar char="•"/>
-                </a:pPr>
-                <a:r>
-                  <a:rPr lang="en-US" sz="1400" b="1" dirty="0">
-                    <a:solidFill>
-                      <a:schemeClr val="tx1"/>
-                    </a:solidFill>
-                  </a:rPr>
-                  <a:t>land, native</a:t>
-                </a:r>
-              </a:p>
-              <a:p>
-                <a:pPr marL="173038" indent="-173038">
-                  <a:buFont typeface="Arial" panose="020B0604020202020204" pitchFamily="34" charset="0"/>
-                  <a:buChar char="•"/>
-                </a:pPr>
-                <a:r>
-                  <a:rPr lang="en-US" sz="1400" b="1" dirty="0">
-                    <a:solidFill>
-                      <a:schemeClr val="tx1"/>
-                    </a:solidFill>
-                  </a:rPr>
-                  <a:t>Years 1-10</a:t>
-                </a:r>
-              </a:p>
-            </p:txBody>
-          </p:sp>
-          <p:sp>
-            <p:nvSpPr>
-              <p:cNvPr id="25" name="Round Diagonal Corner Rectangle 24">
-                <a:extLst>
-                  <a:ext uri="{FF2B5EF4-FFF2-40B4-BE49-F238E27FC236}">
-                    <a16:creationId xmlns:a16="http://schemas.microsoft.com/office/drawing/2014/main" id="{F811C1AA-8BFE-0642-A6F2-0CEDBA85EB01}"/>
-                  </a:ext>
-                </a:extLst>
-              </p:cNvPr>
-              <p:cNvSpPr/>
-              <p:nvPr/>
-            </p:nvSpPr>
-            <p:spPr>
-              <a:xfrm>
-                <a:off x="8420618" y="10107023"/>
-                <a:ext cx="1706480" cy="1020420"/>
-              </a:xfrm>
-              <a:prstGeom prst="round2DiagRect">
-                <a:avLst/>
-              </a:prstGeom>
-              <a:solidFill>
-                <a:schemeClr val="accent2">
-                  <a:lumMod val="40000"/>
-                  <a:lumOff val="60000"/>
-                </a:schemeClr>
-              </a:solidFill>
-            </p:spPr>
-            <p:style>
-              <a:lnRef idx="2">
-                <a:schemeClr val="accent1">
-                  <a:shade val="50000"/>
-                </a:schemeClr>
-              </a:lnRef>
-              <a:fillRef idx="1">
-                <a:schemeClr val="accent1"/>
-              </a:fillRef>
-              <a:effectRef idx="0">
-                <a:schemeClr val="accent1"/>
-              </a:effectRef>
-              <a:fontRef idx="minor">
-                <a:schemeClr val="lt1"/>
-              </a:fontRef>
-            </p:style>
-            <p:txBody>
-              <a:bodyPr rtlCol="0" anchor="t"/>
-              <a:lstStyle/>
-              <a:p>
-                <a:pPr algn="ctr"/>
-                <a:r>
-                  <a:rPr lang="en-US" sz="2400" b="1" dirty="0" err="1">
-                    <a:solidFill>
-                      <a:schemeClr val="tx1"/>
-                    </a:solidFill>
-                  </a:rPr>
-                  <a:t>ts</a:t>
-                </a:r>
-                <a:endParaRPr lang="en-US" dirty="0">
-                  <a:solidFill>
-                    <a:schemeClr val="tx1"/>
-                  </a:solidFill>
-                </a:endParaRPr>
-              </a:p>
-              <a:p>
-                <a:pPr marL="173038" indent="-173038">
-                  <a:buFont typeface="Arial" panose="020B0604020202020204" pitchFamily="34" charset="0"/>
-                  <a:buChar char="•"/>
-                </a:pPr>
-                <a:r>
-                  <a:rPr lang="en-US" sz="1400" b="1" dirty="0">
-                    <a:solidFill>
-                      <a:schemeClr val="tx1"/>
-                    </a:solidFill>
-                  </a:rPr>
-                  <a:t>land, native</a:t>
-                </a:r>
-              </a:p>
-              <a:p>
-                <a:pPr marL="173038" indent="-173038">
-                  <a:buFont typeface="Arial" panose="020B0604020202020204" pitchFamily="34" charset="0"/>
-                  <a:buChar char="•"/>
-                </a:pPr>
-                <a:r>
-                  <a:rPr lang="en-US" sz="1400" b="1" dirty="0">
-                    <a:solidFill>
-                      <a:schemeClr val="tx1"/>
-                    </a:solidFill>
-                  </a:rPr>
-                  <a:t>Years 11-20</a:t>
-                </a:r>
-              </a:p>
-            </p:txBody>
-          </p:sp>
-          <p:sp>
-            <p:nvSpPr>
-              <p:cNvPr id="26" name="Round Diagonal Corner Rectangle 25">
-                <a:extLst>
-                  <a:ext uri="{FF2B5EF4-FFF2-40B4-BE49-F238E27FC236}">
-                    <a16:creationId xmlns:a16="http://schemas.microsoft.com/office/drawing/2014/main" id="{09698791-B47F-694B-BA53-AF891CE5F571}"/>
-                  </a:ext>
-                </a:extLst>
-              </p:cNvPr>
-              <p:cNvSpPr/>
-              <p:nvPr/>
-            </p:nvSpPr>
-            <p:spPr>
-              <a:xfrm>
-                <a:off x="11220852" y="10107023"/>
-                <a:ext cx="1706480" cy="1020421"/>
-              </a:xfrm>
-              <a:prstGeom prst="round2DiagRect">
-                <a:avLst/>
-              </a:prstGeom>
-              <a:solidFill>
-                <a:schemeClr val="accent2">
-                  <a:lumMod val="40000"/>
-                  <a:lumOff val="60000"/>
-                </a:schemeClr>
-              </a:solidFill>
-            </p:spPr>
-            <p:style>
-              <a:lnRef idx="2">
-                <a:schemeClr val="accent1">
-                  <a:shade val="50000"/>
-                </a:schemeClr>
-              </a:lnRef>
-              <a:fillRef idx="1">
-                <a:schemeClr val="accent1"/>
-              </a:fillRef>
-              <a:effectRef idx="0">
-                <a:schemeClr val="accent1"/>
-              </a:effectRef>
-              <a:fontRef idx="minor">
-                <a:schemeClr val="lt1"/>
-              </a:fontRef>
-            </p:style>
-            <p:txBody>
-              <a:bodyPr rtlCol="0" anchor="t"/>
-              <a:lstStyle/>
-              <a:p>
-                <a:pPr algn="ctr"/>
-                <a:r>
-                  <a:rPr lang="en-US" sz="2400" b="1" dirty="0" err="1">
-                    <a:solidFill>
-                      <a:schemeClr val="tx1"/>
-                    </a:solidFill>
-                  </a:rPr>
-                  <a:t>ts</a:t>
-                </a:r>
-                <a:endParaRPr lang="en-US" dirty="0">
-                  <a:solidFill>
-                    <a:schemeClr val="tx1"/>
-                  </a:solidFill>
-                </a:endParaRPr>
-              </a:p>
-              <a:p>
-                <a:pPr marL="173038" indent="-173038">
-                  <a:buFont typeface="Arial" panose="020B0604020202020204" pitchFamily="34" charset="0"/>
-                  <a:buChar char="•"/>
-                </a:pPr>
-                <a:r>
-                  <a:rPr lang="en-US" sz="1400" b="1" dirty="0">
-                    <a:solidFill>
-                      <a:schemeClr val="tx1"/>
-                    </a:solidFill>
-                  </a:rPr>
-                  <a:t>land, native</a:t>
-                </a:r>
-              </a:p>
-              <a:p>
-                <a:pPr marL="173038" indent="-173038">
-                  <a:buFont typeface="Arial" panose="020B0604020202020204" pitchFamily="34" charset="0"/>
-                  <a:buChar char="•"/>
-                </a:pPr>
-                <a:r>
-                  <a:rPr lang="en-US" sz="1400" b="1" dirty="0">
-                    <a:solidFill>
-                      <a:schemeClr val="tx1"/>
-                    </a:solidFill>
-                  </a:rPr>
-                  <a:t>Years 191-200</a:t>
-                </a:r>
-              </a:p>
-            </p:txBody>
-          </p:sp>
-          <p:cxnSp>
-            <p:nvCxnSpPr>
-              <p:cNvPr id="36" name="Straight Connector 35">
-                <a:extLst>
-                  <a:ext uri="{FF2B5EF4-FFF2-40B4-BE49-F238E27FC236}">
-                    <a16:creationId xmlns:a16="http://schemas.microsoft.com/office/drawing/2014/main" id="{987ABEA8-3A86-FA4E-B577-5B4A3A3C2B79}"/>
-                  </a:ext>
-                </a:extLst>
-              </p:cNvPr>
-              <p:cNvCxnSpPr>
-                <a:cxnSpLocks/>
-              </p:cNvCxnSpPr>
-              <p:nvPr/>
-            </p:nvCxnSpPr>
-            <p:spPr>
-              <a:xfrm>
-                <a:off x="10278739" y="10617233"/>
-                <a:ext cx="734786" cy="0"/>
-              </a:xfrm>
-              <a:prstGeom prst="line">
-                <a:avLst/>
-              </a:prstGeom>
-              <a:ln w="63500">
-                <a:prstDash val="sysDot"/>
-              </a:ln>
-            </p:spPr>
-            <p:style>
-              <a:lnRef idx="1">
-                <a:schemeClr val="dk1"/>
-              </a:lnRef>
-              <a:fillRef idx="0">
-                <a:schemeClr val="dk1"/>
-              </a:fillRef>
-              <a:effectRef idx="0">
-                <a:schemeClr val="dk1"/>
-              </a:effectRef>
-              <a:fontRef idx="minor">
-                <a:schemeClr val="tx1"/>
-              </a:fontRef>
-            </p:style>
-          </p:cxnSp>
-        </p:grpSp>
-        <p:grpSp>
-          <p:nvGrpSpPr>
-            <p:cNvPr id="42" name="Group 41">
-              <a:extLst>
-                <a:ext uri="{FF2B5EF4-FFF2-40B4-BE49-F238E27FC236}">
-                  <a16:creationId xmlns:a16="http://schemas.microsoft.com/office/drawing/2014/main" id="{10D5DD3A-5623-144A-91F1-4ACC17C3B314}"/>
-                </a:ext>
-              </a:extLst>
-            </p:cNvPr>
-            <p:cNvGrpSpPr/>
-            <p:nvPr/>
-          </p:nvGrpSpPr>
-          <p:grpSpPr>
-            <a:xfrm>
-              <a:off x="6075463" y="10341354"/>
-              <a:ext cx="6259020" cy="1020421"/>
-              <a:chOff x="6648307" y="11124839"/>
-              <a:chExt cx="6259020" cy="1020421"/>
-            </a:xfrm>
-          </p:grpSpPr>
-          <p:sp>
-            <p:nvSpPr>
-              <p:cNvPr id="27" name="Round Diagonal Corner Rectangle 26">
-                <a:extLst>
-                  <a:ext uri="{FF2B5EF4-FFF2-40B4-BE49-F238E27FC236}">
-                    <a16:creationId xmlns:a16="http://schemas.microsoft.com/office/drawing/2014/main" id="{2F10438A-FFA6-8B40-9049-F724D857905B}"/>
-                  </a:ext>
-                </a:extLst>
-              </p:cNvPr>
-              <p:cNvSpPr/>
-              <p:nvPr/>
-            </p:nvSpPr>
-            <p:spPr>
-              <a:xfrm>
-                <a:off x="6648307" y="11124839"/>
-                <a:ext cx="1706480" cy="1020421"/>
-              </a:xfrm>
-              <a:prstGeom prst="round2DiagRect">
-                <a:avLst/>
-              </a:prstGeom>
-              <a:solidFill>
-                <a:schemeClr val="accent3">
-                  <a:lumMod val="40000"/>
-                  <a:lumOff val="60000"/>
-                </a:schemeClr>
-              </a:solidFill>
-            </p:spPr>
-            <p:style>
-              <a:lnRef idx="2">
-                <a:schemeClr val="accent1">
-                  <a:shade val="50000"/>
-                </a:schemeClr>
-              </a:lnRef>
-              <a:fillRef idx="1">
-                <a:schemeClr val="accent1"/>
-              </a:fillRef>
-              <a:effectRef idx="0">
-                <a:schemeClr val="accent1"/>
-              </a:effectRef>
-              <a:fontRef idx="minor">
-                <a:schemeClr val="lt1"/>
-              </a:fontRef>
-            </p:style>
-            <p:txBody>
-              <a:bodyPr rtlCol="0" anchor="t"/>
-              <a:lstStyle/>
-              <a:p>
-                <a:pPr algn="ctr"/>
-                <a:r>
-                  <a:rPr lang="en-US" sz="2400" b="1" dirty="0" err="1">
-                    <a:solidFill>
-                      <a:schemeClr val="tx1"/>
-                    </a:solidFill>
-                  </a:rPr>
-                  <a:t>climo</a:t>
-                </a:r>
-                <a:endParaRPr lang="en-US" dirty="0">
-                  <a:solidFill>
-                    <a:schemeClr val="tx1"/>
-                  </a:solidFill>
-                </a:endParaRPr>
-              </a:p>
-              <a:p>
-                <a:pPr marL="173038" indent="-173038">
-                  <a:buFont typeface="Arial" panose="020B0604020202020204" pitchFamily="34" charset="0"/>
-                  <a:buChar char="•"/>
-                </a:pPr>
-                <a:r>
-                  <a:rPr lang="en-US" sz="1400" b="1" dirty="0">
-                    <a:solidFill>
-                      <a:schemeClr val="tx1"/>
-                    </a:solidFill>
-                  </a:rPr>
-                  <a:t>atm, </a:t>
-                </a:r>
-                <a:r>
-                  <a:rPr lang="en-US" sz="1400" b="1" dirty="0" err="1">
-                    <a:solidFill>
-                      <a:schemeClr val="tx1"/>
-                    </a:solidFill>
-                  </a:rPr>
-                  <a:t>regridded</a:t>
-                </a:r>
-                <a:endParaRPr lang="en-US" sz="1400" b="1" dirty="0">
-                  <a:solidFill>
-                    <a:schemeClr val="tx1"/>
-                  </a:solidFill>
-                </a:endParaRPr>
-              </a:p>
-              <a:p>
-                <a:pPr marL="173038" indent="-173038">
-                  <a:buFont typeface="Arial" panose="020B0604020202020204" pitchFamily="34" charset="0"/>
-                  <a:buChar char="•"/>
-                </a:pPr>
-                <a:r>
-                  <a:rPr lang="en-US" sz="1400" b="1" dirty="0">
-                    <a:solidFill>
-                      <a:schemeClr val="tx1"/>
-                    </a:solidFill>
-                  </a:rPr>
-                  <a:t>Years 1-20</a:t>
-                </a:r>
-              </a:p>
-            </p:txBody>
-          </p:sp>
-          <p:sp>
-            <p:nvSpPr>
-              <p:cNvPr id="28" name="Round Diagonal Corner Rectangle 27">
-                <a:extLst>
-                  <a:ext uri="{FF2B5EF4-FFF2-40B4-BE49-F238E27FC236}">
-                    <a16:creationId xmlns:a16="http://schemas.microsoft.com/office/drawing/2014/main" id="{2A111416-90AA-3D4E-9213-04D4908CBF61}"/>
-                  </a:ext>
-                </a:extLst>
-              </p:cNvPr>
-              <p:cNvSpPr/>
-              <p:nvPr/>
-            </p:nvSpPr>
-            <p:spPr>
-              <a:xfrm>
-                <a:off x="8506943" y="11124839"/>
-                <a:ext cx="1706480" cy="1020420"/>
-              </a:xfrm>
-              <a:prstGeom prst="round2DiagRect">
-                <a:avLst/>
-              </a:prstGeom>
-              <a:solidFill>
-                <a:schemeClr val="accent3">
-                  <a:lumMod val="40000"/>
-                  <a:lumOff val="60000"/>
-                </a:schemeClr>
-              </a:solidFill>
-            </p:spPr>
-            <p:style>
-              <a:lnRef idx="2">
-                <a:schemeClr val="accent1">
-                  <a:shade val="50000"/>
-                </a:schemeClr>
-              </a:lnRef>
-              <a:fillRef idx="1">
-                <a:schemeClr val="accent1"/>
-              </a:fillRef>
-              <a:effectRef idx="0">
-                <a:schemeClr val="accent1"/>
-              </a:effectRef>
-              <a:fontRef idx="minor">
-                <a:schemeClr val="lt1"/>
-              </a:fontRef>
-            </p:style>
-            <p:txBody>
-              <a:bodyPr rtlCol="0" anchor="t"/>
-              <a:lstStyle/>
-              <a:p>
-                <a:pPr algn="ctr"/>
-                <a:r>
-                  <a:rPr lang="en-US" sz="2400" b="1" dirty="0" err="1">
-                    <a:solidFill>
-                      <a:schemeClr val="tx1"/>
-                    </a:solidFill>
-                  </a:rPr>
-                  <a:t>climo</a:t>
-                </a:r>
-                <a:endParaRPr lang="en-US" dirty="0">
-                  <a:solidFill>
-                    <a:schemeClr val="tx1"/>
-                  </a:solidFill>
-                </a:endParaRPr>
-              </a:p>
-              <a:p>
-                <a:pPr marL="173038" indent="-173038">
-                  <a:buFont typeface="Arial" panose="020B0604020202020204" pitchFamily="34" charset="0"/>
-                  <a:buChar char="•"/>
-                </a:pPr>
-                <a:r>
-                  <a:rPr lang="en-US" sz="1400" b="1" dirty="0">
-                    <a:solidFill>
-                      <a:schemeClr val="tx1"/>
-                    </a:solidFill>
-                  </a:rPr>
-                  <a:t>atm, </a:t>
-                </a:r>
-                <a:r>
-                  <a:rPr lang="en-US" sz="1400" b="1" dirty="0" err="1">
-                    <a:solidFill>
-                      <a:schemeClr val="tx1"/>
-                    </a:solidFill>
-                  </a:rPr>
-                  <a:t>regridded</a:t>
-                </a:r>
-                <a:endParaRPr lang="en-US" sz="1400" b="1" dirty="0">
-                  <a:solidFill>
-                    <a:schemeClr val="tx1"/>
-                  </a:solidFill>
-                </a:endParaRPr>
-              </a:p>
-              <a:p>
-                <a:pPr marL="173038" indent="-173038">
-                  <a:buFont typeface="Arial" panose="020B0604020202020204" pitchFamily="34" charset="0"/>
-                  <a:buChar char="•"/>
-                </a:pPr>
-                <a:r>
-                  <a:rPr lang="en-US" sz="1400" b="1" dirty="0">
-                    <a:solidFill>
-                      <a:schemeClr val="tx1"/>
-                    </a:solidFill>
-                  </a:rPr>
-                  <a:t>Years 21-40</a:t>
-                </a:r>
-              </a:p>
-            </p:txBody>
-          </p:sp>
-          <p:sp>
-            <p:nvSpPr>
-              <p:cNvPr id="29" name="Round Diagonal Corner Rectangle 28">
-                <a:extLst>
-                  <a:ext uri="{FF2B5EF4-FFF2-40B4-BE49-F238E27FC236}">
-                    <a16:creationId xmlns:a16="http://schemas.microsoft.com/office/drawing/2014/main" id="{0C3FE6DC-F292-3E48-B88A-A96BB89674DB}"/>
-                  </a:ext>
-                </a:extLst>
-              </p:cNvPr>
-              <p:cNvSpPr/>
-              <p:nvPr/>
-            </p:nvSpPr>
-            <p:spPr>
-              <a:xfrm>
-                <a:off x="11200847" y="11124839"/>
-                <a:ext cx="1706480" cy="1020420"/>
-              </a:xfrm>
-              <a:prstGeom prst="round2DiagRect">
-                <a:avLst/>
-              </a:prstGeom>
-              <a:solidFill>
-                <a:schemeClr val="accent3">
-                  <a:lumMod val="40000"/>
-                  <a:lumOff val="60000"/>
-                </a:schemeClr>
-              </a:solidFill>
-            </p:spPr>
-            <p:style>
-              <a:lnRef idx="2">
-                <a:schemeClr val="accent1">
-                  <a:shade val="50000"/>
-                </a:schemeClr>
-              </a:lnRef>
-              <a:fillRef idx="1">
-                <a:schemeClr val="accent1"/>
-              </a:fillRef>
-              <a:effectRef idx="0">
-                <a:schemeClr val="accent1"/>
-              </a:effectRef>
-              <a:fontRef idx="minor">
-                <a:schemeClr val="lt1"/>
-              </a:fontRef>
-            </p:style>
-            <p:txBody>
-              <a:bodyPr rtlCol="0" anchor="t"/>
-              <a:lstStyle/>
-              <a:p>
-                <a:pPr algn="ctr"/>
-                <a:r>
-                  <a:rPr lang="en-US" sz="2400" b="1" dirty="0" err="1">
-                    <a:solidFill>
-                      <a:schemeClr val="tx1"/>
-                    </a:solidFill>
-                  </a:rPr>
-                  <a:t>climo</a:t>
-                </a:r>
-                <a:endParaRPr lang="en-US" dirty="0">
-                  <a:solidFill>
-                    <a:schemeClr val="tx1"/>
-                  </a:solidFill>
-                </a:endParaRPr>
-              </a:p>
-              <a:p>
-                <a:pPr marL="173038" indent="-173038">
-                  <a:buFont typeface="Arial" panose="020B0604020202020204" pitchFamily="34" charset="0"/>
-                  <a:buChar char="•"/>
-                </a:pPr>
-                <a:r>
-                  <a:rPr lang="en-US" sz="1400" b="1" dirty="0">
-                    <a:solidFill>
-                      <a:schemeClr val="tx1"/>
-                    </a:solidFill>
-                  </a:rPr>
-                  <a:t>atm, </a:t>
-                </a:r>
-                <a:r>
-                  <a:rPr lang="en-US" sz="1400" b="1" dirty="0" err="1">
-                    <a:solidFill>
-                      <a:schemeClr val="tx1"/>
-                    </a:solidFill>
-                  </a:rPr>
-                  <a:t>regridded</a:t>
-                </a:r>
-                <a:endParaRPr lang="en-US" sz="1400" b="1" dirty="0">
-                  <a:solidFill>
-                    <a:schemeClr val="tx1"/>
-                  </a:solidFill>
-                </a:endParaRPr>
-              </a:p>
-              <a:p>
-                <a:pPr marL="173038" indent="-173038">
-                  <a:buFont typeface="Arial" panose="020B0604020202020204" pitchFamily="34" charset="0"/>
-                  <a:buChar char="•"/>
-                </a:pPr>
-                <a:r>
-                  <a:rPr lang="en-US" sz="1400" b="1" dirty="0">
-                    <a:solidFill>
-                      <a:schemeClr val="tx1"/>
-                    </a:solidFill>
-                  </a:rPr>
-                  <a:t>Years 181-200</a:t>
-                </a:r>
-              </a:p>
-            </p:txBody>
-          </p:sp>
-          <p:cxnSp>
-            <p:nvCxnSpPr>
-              <p:cNvPr id="37" name="Straight Connector 36">
-                <a:extLst>
-                  <a:ext uri="{FF2B5EF4-FFF2-40B4-BE49-F238E27FC236}">
-                    <a16:creationId xmlns:a16="http://schemas.microsoft.com/office/drawing/2014/main" id="{0D8DA824-95E4-444B-AF47-E49BA01BC0CF}"/>
-                  </a:ext>
-                </a:extLst>
-              </p:cNvPr>
-              <p:cNvCxnSpPr>
-                <a:cxnSpLocks/>
-              </p:cNvCxnSpPr>
-              <p:nvPr/>
-            </p:nvCxnSpPr>
-            <p:spPr>
-              <a:xfrm>
-                <a:off x="10314176" y="11635049"/>
-                <a:ext cx="734786" cy="0"/>
-              </a:xfrm>
-              <a:prstGeom prst="line">
-                <a:avLst/>
-              </a:prstGeom>
-              <a:ln w="63500">
-                <a:prstDash val="sysDot"/>
-              </a:ln>
-            </p:spPr>
-            <p:style>
-              <a:lnRef idx="1">
-                <a:schemeClr val="dk1"/>
-              </a:lnRef>
-              <a:fillRef idx="0">
-                <a:schemeClr val="dk1"/>
-              </a:fillRef>
-              <a:effectRef idx="0">
-                <a:schemeClr val="dk1"/>
-              </a:effectRef>
-              <a:fontRef idx="minor">
-                <a:schemeClr val="tx1"/>
-              </a:fontRef>
-            </p:style>
-          </p:cxnSp>
-        </p:grpSp>
-        <p:grpSp>
-          <p:nvGrpSpPr>
-            <p:cNvPr id="43" name="Group 42">
-              <a:extLst>
-                <a:ext uri="{FF2B5EF4-FFF2-40B4-BE49-F238E27FC236}">
-                  <a16:creationId xmlns:a16="http://schemas.microsoft.com/office/drawing/2014/main" id="{0E04CE62-44B3-8F4C-8636-83D36D92A28C}"/>
-                </a:ext>
-              </a:extLst>
-            </p:cNvPr>
-            <p:cNvGrpSpPr/>
-            <p:nvPr/>
-          </p:nvGrpSpPr>
-          <p:grpSpPr>
-            <a:xfrm>
-              <a:off x="6434761" y="11586185"/>
-              <a:ext cx="6411176" cy="771656"/>
-              <a:chOff x="6820950" y="12076743"/>
-              <a:chExt cx="6411176" cy="771656"/>
-            </a:xfrm>
-          </p:grpSpPr>
-          <p:sp>
-            <p:nvSpPr>
-              <p:cNvPr id="30" name="Round Diagonal Corner Rectangle 29">
-                <a:extLst>
-                  <a:ext uri="{FF2B5EF4-FFF2-40B4-BE49-F238E27FC236}">
-                    <a16:creationId xmlns:a16="http://schemas.microsoft.com/office/drawing/2014/main" id="{B2535109-60AB-CB48-815D-0D284CFEC7BA}"/>
-                  </a:ext>
-                </a:extLst>
-              </p:cNvPr>
-              <p:cNvSpPr/>
-              <p:nvPr/>
-            </p:nvSpPr>
-            <p:spPr>
-              <a:xfrm>
-                <a:off x="6820950" y="12076743"/>
-                <a:ext cx="1826737" cy="771656"/>
-              </a:xfrm>
-              <a:prstGeom prst="round2DiagRect">
-                <a:avLst/>
-              </a:prstGeom>
-              <a:solidFill>
-                <a:schemeClr val="accent4">
-                  <a:lumMod val="40000"/>
-                  <a:lumOff val="60000"/>
-                </a:schemeClr>
-              </a:solidFill>
-            </p:spPr>
-            <p:style>
-              <a:lnRef idx="2">
-                <a:schemeClr val="accent1">
-                  <a:shade val="50000"/>
-                </a:schemeClr>
-              </a:lnRef>
-              <a:fillRef idx="1">
-                <a:schemeClr val="accent1"/>
-              </a:fillRef>
-              <a:effectRef idx="0">
-                <a:schemeClr val="accent1"/>
-              </a:effectRef>
-              <a:fontRef idx="minor">
-                <a:schemeClr val="lt1"/>
-              </a:fontRef>
-            </p:style>
-            <p:txBody>
-              <a:bodyPr rtlCol="0" anchor="t"/>
-              <a:lstStyle/>
-              <a:p>
-                <a:pPr algn="ctr"/>
-                <a:r>
-                  <a:rPr lang="en-US" sz="2400" b="1" dirty="0">
-                    <a:solidFill>
-                      <a:schemeClr val="tx1"/>
-                    </a:solidFill>
-                  </a:rPr>
-                  <a:t>e3sm_diags</a:t>
-                </a:r>
-              </a:p>
-              <a:p>
-                <a:pPr marL="130175" indent="-130175">
-                  <a:buFont typeface="Arial" panose="020B0604020202020204" pitchFamily="34" charset="0"/>
-                  <a:buChar char="•"/>
-                </a:pPr>
-                <a:r>
-                  <a:rPr lang="en-US" sz="1400" b="1" dirty="0">
-                    <a:solidFill>
-                      <a:schemeClr val="tx1"/>
-                    </a:solidFill>
-                  </a:rPr>
-                  <a:t>Years 1-20</a:t>
-                </a:r>
-              </a:p>
-              <a:p>
-                <a:pPr algn="ctr"/>
-                <a:endParaRPr lang="en-US" dirty="0">
-                  <a:solidFill>
-                    <a:schemeClr val="tx1"/>
-                  </a:solidFill>
-                </a:endParaRPr>
-              </a:p>
-            </p:txBody>
-          </p:sp>
-          <p:sp>
-            <p:nvSpPr>
-              <p:cNvPr id="31" name="Round Diagonal Corner Rectangle 30">
-                <a:extLst>
-                  <a:ext uri="{FF2B5EF4-FFF2-40B4-BE49-F238E27FC236}">
-                    <a16:creationId xmlns:a16="http://schemas.microsoft.com/office/drawing/2014/main" id="{DEA93B2C-91E5-2D4E-9FB5-1245BF4907A1}"/>
-                  </a:ext>
-                </a:extLst>
-              </p:cNvPr>
-              <p:cNvSpPr/>
-              <p:nvPr/>
-            </p:nvSpPr>
-            <p:spPr>
-              <a:xfrm>
-                <a:off x="8719459" y="12076744"/>
-                <a:ext cx="1826736" cy="771654"/>
-              </a:xfrm>
-              <a:prstGeom prst="round2DiagRect">
-                <a:avLst/>
-              </a:prstGeom>
-              <a:solidFill>
-                <a:schemeClr val="accent4">
-                  <a:lumMod val="40000"/>
-                  <a:lumOff val="60000"/>
-                </a:schemeClr>
-              </a:solidFill>
-            </p:spPr>
-            <p:style>
-              <a:lnRef idx="2">
-                <a:schemeClr val="accent1">
-                  <a:shade val="50000"/>
-                </a:schemeClr>
-              </a:lnRef>
-              <a:fillRef idx="1">
-                <a:schemeClr val="accent1"/>
-              </a:fillRef>
-              <a:effectRef idx="0">
-                <a:schemeClr val="accent1"/>
-              </a:effectRef>
-              <a:fontRef idx="minor">
-                <a:schemeClr val="lt1"/>
-              </a:fontRef>
-            </p:style>
-            <p:txBody>
-              <a:bodyPr rtlCol="0" anchor="t"/>
-              <a:lstStyle/>
-              <a:p>
-                <a:pPr algn="ctr"/>
-                <a:r>
-                  <a:rPr lang="en-US" sz="2400" b="1" dirty="0">
-                    <a:solidFill>
-                      <a:schemeClr val="tx1"/>
-                    </a:solidFill>
-                  </a:rPr>
-                  <a:t>e3sm_diags</a:t>
-                </a:r>
-              </a:p>
-              <a:p>
-                <a:pPr marL="130175" indent="-130175">
-                  <a:buFont typeface="Arial" panose="020B0604020202020204" pitchFamily="34" charset="0"/>
-                  <a:buChar char="•"/>
-                </a:pPr>
-                <a:r>
-                  <a:rPr lang="en-US" sz="1400" b="1" dirty="0">
-                    <a:solidFill>
-                      <a:schemeClr val="tx1"/>
-                    </a:solidFill>
-                  </a:rPr>
-                  <a:t>Years 21-40</a:t>
-                </a:r>
-              </a:p>
-            </p:txBody>
-          </p:sp>
-          <p:sp>
-            <p:nvSpPr>
-              <p:cNvPr id="32" name="Round Diagonal Corner Rectangle 31">
-                <a:extLst>
-                  <a:ext uri="{FF2B5EF4-FFF2-40B4-BE49-F238E27FC236}">
-                    <a16:creationId xmlns:a16="http://schemas.microsoft.com/office/drawing/2014/main" id="{0D5C0741-8E08-A345-9E5F-F0AE7EE4DB6A}"/>
-                  </a:ext>
-                </a:extLst>
-              </p:cNvPr>
-              <p:cNvSpPr/>
-              <p:nvPr/>
-            </p:nvSpPr>
-            <p:spPr>
-              <a:xfrm>
-                <a:off x="11405390" y="12076745"/>
-                <a:ext cx="1826736" cy="771652"/>
-              </a:xfrm>
-              <a:prstGeom prst="round2DiagRect">
-                <a:avLst/>
-              </a:prstGeom>
-              <a:solidFill>
-                <a:schemeClr val="accent4">
-                  <a:lumMod val="40000"/>
-                  <a:lumOff val="60000"/>
-                </a:schemeClr>
-              </a:solidFill>
-            </p:spPr>
-            <p:style>
-              <a:lnRef idx="2">
-                <a:schemeClr val="accent1">
-                  <a:shade val="50000"/>
-                </a:schemeClr>
-              </a:lnRef>
-              <a:fillRef idx="1">
-                <a:schemeClr val="accent1"/>
-              </a:fillRef>
-              <a:effectRef idx="0">
-                <a:schemeClr val="accent1"/>
-              </a:effectRef>
-              <a:fontRef idx="minor">
-                <a:schemeClr val="lt1"/>
-              </a:fontRef>
-            </p:style>
-            <p:txBody>
-              <a:bodyPr rtlCol="0" anchor="t"/>
-              <a:lstStyle/>
-              <a:p>
-                <a:pPr algn="ctr"/>
-                <a:r>
-                  <a:rPr lang="en-US" sz="2400" b="1" dirty="0">
-                    <a:solidFill>
-                      <a:schemeClr val="tx1"/>
-                    </a:solidFill>
-                  </a:rPr>
-                  <a:t>e3sm_diags</a:t>
-                </a:r>
-              </a:p>
-              <a:p>
-                <a:pPr marL="130175" indent="-130175">
-                  <a:buFont typeface="Arial" panose="020B0604020202020204" pitchFamily="34" charset="0"/>
-                  <a:buChar char="•"/>
-                </a:pPr>
-                <a:r>
-                  <a:rPr lang="en-US" sz="1400" b="1" dirty="0">
-                    <a:solidFill>
-                      <a:schemeClr val="tx1"/>
-                    </a:solidFill>
-                  </a:rPr>
-                  <a:t>Years 181-200</a:t>
-                </a:r>
-              </a:p>
-            </p:txBody>
-          </p:sp>
-          <p:cxnSp>
-            <p:nvCxnSpPr>
-              <p:cNvPr id="38" name="Straight Connector 37">
-                <a:extLst>
-                  <a:ext uri="{FF2B5EF4-FFF2-40B4-BE49-F238E27FC236}">
-                    <a16:creationId xmlns:a16="http://schemas.microsoft.com/office/drawing/2014/main" id="{CFB86BD9-2FE8-2A4C-B55D-499FA48530B5}"/>
-                  </a:ext>
-                </a:extLst>
-              </p:cNvPr>
-              <p:cNvCxnSpPr>
-                <a:cxnSpLocks/>
-              </p:cNvCxnSpPr>
-              <p:nvPr/>
-            </p:nvCxnSpPr>
-            <p:spPr>
-              <a:xfrm>
-                <a:off x="10600627" y="12462571"/>
-                <a:ext cx="734786" cy="0"/>
-              </a:xfrm>
-              <a:prstGeom prst="line">
-                <a:avLst/>
-              </a:prstGeom>
-              <a:ln w="63500">
-                <a:prstDash val="sysDot"/>
-              </a:ln>
-            </p:spPr>
-            <p:style>
-              <a:lnRef idx="1">
-                <a:schemeClr val="dk1"/>
-              </a:lnRef>
-              <a:fillRef idx="0">
-                <a:schemeClr val="dk1"/>
-              </a:fillRef>
-              <a:effectRef idx="0">
-                <a:schemeClr val="dk1"/>
-              </a:effectRef>
-              <a:fontRef idx="minor">
-                <a:schemeClr val="tx1"/>
-              </a:fontRef>
-            </p:style>
-          </p:cxnSp>
-        </p:grpSp>
-        <p:cxnSp>
-          <p:nvCxnSpPr>
-            <p:cNvPr id="45" name="Straight Arrow Connector 44">
-              <a:extLst>
-                <a:ext uri="{FF2B5EF4-FFF2-40B4-BE49-F238E27FC236}">
-                  <a16:creationId xmlns:a16="http://schemas.microsoft.com/office/drawing/2014/main" id="{3E555A04-4B59-E841-949D-AD8263F04F39}"/>
-                </a:ext>
-              </a:extLst>
-            </p:cNvPr>
-            <p:cNvCxnSpPr>
-              <a:cxnSpLocks/>
-              <a:stCxn id="27" idx="1"/>
-              <a:endCxn id="30" idx="3"/>
-            </p:cNvCxnSpPr>
-            <p:nvPr/>
-          </p:nvCxnSpPr>
-          <p:spPr>
-            <a:xfrm>
-              <a:off x="6928703" y="11361775"/>
-              <a:ext cx="419427" cy="224410"/>
-            </a:xfrm>
-            <a:prstGeom prst="straightConnector1">
-              <a:avLst/>
-            </a:prstGeom>
-            <a:ln w="50800">
-              <a:solidFill>
-                <a:srgbClr val="C00000"/>
-              </a:solidFill>
-              <a:tailEnd type="triangle"/>
-            </a:ln>
-          </p:spPr>
-          <p:style>
-            <a:lnRef idx="1">
-              <a:schemeClr val="accent1"/>
-            </a:lnRef>
-            <a:fillRef idx="0">
-              <a:schemeClr val="accent1"/>
-            </a:fillRef>
-            <a:effectRef idx="0">
-              <a:schemeClr val="accent1"/>
-            </a:effectRef>
-            <a:fontRef idx="minor">
-              <a:schemeClr val="tx1"/>
-            </a:fontRef>
-          </p:style>
-        </p:cxnSp>
-        <p:cxnSp>
-          <p:nvCxnSpPr>
-            <p:cNvPr id="49" name="Straight Arrow Connector 48">
-              <a:extLst>
-                <a:ext uri="{FF2B5EF4-FFF2-40B4-BE49-F238E27FC236}">
-                  <a16:creationId xmlns:a16="http://schemas.microsoft.com/office/drawing/2014/main" id="{6B9D7F4C-83CE-344F-8396-0629AAA397DA}"/>
-                </a:ext>
-              </a:extLst>
-            </p:cNvPr>
-            <p:cNvCxnSpPr>
-              <a:cxnSpLocks/>
-              <a:stCxn id="28" idx="1"/>
-              <a:endCxn id="31" idx="3"/>
-            </p:cNvCxnSpPr>
-            <p:nvPr/>
-          </p:nvCxnSpPr>
-          <p:spPr>
-            <a:xfrm>
-              <a:off x="8787339" y="11361774"/>
-              <a:ext cx="459299" cy="224412"/>
-            </a:xfrm>
-            <a:prstGeom prst="straightConnector1">
-              <a:avLst/>
-            </a:prstGeom>
-            <a:ln w="50800">
-              <a:solidFill>
-                <a:srgbClr val="C00000"/>
-              </a:solidFill>
-              <a:tailEnd type="triangle"/>
-            </a:ln>
-          </p:spPr>
-          <p:style>
-            <a:lnRef idx="1">
-              <a:schemeClr val="accent1"/>
-            </a:lnRef>
-            <a:fillRef idx="0">
-              <a:schemeClr val="accent1"/>
-            </a:fillRef>
-            <a:effectRef idx="0">
-              <a:schemeClr val="accent1"/>
-            </a:effectRef>
-            <a:fontRef idx="minor">
-              <a:schemeClr val="tx1"/>
-            </a:fontRef>
-          </p:style>
-        </p:cxnSp>
-        <p:cxnSp>
-          <p:nvCxnSpPr>
-            <p:cNvPr id="52" name="Straight Arrow Connector 51">
-              <a:extLst>
-                <a:ext uri="{FF2B5EF4-FFF2-40B4-BE49-F238E27FC236}">
-                  <a16:creationId xmlns:a16="http://schemas.microsoft.com/office/drawing/2014/main" id="{D9F7F754-CE11-E640-B650-29E290582540}"/>
-                </a:ext>
-              </a:extLst>
-            </p:cNvPr>
-            <p:cNvCxnSpPr>
-              <a:cxnSpLocks/>
-              <a:stCxn id="29" idx="1"/>
-              <a:endCxn id="32" idx="3"/>
-            </p:cNvCxnSpPr>
-            <p:nvPr/>
-          </p:nvCxnSpPr>
-          <p:spPr>
-            <a:xfrm>
-              <a:off x="11481243" y="11361774"/>
-              <a:ext cx="451326" cy="224413"/>
-            </a:xfrm>
-            <a:prstGeom prst="straightConnector1">
-              <a:avLst/>
-            </a:prstGeom>
-            <a:ln w="50800">
-              <a:solidFill>
-                <a:srgbClr val="C00000"/>
-              </a:solidFill>
-              <a:tailEnd type="triangle"/>
-            </a:ln>
-          </p:spPr>
-          <p:style>
-            <a:lnRef idx="1">
-              <a:schemeClr val="accent1"/>
-            </a:lnRef>
-            <a:fillRef idx="0">
-              <a:schemeClr val="accent1"/>
-            </a:fillRef>
-            <a:effectRef idx="0">
-              <a:schemeClr val="accent1"/>
-            </a:effectRef>
-            <a:fontRef idx="minor">
-              <a:schemeClr val="tx1"/>
-            </a:fontRef>
-          </p:style>
-        </p:cxnSp>
-        <p:grpSp>
-          <p:nvGrpSpPr>
-            <p:cNvPr id="76" name="Group 75">
-              <a:extLst>
-                <a:ext uri="{FF2B5EF4-FFF2-40B4-BE49-F238E27FC236}">
-                  <a16:creationId xmlns:a16="http://schemas.microsoft.com/office/drawing/2014/main" id="{0765B584-0570-FA40-930C-4311DA49570C}"/>
-                </a:ext>
-              </a:extLst>
-            </p:cNvPr>
-            <p:cNvGrpSpPr/>
-            <p:nvPr/>
-          </p:nvGrpSpPr>
-          <p:grpSpPr>
-            <a:xfrm>
-              <a:off x="6054197" y="12644469"/>
-              <a:ext cx="6807516" cy="778304"/>
-              <a:chOff x="6043564" y="12623203"/>
-              <a:chExt cx="6807516" cy="778304"/>
-            </a:xfrm>
-          </p:grpSpPr>
-          <p:sp>
-            <p:nvSpPr>
-              <p:cNvPr id="57" name="Round Diagonal Corner Rectangle 56">
-                <a:extLst>
-                  <a:ext uri="{FF2B5EF4-FFF2-40B4-BE49-F238E27FC236}">
-                    <a16:creationId xmlns:a16="http://schemas.microsoft.com/office/drawing/2014/main" id="{2354DF6F-C8A3-8B42-A3FD-5FDC98729918}"/>
-                  </a:ext>
-                </a:extLst>
-              </p:cNvPr>
-              <p:cNvSpPr/>
-              <p:nvPr/>
-            </p:nvSpPr>
-            <p:spPr>
-              <a:xfrm>
-                <a:off x="6043564" y="12623203"/>
-                <a:ext cx="1832188" cy="778304"/>
-              </a:xfrm>
-              <a:prstGeom prst="round2DiagRect">
-                <a:avLst/>
-              </a:prstGeom>
-              <a:solidFill>
-                <a:schemeClr val="accent5">
-                  <a:lumMod val="40000"/>
-                  <a:lumOff val="60000"/>
-                </a:schemeClr>
-              </a:solidFill>
-            </p:spPr>
-            <p:style>
-              <a:lnRef idx="2">
-                <a:schemeClr val="accent1">
-                  <a:shade val="50000"/>
-                </a:schemeClr>
-              </a:lnRef>
-              <a:fillRef idx="1">
-                <a:schemeClr val="accent1"/>
-              </a:fillRef>
-              <a:effectRef idx="0">
-                <a:schemeClr val="accent1"/>
-              </a:effectRef>
-              <a:fontRef idx="minor">
-                <a:schemeClr val="lt1"/>
-              </a:fontRef>
-            </p:style>
-            <p:txBody>
-              <a:bodyPr rtlCol="0" anchor="t"/>
-              <a:lstStyle/>
-              <a:p>
-                <a:pPr algn="ctr"/>
-                <a:r>
-                  <a:rPr lang="en-US" sz="2000" b="1" dirty="0" err="1">
-                    <a:solidFill>
-                      <a:schemeClr val="tx1"/>
-                    </a:solidFill>
-                  </a:rPr>
-                  <a:t>mpas_analysis</a:t>
-                </a:r>
-                <a:endParaRPr lang="en-US" sz="2000" b="1" dirty="0">
-                  <a:solidFill>
-                    <a:schemeClr val="tx1"/>
-                  </a:solidFill>
-                </a:endParaRPr>
-              </a:p>
-              <a:p>
-                <a:pPr marL="130175" indent="-130175">
-                  <a:buFont typeface="Arial" panose="020B0604020202020204" pitchFamily="34" charset="0"/>
-                  <a:buChar char="•"/>
-                </a:pPr>
-                <a:r>
-                  <a:rPr lang="en-US" sz="1400" b="1" dirty="0">
-                    <a:solidFill>
-                      <a:schemeClr val="tx1"/>
-                    </a:solidFill>
-                  </a:rPr>
-                  <a:t>Years 1-50</a:t>
-                </a:r>
-              </a:p>
-              <a:p>
-                <a:pPr algn="ctr"/>
-                <a:endParaRPr lang="en-US" dirty="0">
-                  <a:solidFill>
-                    <a:schemeClr val="tx1"/>
-                  </a:solidFill>
-                </a:endParaRPr>
-              </a:p>
-            </p:txBody>
-          </p:sp>
-          <p:sp>
-            <p:nvSpPr>
-              <p:cNvPr id="61" name="Round Diagonal Corner Rectangle 60">
-                <a:extLst>
-                  <a:ext uri="{FF2B5EF4-FFF2-40B4-BE49-F238E27FC236}">
-                    <a16:creationId xmlns:a16="http://schemas.microsoft.com/office/drawing/2014/main" id="{11C9CCD1-C819-3E42-AC41-D0793B97EE23}"/>
-                  </a:ext>
-                </a:extLst>
-              </p:cNvPr>
-              <p:cNvSpPr/>
-              <p:nvPr/>
-            </p:nvSpPr>
-            <p:spPr>
-              <a:xfrm>
-                <a:off x="8272136" y="12623203"/>
-                <a:ext cx="1832188" cy="778304"/>
-              </a:xfrm>
-              <a:prstGeom prst="round2DiagRect">
-                <a:avLst/>
-              </a:prstGeom>
-              <a:solidFill>
-                <a:schemeClr val="accent5">
-                  <a:lumMod val="40000"/>
-                  <a:lumOff val="60000"/>
-                </a:schemeClr>
-              </a:solidFill>
-            </p:spPr>
-            <p:style>
-              <a:lnRef idx="2">
-                <a:schemeClr val="accent1">
-                  <a:shade val="50000"/>
-                </a:schemeClr>
-              </a:lnRef>
-              <a:fillRef idx="1">
-                <a:schemeClr val="accent1"/>
-              </a:fillRef>
-              <a:effectRef idx="0">
-                <a:schemeClr val="accent1"/>
-              </a:effectRef>
-              <a:fontRef idx="minor">
-                <a:schemeClr val="lt1"/>
-              </a:fontRef>
-            </p:style>
-            <p:txBody>
-              <a:bodyPr rtlCol="0" anchor="t"/>
-              <a:lstStyle/>
-              <a:p>
-                <a:pPr algn="ctr"/>
-                <a:r>
-                  <a:rPr lang="en-US" sz="2000" b="1" dirty="0" err="1">
-                    <a:solidFill>
-                      <a:schemeClr val="tx1"/>
-                    </a:solidFill>
-                  </a:rPr>
-                  <a:t>mpas_analysis</a:t>
-                </a:r>
-                <a:endParaRPr lang="en-US" sz="2000" b="1" dirty="0">
-                  <a:solidFill>
-                    <a:schemeClr val="tx1"/>
-                  </a:solidFill>
-                </a:endParaRPr>
-              </a:p>
-              <a:p>
-                <a:pPr marL="130175" indent="-130175">
-                  <a:buFont typeface="Arial" panose="020B0604020202020204" pitchFamily="34" charset="0"/>
-                  <a:buChar char="•"/>
-                </a:pPr>
-                <a:r>
-                  <a:rPr lang="en-US" sz="1400" b="1" dirty="0">
-                    <a:solidFill>
-                      <a:schemeClr val="tx1"/>
-                    </a:solidFill>
-                  </a:rPr>
-                  <a:t>Years 51-100</a:t>
-                </a:r>
-              </a:p>
-              <a:p>
-                <a:pPr algn="ctr"/>
-                <a:endParaRPr lang="en-US" dirty="0">
-                  <a:solidFill>
-                    <a:schemeClr val="tx1"/>
-                  </a:solidFill>
-                </a:endParaRPr>
-              </a:p>
-            </p:txBody>
-          </p:sp>
-          <p:cxnSp>
-            <p:nvCxnSpPr>
-              <p:cNvPr id="68" name="Straight Arrow Connector 67">
-                <a:extLst>
-                  <a:ext uri="{FF2B5EF4-FFF2-40B4-BE49-F238E27FC236}">
-                    <a16:creationId xmlns:a16="http://schemas.microsoft.com/office/drawing/2014/main" id="{DE23F610-A6C0-824B-A09C-F729E9668D17}"/>
-                  </a:ext>
-                </a:extLst>
-              </p:cNvPr>
-              <p:cNvCxnSpPr>
-                <a:cxnSpLocks/>
-              </p:cNvCxnSpPr>
-              <p:nvPr/>
-            </p:nvCxnSpPr>
-            <p:spPr>
-              <a:xfrm>
-                <a:off x="7875752" y="13012355"/>
-                <a:ext cx="396384" cy="7085"/>
-              </a:xfrm>
-              <a:prstGeom prst="straightConnector1">
-                <a:avLst/>
-              </a:prstGeom>
-              <a:ln w="50800">
-                <a:solidFill>
-                  <a:srgbClr val="C00000"/>
-                </a:solidFill>
-                <a:tailEnd type="triangle"/>
-              </a:ln>
-            </p:spPr>
-            <p:style>
-              <a:lnRef idx="1">
-                <a:schemeClr val="accent1"/>
-              </a:lnRef>
-              <a:fillRef idx="0">
-                <a:schemeClr val="accent1"/>
-              </a:fillRef>
-              <a:effectRef idx="0">
-                <a:schemeClr val="accent1"/>
-              </a:effectRef>
-              <a:fontRef idx="minor">
-                <a:schemeClr val="tx1"/>
-              </a:fontRef>
-            </p:style>
-          </p:cxnSp>
-          <p:sp>
-            <p:nvSpPr>
-              <p:cNvPr id="72" name="Round Diagonal Corner Rectangle 71">
-                <a:extLst>
-                  <a:ext uri="{FF2B5EF4-FFF2-40B4-BE49-F238E27FC236}">
-                    <a16:creationId xmlns:a16="http://schemas.microsoft.com/office/drawing/2014/main" id="{CA749B54-6477-F74E-A3D2-39968B3A5043}"/>
-                  </a:ext>
-                </a:extLst>
-              </p:cNvPr>
-              <p:cNvSpPr/>
-              <p:nvPr/>
-            </p:nvSpPr>
-            <p:spPr>
-              <a:xfrm>
-                <a:off x="11018892" y="12623203"/>
-                <a:ext cx="1832188" cy="778304"/>
-              </a:xfrm>
-              <a:prstGeom prst="round2DiagRect">
-                <a:avLst/>
-              </a:prstGeom>
-              <a:solidFill>
-                <a:schemeClr val="accent5">
-                  <a:lumMod val="40000"/>
-                  <a:lumOff val="60000"/>
-                </a:schemeClr>
-              </a:solidFill>
-            </p:spPr>
-            <p:style>
-              <a:lnRef idx="2">
-                <a:schemeClr val="accent1">
-                  <a:shade val="50000"/>
-                </a:schemeClr>
-              </a:lnRef>
-              <a:fillRef idx="1">
-                <a:schemeClr val="accent1"/>
-              </a:fillRef>
-              <a:effectRef idx="0">
-                <a:schemeClr val="accent1"/>
-              </a:effectRef>
-              <a:fontRef idx="minor">
-                <a:schemeClr val="lt1"/>
-              </a:fontRef>
-            </p:style>
-            <p:txBody>
-              <a:bodyPr rtlCol="0" anchor="t"/>
-              <a:lstStyle/>
-              <a:p>
-                <a:pPr algn="ctr"/>
-                <a:r>
-                  <a:rPr lang="en-US" sz="2000" b="1" dirty="0" err="1">
-                    <a:solidFill>
-                      <a:schemeClr val="tx1"/>
-                    </a:solidFill>
-                  </a:rPr>
-                  <a:t>mpas_analysis</a:t>
-                </a:r>
-                <a:endParaRPr lang="en-US" sz="2000" b="1" dirty="0">
-                  <a:solidFill>
-                    <a:schemeClr val="tx1"/>
-                  </a:solidFill>
-                </a:endParaRPr>
-              </a:p>
-              <a:p>
-                <a:pPr marL="130175" indent="-130175">
-                  <a:buFont typeface="Arial" panose="020B0604020202020204" pitchFamily="34" charset="0"/>
-                  <a:buChar char="•"/>
-                </a:pPr>
-                <a:r>
-                  <a:rPr lang="en-US" sz="1400" b="1" dirty="0">
-                    <a:solidFill>
-                      <a:schemeClr val="tx1"/>
-                    </a:solidFill>
-                  </a:rPr>
-                  <a:t>Years 151-200</a:t>
-                </a:r>
-              </a:p>
-              <a:p>
-                <a:pPr algn="ctr"/>
-                <a:endParaRPr lang="en-US" dirty="0">
-                  <a:solidFill>
-                    <a:schemeClr val="tx1"/>
-                  </a:solidFill>
-                </a:endParaRPr>
-              </a:p>
-            </p:txBody>
-          </p:sp>
-          <p:cxnSp>
-            <p:nvCxnSpPr>
-              <p:cNvPr id="73" name="Straight Arrow Connector 72">
-                <a:extLst>
-                  <a:ext uri="{FF2B5EF4-FFF2-40B4-BE49-F238E27FC236}">
-                    <a16:creationId xmlns:a16="http://schemas.microsoft.com/office/drawing/2014/main" id="{9F2D49A5-FEBC-3042-8421-37095C9C23B7}"/>
-                  </a:ext>
-                </a:extLst>
-              </p:cNvPr>
-              <p:cNvCxnSpPr>
-                <a:cxnSpLocks/>
-              </p:cNvCxnSpPr>
-              <p:nvPr/>
-            </p:nvCxnSpPr>
-            <p:spPr>
-              <a:xfrm>
-                <a:off x="10104324" y="13005270"/>
-                <a:ext cx="914568" cy="7085"/>
-              </a:xfrm>
-              <a:prstGeom prst="straightConnector1">
-                <a:avLst/>
-              </a:prstGeom>
-              <a:ln w="50800">
-                <a:solidFill>
-                  <a:srgbClr val="C00000"/>
-                </a:solidFill>
-                <a:prstDash val="sysDot"/>
-                <a:tailEnd type="triangle"/>
-              </a:ln>
-            </p:spPr>
-            <p:style>
-              <a:lnRef idx="1">
-                <a:schemeClr val="accent1"/>
-              </a:lnRef>
-              <a:fillRef idx="0">
-                <a:schemeClr val="accent1"/>
-              </a:fillRef>
-              <a:effectRef idx="0">
-                <a:schemeClr val="accent1"/>
-              </a:effectRef>
-              <a:fontRef idx="minor">
-                <a:schemeClr val="tx1"/>
-              </a:fontRef>
-            </p:style>
-          </p:cxnSp>
-        </p:grpSp>
-      </p:grpSp>
-      <p:sp>
-        <p:nvSpPr>
           <p:cNvPr id="85" name="Rectangle 84">
             <a:extLst>
               <a:ext uri="{FF2B5EF4-FFF2-40B4-BE49-F238E27FC236}">
@@ -6033,16 +2986,14 @@
         </p:nvSpPr>
         <p:spPr>
           <a:xfrm>
-            <a:off x="573973" y="852292"/>
-            <a:ext cx="4335453" cy="8449580"/>
+            <a:off x="395072" y="2243755"/>
+            <a:ext cx="4168062" cy="11079878"/>
           </a:xfrm>
           <a:prstGeom prst="rect">
             <a:avLst/>
           </a:prstGeom>
           <a:solidFill>
-            <a:schemeClr val="bg2">
-              <a:lumMod val="90000"/>
-            </a:schemeClr>
+            <a:schemeClr val="bg2"/>
           </a:solidFill>
           <a:ln>
             <a:solidFill>
@@ -6077,13 +3028,24 @@
                   <a:schemeClr val="tx1"/>
                 </a:solidFill>
               </a:rPr>
-              <a:t>mysimulation.cfg</a:t>
+              <a:t>simulation.cfg</a:t>
             </a:r>
             <a:endParaRPr lang="en-US" sz="2400" dirty="0">
               <a:solidFill>
                 <a:schemeClr val="tx1"/>
               </a:solidFill>
             </a:endParaRPr>
+          </a:p>
+          <a:p>
+            <a:pPr algn="ctr"/>
+            <a:r>
+              <a:rPr lang="en-US" sz="2400" dirty="0">
+                <a:solidFill>
+                  <a:schemeClr val="tx1"/>
+                </a:solidFill>
+              </a:rPr>
+              <a:t>[abridged version]</a:t>
+            </a:r>
           </a:p>
           <a:p>
             <a:endParaRPr lang="en-US" dirty="0">
@@ -6271,7 +3233,18 @@
                 </a:solidFill>
                 <a:latin typeface="Courier" pitchFamily="2" charset="0"/>
               </a:rPr>
-              <a:t> = "eam.h0"</a:t>
+              <a:t> = "eam.h0”</a:t>
+            </a:r>
+          </a:p>
+          <a:p>
+            <a:r>
+              <a:rPr lang="en-US" sz="1000" dirty="0">
+                <a:solidFill>
+                  <a:schemeClr val="tx1"/>
+                </a:solidFill>
+                <a:latin typeface="Courier" pitchFamily="2" charset="0"/>
+              </a:rPr>
+              <a:t>  frequency = "monthly”</a:t>
             </a:r>
           </a:p>
           <a:p>
@@ -6319,7 +3292,18 @@
                 </a:solidFill>
                 <a:latin typeface="Courier" pitchFamily="2" charset="0"/>
               </a:rPr>
-              <a:t>[</a:t>
+              <a:t>  [[ atm_monthly_diurnal_8xdaily_180x360_aave ]]</a:t>
+            </a:r>
+          </a:p>
+          <a:p>
+            <a:r>
+              <a:rPr lang="en-US" sz="1000" dirty="0">
+                <a:solidFill>
+                  <a:schemeClr val="tx1"/>
+                </a:solidFill>
+                <a:latin typeface="Courier" pitchFamily="2" charset="0"/>
+              </a:rPr>
+              <a:t>  </a:t>
             </a:r>
             <a:r>
               <a:rPr lang="en-US" sz="1000" dirty="0" err="1">
@@ -6328,7 +3312,7 @@
                 </a:solidFill>
                 <a:latin typeface="Courier" pitchFamily="2" charset="0"/>
               </a:rPr>
-              <a:t>ts</a:t>
+              <a:t>input_files</a:t>
             </a:r>
             <a:r>
               <a:rPr lang="en-US" sz="1000" dirty="0">
@@ -6337,7 +3321,7 @@
                 </a:solidFill>
                 <a:latin typeface="Courier" pitchFamily="2" charset="0"/>
               </a:rPr>
-              <a:t>]</a:t>
+              <a:t> = "eam.h4”</a:t>
             </a:r>
           </a:p>
           <a:p>
@@ -6348,7 +3332,7 @@
                 </a:solidFill>
                 <a:latin typeface="Courier" pitchFamily="2" charset="0"/>
               </a:rPr>
-              <a:t>active = True</a:t>
+              <a:t>  frequency = "monthly_diurnal_8xdaily”</a:t>
             </a:r>
           </a:p>
           <a:p>
@@ -6359,7 +3343,25 @@
                 </a:solidFill>
                 <a:latin typeface="Courier" pitchFamily="2" charset="0"/>
               </a:rPr>
-              <a:t>years = "1:200:10",</a:t>
+              <a:t>  </a:t>
+            </a:r>
+            <a:r>
+              <a:rPr lang="en-US" sz="1000" dirty="0" err="1">
+                <a:solidFill>
+                  <a:schemeClr val="tx1"/>
+                </a:solidFill>
+                <a:latin typeface="Courier" pitchFamily="2" charset="0"/>
+              </a:rPr>
+              <a:t>mapping_file</a:t>
+            </a:r>
+            <a:r>
+              <a:rPr lang="en-US" sz="1000" dirty="0">
+                <a:solidFill>
+                  <a:schemeClr val="tx1"/>
+                </a:solidFill>
+                <a:latin typeface="Courier" pitchFamily="2" charset="0"/>
+              </a:rPr>
+              <a:t> = ...</a:t>
             </a:r>
           </a:p>
           <a:p>
@@ -6378,10 +3380,17 @@
                 </a:solidFill>
                 <a:latin typeface="Courier" pitchFamily="2" charset="0"/>
               </a:rPr>
-              <a:t>  [[ atm_monthly_180x360_aave ]]</a:t>
-            </a:r>
-          </a:p>
-          <a:p>
+              <a:t>[</a:t>
+            </a:r>
+            <a:r>
+              <a:rPr lang="en-US" sz="1000" dirty="0" err="1">
+                <a:solidFill>
+                  <a:schemeClr val="tx1"/>
+                </a:solidFill>
+                <a:latin typeface="Courier" pitchFamily="2" charset="0"/>
+              </a:rPr>
+              <a:t>ts</a:t>
+            </a:r>
             <a:r>
               <a:rPr lang="en-US" sz="1000" dirty="0">
                 <a:solidFill>
@@ -6389,17 +3398,21 @@
                 </a:solidFill>
                 <a:latin typeface="Courier" pitchFamily="2" charset="0"/>
               </a:rPr>
-              <a:t>  </a:t>
-            </a:r>
-            <a:r>
-              <a:rPr lang="en-US" sz="1000" dirty="0" err="1">
+              <a:t>]</a:t>
+            </a:r>
+          </a:p>
+          <a:p>
+            <a:r>
+              <a:rPr lang="en-US" sz="1000" dirty="0">
                 <a:solidFill>
                   <a:schemeClr val="tx1"/>
                 </a:solidFill>
                 <a:latin typeface="Courier" pitchFamily="2" charset="0"/>
               </a:rPr>
-              <a:t>input_files</a:t>
-            </a:r>
+              <a:t>active = True</a:t>
+            </a:r>
+          </a:p>
+          <a:p>
             <a:r>
               <a:rPr lang="en-US" sz="1000" dirty="0">
                 <a:solidFill>
@@ -6407,47 +3420,7 @@
                 </a:solidFill>
                 <a:latin typeface="Courier" pitchFamily="2" charset="0"/>
               </a:rPr>
-              <a:t> = "eam.h0"</a:t>
-            </a:r>
-          </a:p>
-          <a:p>
-            <a:r>
-              <a:rPr lang="en-US" sz="1000" dirty="0">
-                <a:solidFill>
-                  <a:schemeClr val="tx1"/>
-                </a:solidFill>
-                <a:latin typeface="Courier" pitchFamily="2" charset="0"/>
-              </a:rPr>
-              <a:t>  </a:t>
-            </a:r>
-            <a:r>
-              <a:rPr lang="en-US" sz="1000" dirty="0" err="1">
-                <a:solidFill>
-                  <a:schemeClr val="tx1"/>
-                </a:solidFill>
-                <a:latin typeface="Courier" pitchFamily="2" charset="0"/>
-              </a:rPr>
-              <a:t>mapping_file</a:t>
-            </a:r>
-            <a:r>
-              <a:rPr lang="en-US" sz="1000" dirty="0">
-                <a:solidFill>
-                  <a:schemeClr val="tx1"/>
-                </a:solidFill>
-                <a:latin typeface="Courier" pitchFamily="2" charset="0"/>
-              </a:rPr>
-              <a:t> = ...</a:t>
-            </a:r>
-          </a:p>
-          <a:p>
-            <a:r>
-              <a:rPr lang="en-US" sz="1000" dirty="0">
-                <a:solidFill>
-                  <a:schemeClr val="tx1"/>
-                </a:solidFill>
-                <a:latin typeface="Courier" pitchFamily="2" charset="0"/>
-              </a:rPr>
-              <a:t>  vars = ...</a:t>
+              <a:t>years = "1:200:10",</a:t>
             </a:r>
           </a:p>
           <a:p>
@@ -6466,7 +3439,18 @@
                 </a:solidFill>
                 <a:latin typeface="Courier" pitchFamily="2" charset="0"/>
               </a:rPr>
-              <a:t>  [[ </a:t>
+              <a:t>  [[ atm_monthly_180x360_aave ]]</a:t>
+            </a:r>
+          </a:p>
+          <a:p>
+            <a:r>
+              <a:rPr lang="en-US" sz="1000" dirty="0">
+                <a:solidFill>
+                  <a:schemeClr val="tx1"/>
+                </a:solidFill>
+                <a:latin typeface="Courier" pitchFamily="2" charset="0"/>
+              </a:rPr>
+              <a:t>  </a:t>
             </a:r>
             <a:r>
               <a:rPr lang="en-US" sz="1000" dirty="0" err="1">
@@ -6475,7 +3459,7 @@
                 </a:solidFill>
                 <a:latin typeface="Courier" pitchFamily="2" charset="0"/>
               </a:rPr>
-              <a:t>atm_monthly_glb</a:t>
+              <a:t>input_files</a:t>
             </a:r>
             <a:r>
               <a:rPr lang="en-US" sz="1000" dirty="0">
@@ -6484,7 +3468,7 @@
                 </a:solidFill>
                 <a:latin typeface="Courier" pitchFamily="2" charset="0"/>
               </a:rPr>
-              <a:t> ]]</a:t>
+              <a:t> = "eam.h0”</a:t>
             </a:r>
           </a:p>
           <a:p>
@@ -6495,6 +3479,17 @@
                 </a:solidFill>
                 <a:latin typeface="Courier" pitchFamily="2" charset="0"/>
               </a:rPr>
+              <a:t>  frequency = "monthly”</a:t>
+            </a:r>
+          </a:p>
+          <a:p>
+            <a:r>
+              <a:rPr lang="en-US" sz="1000" dirty="0">
+                <a:solidFill>
+                  <a:schemeClr val="tx1"/>
+                </a:solidFill>
+                <a:latin typeface="Courier" pitchFamily="2" charset="0"/>
+              </a:rPr>
               <a:t>  </a:t>
             </a:r>
             <a:r>
@@ -6504,7 +3499,7 @@
                 </a:solidFill>
                 <a:latin typeface="Courier" pitchFamily="2" charset="0"/>
               </a:rPr>
-              <a:t>input_files</a:t>
+              <a:t>mapping_file</a:t>
             </a:r>
             <a:r>
               <a:rPr lang="en-US" sz="1000" dirty="0">
@@ -6513,65 +3508,7 @@
                 </a:solidFill>
                 <a:latin typeface="Courier" pitchFamily="2" charset="0"/>
               </a:rPr>
-              <a:t> = "eam.h0"</a:t>
-            </a:r>
-          </a:p>
-          <a:p>
-            <a:r>
-              <a:rPr lang="en-US" sz="1000" dirty="0">
-                <a:solidFill>
-                  <a:schemeClr val="tx1"/>
-                </a:solidFill>
-                <a:latin typeface="Courier" pitchFamily="2" charset="0"/>
-              </a:rPr>
-              <a:t>  </a:t>
-            </a:r>
-            <a:r>
-              <a:rPr lang="en-US" sz="1000" dirty="0" err="1">
-                <a:solidFill>
-                  <a:schemeClr val="tx1"/>
-                </a:solidFill>
-                <a:latin typeface="Courier" pitchFamily="2" charset="0"/>
-              </a:rPr>
-              <a:t>mapping_file</a:t>
-            </a:r>
-            <a:r>
-              <a:rPr lang="en-US" sz="1000" dirty="0">
-                <a:solidFill>
-                  <a:schemeClr val="tx1"/>
-                </a:solidFill>
-                <a:latin typeface="Courier" pitchFamily="2" charset="0"/>
-              </a:rPr>
-              <a:t> = "</a:t>
-            </a:r>
-            <a:r>
-              <a:rPr lang="en-US" sz="1000" dirty="0" err="1">
-                <a:solidFill>
-                  <a:schemeClr val="tx1"/>
-                </a:solidFill>
-                <a:latin typeface="Courier" pitchFamily="2" charset="0"/>
-              </a:rPr>
-              <a:t>glb</a:t>
-            </a:r>
-            <a:r>
-              <a:rPr lang="en-US" sz="1000" dirty="0">
-                <a:solidFill>
-                  <a:schemeClr val="tx1"/>
-                </a:solidFill>
-                <a:latin typeface="Courier" pitchFamily="2" charset="0"/>
-              </a:rPr>
-              <a:t>"</a:t>
-            </a:r>
-          </a:p>
-          <a:p>
-            <a:r>
-              <a:rPr lang="en-US" sz="1000" dirty="0">
-                <a:solidFill>
-                  <a:schemeClr val="tx1"/>
-                </a:solidFill>
-                <a:latin typeface="Courier" pitchFamily="2" charset="0"/>
-              </a:rPr>
-              <a:t>  vars = ...</a:t>
+              <a:t> = ...</a:t>
             </a:r>
           </a:p>
           <a:p>
@@ -6590,7 +3527,18 @@
                 </a:solidFill>
                 <a:latin typeface="Courier" pitchFamily="2" charset="0"/>
               </a:rPr>
-              <a:t>  [[ </a:t>
+              <a:t>  [[ atm_daily_180x360_aave ]]</a:t>
+            </a:r>
+          </a:p>
+          <a:p>
+            <a:r>
+              <a:rPr lang="en-US" sz="1000" dirty="0">
+                <a:solidFill>
+                  <a:schemeClr val="tx1"/>
+                </a:solidFill>
+                <a:latin typeface="Courier" pitchFamily="2" charset="0"/>
+              </a:rPr>
+              <a:t>  </a:t>
             </a:r>
             <a:r>
               <a:rPr lang="en-US" sz="1000" dirty="0" err="1">
@@ -6599,7 +3547,7 @@
                 </a:solidFill>
                 <a:latin typeface="Courier" pitchFamily="2" charset="0"/>
               </a:rPr>
-              <a:t>lnd_monthly</a:t>
+              <a:t>input_files</a:t>
             </a:r>
             <a:r>
               <a:rPr lang="en-US" sz="1000" dirty="0">
@@ -6608,7 +3556,7 @@
                 </a:solidFill>
                 <a:latin typeface="Courier" pitchFamily="2" charset="0"/>
               </a:rPr>
-              <a:t> ]]</a:t>
+              <a:t> = “eam.h1”</a:t>
             </a:r>
           </a:p>
           <a:p>
@@ -6619,6 +3567,17 @@
                 </a:solidFill>
                 <a:latin typeface="Courier" pitchFamily="2" charset="0"/>
               </a:rPr>
+              <a:t>  frequency = “daily”</a:t>
+            </a:r>
+          </a:p>
+          <a:p>
+            <a:r>
+              <a:rPr lang="en-US" sz="1000" dirty="0">
+                <a:solidFill>
+                  <a:schemeClr val="tx1"/>
+                </a:solidFill>
+                <a:latin typeface="Courier" pitchFamily="2" charset="0"/>
+              </a:rPr>
               <a:t>  </a:t>
             </a:r>
             <a:r>
@@ -6628,7 +3587,7 @@
                 </a:solidFill>
                 <a:latin typeface="Courier" pitchFamily="2" charset="0"/>
               </a:rPr>
-              <a:t>input_files</a:t>
+              <a:t>mapping_file</a:t>
             </a:r>
             <a:r>
               <a:rPr lang="en-US" sz="1000" dirty="0">
@@ -6637,47 +3596,7 @@
                 </a:solidFill>
                 <a:latin typeface="Courier" pitchFamily="2" charset="0"/>
               </a:rPr>
-              <a:t> = "elm.h0"</a:t>
-            </a:r>
-          </a:p>
-          <a:p>
-            <a:r>
-              <a:rPr lang="en-US" sz="1000" dirty="0">
-                <a:solidFill>
-                  <a:schemeClr val="tx1"/>
-                </a:solidFill>
-                <a:latin typeface="Courier" pitchFamily="2" charset="0"/>
-              </a:rPr>
-              <a:t>  </a:t>
-            </a:r>
-            <a:r>
-              <a:rPr lang="en-US" sz="1000" dirty="0" err="1">
-                <a:solidFill>
-                  <a:schemeClr val="tx1"/>
-                </a:solidFill>
-                <a:latin typeface="Courier" pitchFamily="2" charset="0"/>
-              </a:rPr>
-              <a:t>mapping_file</a:t>
-            </a:r>
-            <a:r>
-              <a:rPr lang="en-US" sz="1000" dirty="0">
-                <a:solidFill>
-                  <a:schemeClr val="tx1"/>
-                </a:solidFill>
-                <a:latin typeface="Courier" pitchFamily="2" charset="0"/>
-              </a:rPr>
-              <a:t> = ""</a:t>
-            </a:r>
-          </a:p>
-          <a:p>
-            <a:r>
-              <a:rPr lang="en-US" sz="1000" dirty="0">
-                <a:solidFill>
-                  <a:schemeClr val="tx1"/>
-                </a:solidFill>
-                <a:latin typeface="Courier" pitchFamily="2" charset="0"/>
-              </a:rPr>
-              <a:t>  vars = ...</a:t>
+              <a:t> = ...</a:t>
             </a:r>
           </a:p>
           <a:p>
@@ -6696,10 +3615,17 @@
                 </a:solidFill>
                 <a:latin typeface="Courier" pitchFamily="2" charset="0"/>
               </a:rPr>
-              <a:t>[e3sm_diags]</a:t>
-            </a:r>
-          </a:p>
-          <a:p>
+              <a:t>  [[ </a:t>
+            </a:r>
+            <a:r>
+              <a:rPr lang="en-US" sz="1000" dirty="0" err="1">
+                <a:solidFill>
+                  <a:schemeClr val="tx1"/>
+                </a:solidFill>
+                <a:latin typeface="Courier" pitchFamily="2" charset="0"/>
+              </a:rPr>
+              <a:t>atm_monthly_glb</a:t>
+            </a:r>
             <a:r>
               <a:rPr lang="en-US" sz="1000" dirty="0">
                 <a:solidFill>
@@ -6707,7 +3633,7 @@
                 </a:solidFill>
                 <a:latin typeface="Courier" pitchFamily="2" charset="0"/>
               </a:rPr>
-              <a:t>active = True</a:t>
+              <a:t> ]]</a:t>
             </a:r>
           </a:p>
           <a:p>
@@ -6718,7 +3644,83 @@
                 </a:solidFill>
                 <a:latin typeface="Courier" pitchFamily="2" charset="0"/>
               </a:rPr>
-              <a:t>years = "1:100:20",</a:t>
+              <a:t>  </a:t>
+            </a:r>
+            <a:r>
+              <a:rPr lang="en-US" sz="1000" dirty="0" err="1">
+                <a:solidFill>
+                  <a:schemeClr val="tx1"/>
+                </a:solidFill>
+                <a:latin typeface="Courier" pitchFamily="2" charset="0"/>
+              </a:rPr>
+              <a:t>input_files</a:t>
+            </a:r>
+            <a:r>
+              <a:rPr lang="en-US" sz="1000" dirty="0">
+                <a:solidFill>
+                  <a:schemeClr val="tx1"/>
+                </a:solidFill>
+                <a:latin typeface="Courier" pitchFamily="2" charset="0"/>
+              </a:rPr>
+              <a:t> = "eam.h0”</a:t>
+            </a:r>
+          </a:p>
+          <a:p>
+            <a:r>
+              <a:rPr lang="en-US" sz="1000" dirty="0">
+                <a:solidFill>
+                  <a:schemeClr val="tx1"/>
+                </a:solidFill>
+                <a:latin typeface="Courier" pitchFamily="2" charset="0"/>
+              </a:rPr>
+              <a:t>  frequency = "monthly"</a:t>
+            </a:r>
+          </a:p>
+          <a:p>
+            <a:r>
+              <a:rPr lang="en-US" sz="1000" dirty="0">
+                <a:solidFill>
+                  <a:schemeClr val="tx1"/>
+                </a:solidFill>
+                <a:latin typeface="Courier" pitchFamily="2" charset="0"/>
+              </a:rPr>
+              <a:t>  </a:t>
+            </a:r>
+            <a:r>
+              <a:rPr lang="en-US" sz="1000" dirty="0" err="1">
+                <a:solidFill>
+                  <a:schemeClr val="tx1"/>
+                </a:solidFill>
+                <a:latin typeface="Courier" pitchFamily="2" charset="0"/>
+              </a:rPr>
+              <a:t>mapping_file</a:t>
+            </a:r>
+            <a:r>
+              <a:rPr lang="en-US" sz="1000" dirty="0">
+                <a:solidFill>
+                  <a:schemeClr val="tx1"/>
+                </a:solidFill>
+                <a:latin typeface="Courier" pitchFamily="2" charset="0"/>
+              </a:rPr>
+              <a:t> = "</a:t>
+            </a:r>
+            <a:r>
+              <a:rPr lang="en-US" sz="1000" dirty="0" err="1">
+                <a:solidFill>
+                  <a:schemeClr val="tx1"/>
+                </a:solidFill>
+                <a:latin typeface="Courier" pitchFamily="2" charset="0"/>
+              </a:rPr>
+              <a:t>glb</a:t>
+            </a:r>
+            <a:r>
+              <a:rPr lang="en-US" sz="1000" dirty="0">
+                <a:solidFill>
+                  <a:schemeClr val="tx1"/>
+                </a:solidFill>
+                <a:latin typeface="Courier" pitchFamily="2" charset="0"/>
+              </a:rPr>
+              <a:t>”</a:t>
             </a:r>
           </a:p>
           <a:p>
@@ -6737,6 +3739,153 @@
                 </a:solidFill>
                 <a:latin typeface="Courier" pitchFamily="2" charset="0"/>
               </a:rPr>
+              <a:t>  [[ </a:t>
+            </a:r>
+            <a:r>
+              <a:rPr lang="en-US" sz="1000" dirty="0" err="1">
+                <a:solidFill>
+                  <a:schemeClr val="tx1"/>
+                </a:solidFill>
+                <a:latin typeface="Courier" pitchFamily="2" charset="0"/>
+              </a:rPr>
+              <a:t>lnd_monthly</a:t>
+            </a:r>
+            <a:r>
+              <a:rPr lang="en-US" sz="1000" dirty="0">
+                <a:solidFill>
+                  <a:schemeClr val="tx1"/>
+                </a:solidFill>
+                <a:latin typeface="Courier" pitchFamily="2" charset="0"/>
+              </a:rPr>
+              <a:t> ]]</a:t>
+            </a:r>
+          </a:p>
+          <a:p>
+            <a:r>
+              <a:rPr lang="en-US" sz="1000" dirty="0">
+                <a:solidFill>
+                  <a:schemeClr val="tx1"/>
+                </a:solidFill>
+                <a:latin typeface="Courier" pitchFamily="2" charset="0"/>
+              </a:rPr>
+              <a:t>  </a:t>
+            </a:r>
+            <a:r>
+              <a:rPr lang="en-US" sz="1000" dirty="0" err="1">
+                <a:solidFill>
+                  <a:schemeClr val="tx1"/>
+                </a:solidFill>
+                <a:latin typeface="Courier" pitchFamily="2" charset="0"/>
+              </a:rPr>
+              <a:t>input_files</a:t>
+            </a:r>
+            <a:r>
+              <a:rPr lang="en-US" sz="1000" dirty="0">
+                <a:solidFill>
+                  <a:schemeClr val="tx1"/>
+                </a:solidFill>
+                <a:latin typeface="Courier" pitchFamily="2" charset="0"/>
+              </a:rPr>
+              <a:t> = "elm.h0”</a:t>
+            </a:r>
+          </a:p>
+          <a:p>
+            <a:r>
+              <a:rPr lang="en-US" sz="1000" dirty="0">
+                <a:solidFill>
+                  <a:schemeClr val="tx1"/>
+                </a:solidFill>
+                <a:latin typeface="Courier" pitchFamily="2" charset="0"/>
+              </a:rPr>
+              <a:t>  frequency = "monthly”</a:t>
+            </a:r>
+          </a:p>
+          <a:p>
+            <a:r>
+              <a:rPr lang="en-US" sz="1000" dirty="0">
+                <a:solidFill>
+                  <a:schemeClr val="tx1"/>
+                </a:solidFill>
+                <a:latin typeface="Courier" pitchFamily="2" charset="0"/>
+              </a:rPr>
+              <a:t>  </a:t>
+            </a:r>
+            <a:r>
+              <a:rPr lang="en-US" sz="1000" dirty="0" err="1">
+                <a:solidFill>
+                  <a:schemeClr val="tx1"/>
+                </a:solidFill>
+                <a:latin typeface="Courier" pitchFamily="2" charset="0"/>
+              </a:rPr>
+              <a:t>mapping_file</a:t>
+            </a:r>
+            <a:r>
+              <a:rPr lang="en-US" sz="1000" dirty="0">
+                <a:solidFill>
+                  <a:schemeClr val="tx1"/>
+                </a:solidFill>
+                <a:latin typeface="Courier" pitchFamily="2" charset="0"/>
+              </a:rPr>
+              <a:t> = ...</a:t>
+            </a:r>
+          </a:p>
+          <a:p>
+            <a:endParaRPr lang="en-US" sz="1000" dirty="0">
+              <a:solidFill>
+                <a:schemeClr val="tx1"/>
+              </a:solidFill>
+              <a:latin typeface="Courier" pitchFamily="2" charset="0"/>
+            </a:endParaRPr>
+          </a:p>
+          <a:p>
+            <a:r>
+              <a:rPr lang="en-US" sz="1000" dirty="0">
+                <a:solidFill>
+                  <a:schemeClr val="tx1"/>
+                </a:solidFill>
+                <a:latin typeface="Courier" pitchFamily="2" charset="0"/>
+              </a:rPr>
+              <a:t>[e3sm_diags]</a:t>
+            </a:r>
+          </a:p>
+          <a:p>
+            <a:r>
+              <a:rPr lang="en-US" sz="1000" dirty="0">
+                <a:solidFill>
+                  <a:schemeClr val="tx1"/>
+                </a:solidFill>
+                <a:latin typeface="Courier" pitchFamily="2" charset="0"/>
+              </a:rPr>
+              <a:t>active = True</a:t>
+            </a:r>
+          </a:p>
+          <a:p>
+            <a:r>
+              <a:rPr lang="en-US" sz="1000" dirty="0">
+                <a:solidFill>
+                  <a:schemeClr val="tx1"/>
+                </a:solidFill>
+                <a:latin typeface="Courier" pitchFamily="2" charset="0"/>
+              </a:rPr>
+              <a:t>years = "1:100:20",</a:t>
+            </a:r>
+          </a:p>
+          <a:p>
+            <a:endParaRPr lang="en-US" sz="1000" dirty="0">
+              <a:solidFill>
+                <a:schemeClr val="tx1"/>
+              </a:solidFill>
+              <a:latin typeface="Courier" pitchFamily="2" charset="0"/>
+            </a:endParaRPr>
+          </a:p>
+          <a:p>
+            <a:r>
+              <a:rPr lang="en-US" sz="1000" dirty="0">
+                <a:solidFill>
+                  <a:schemeClr val="tx1"/>
+                </a:solidFill>
+                <a:latin typeface="Courier" pitchFamily="2" charset="0"/>
+              </a:rPr>
               <a:t>  [[ atm_monthly_180x360_aave ]]</a:t>
             </a:r>
           </a:p>
@@ -6857,7 +4006,7 @@
                 </a:solidFill>
                 <a:latin typeface="Courier" pitchFamily="2" charset="0"/>
               </a:rPr>
-              <a:t>walltime</a:t>
+              <a:t>ts_years</a:t>
             </a:r>
             <a:r>
               <a:rPr lang="en-US" sz="1000" dirty="0">
@@ -6866,7 +4015,7 @@
                 </a:solidFill>
                 <a:latin typeface="Courier" pitchFamily="2" charset="0"/>
               </a:rPr>
-              <a:t> = "24:00:00"</a:t>
+              <a:t> = ”1-50”, “51-100”,</a:t>
             </a:r>
           </a:p>
           <a:p>
@@ -6877,7 +4026,7 @@
                 </a:solidFill>
                 <a:latin typeface="Courier" pitchFamily="2" charset="0"/>
               </a:rPr>
-              <a:t>parallelTaskCount</a:t>
+              <a:t>climo_years</a:t>
             </a:r>
             <a:r>
               <a:rPr lang="en-US" sz="1000" dirty="0">
@@ -6886,7 +4035,7 @@
                 </a:solidFill>
                 <a:latin typeface="Courier" pitchFamily="2" charset="0"/>
               </a:rPr>
-              <a:t> = 6</a:t>
+              <a:t> = “21-50”, “51-100”,</a:t>
             </a:r>
           </a:p>
           <a:p>
@@ -6897,6 +4046,82 @@
                 </a:solidFill>
                 <a:latin typeface="Courier" pitchFamily="2" charset="0"/>
               </a:rPr>
+              <a:t>enso_years</a:t>
+            </a:r>
+            <a:r>
+              <a:rPr lang="en-US" sz="1000" dirty="0">
+                <a:solidFill>
+                  <a:schemeClr val="tx1"/>
+                </a:solidFill>
+                <a:latin typeface="Courier" pitchFamily="2" charset="0"/>
+              </a:rPr>
+              <a:t> = "11-50", “11-100”,</a:t>
+            </a:r>
+          </a:p>
+          <a:p>
+            <a:endParaRPr lang="en-US" sz="1000" dirty="0">
+              <a:solidFill>
+                <a:schemeClr val="tx1"/>
+              </a:solidFill>
+              <a:latin typeface="Courier" pitchFamily="2" charset="0"/>
+            </a:endParaRPr>
+          </a:p>
+          <a:p>
+            <a:endParaRPr lang="en-US" sz="1000" dirty="0">
+              <a:solidFill>
+                <a:schemeClr val="tx1"/>
+              </a:solidFill>
+              <a:latin typeface="Courier" pitchFamily="2" charset="0"/>
+            </a:endParaRPr>
+          </a:p>
+          <a:p>
+            <a:r>
+              <a:rPr lang="en-US" sz="1000" dirty="0">
+                <a:solidFill>
+                  <a:schemeClr val="tx1"/>
+                </a:solidFill>
+                <a:latin typeface="Courier" pitchFamily="2" charset="0"/>
+              </a:rPr>
+              <a:t>[</a:t>
+            </a:r>
+            <a:r>
+              <a:rPr lang="en-US" sz="1000" dirty="0" err="1">
+                <a:solidFill>
+                  <a:schemeClr val="tx1"/>
+                </a:solidFill>
+                <a:latin typeface="Courier" pitchFamily="2" charset="0"/>
+              </a:rPr>
+              <a:t>global_time_series</a:t>
+            </a:r>
+            <a:r>
+              <a:rPr lang="en-US" sz="1000" dirty="0">
+                <a:solidFill>
+                  <a:schemeClr val="tx1"/>
+                </a:solidFill>
+                <a:latin typeface="Courier" pitchFamily="2" charset="0"/>
+              </a:rPr>
+              <a:t>]</a:t>
+            </a:r>
+          </a:p>
+          <a:p>
+            <a:r>
+              <a:rPr lang="en-US" sz="1000" dirty="0">
+                <a:solidFill>
+                  <a:schemeClr val="tx1"/>
+                </a:solidFill>
+                <a:latin typeface="Courier" pitchFamily="2" charset="0"/>
+              </a:rPr>
+              <a:t>Active = True</a:t>
+            </a:r>
+          </a:p>
+          <a:p>
+            <a:r>
+              <a:rPr lang="en-US" sz="1000" dirty="0" err="1">
+                <a:solidFill>
+                  <a:schemeClr val="tx1"/>
+                </a:solidFill>
+                <a:latin typeface="Courier" pitchFamily="2" charset="0"/>
+              </a:rPr>
               <a:t>ts_years</a:t>
             </a:r>
             <a:r>
@@ -6906,7 +4131,7 @@
                 </a:solidFill>
                 <a:latin typeface="Courier" pitchFamily="2" charset="0"/>
               </a:rPr>
-              <a:t> = "1-20", "1-50", "1-75", "1-100",</a:t>
+              <a:t> = ”1-50”, “51-100”,</a:t>
             </a:r>
           </a:p>
           <a:p>
@@ -6917,7 +4142,7 @@
                 </a:solidFill>
                 <a:latin typeface="Courier" pitchFamily="2" charset="0"/>
               </a:rPr>
-              <a:t>enso_years</a:t>
+              <a:t>climo_years</a:t>
             </a:r>
             <a:r>
               <a:rPr lang="en-US" sz="1000" dirty="0">
@@ -6926,74 +4151,326 @@
                 </a:solidFill>
                 <a:latin typeface="Courier" pitchFamily="2" charset="0"/>
               </a:rPr>
-              <a:t> = "1-20", "11-50", "11-75", "11-100",</a:t>
-            </a:r>
-          </a:p>
-          <a:p>
-            <a:r>
-              <a:rPr lang="en-US" sz="1000" dirty="0" err="1">
-                <a:solidFill>
-                  <a:schemeClr val="tx1"/>
-                </a:solidFill>
-                <a:latin typeface="Courier" pitchFamily="2" charset="0"/>
-              </a:rPr>
-              <a:t>climo_years</a:t>
-            </a:r>
-            <a:r>
-              <a:rPr lang="en-US" sz="1000" dirty="0">
-                <a:solidFill>
-                  <a:schemeClr val="tx1"/>
-                </a:solidFill>
-                <a:latin typeface="Courier" pitchFamily="2" charset="0"/>
-              </a:rPr>
-              <a:t> ="1-20", "26-50", "51-75", "76-100",</a:t>
-            </a:r>
-          </a:p>
-          <a:p>
-            <a:r>
-              <a:rPr lang="en-US" sz="1000" dirty="0">
-                <a:solidFill>
-                  <a:schemeClr val="tx1"/>
-                </a:solidFill>
-                <a:latin typeface="Courier" pitchFamily="2" charset="0"/>
-              </a:rPr>
-              <a:t>mesh = "EC30to60E2r2"</a:t>
+              <a:t> = “21-50”, “51-100”,</a:t>
+            </a:r>
+          </a:p>
+          <a:p>
+            <a:endParaRPr lang="en-US" sz="1000" dirty="0">
+              <a:solidFill>
+                <a:schemeClr val="tx1"/>
+              </a:solidFill>
+              <a:latin typeface="Courier" pitchFamily="2" charset="0"/>
+            </a:endParaRPr>
+          </a:p>
+          <a:p>
+            <a:endParaRPr lang="en-US" sz="1000" dirty="0">
+              <a:solidFill>
+                <a:schemeClr val="tx1"/>
+              </a:solidFill>
+              <a:latin typeface="Courier" pitchFamily="2" charset="0"/>
+            </a:endParaRPr>
+          </a:p>
+          <a:p>
+            <a:endParaRPr lang="en-US" sz="1000" dirty="0">
+              <a:solidFill>
+                <a:schemeClr val="tx1"/>
+              </a:solidFill>
+              <a:latin typeface="Courier" pitchFamily="2" charset="0"/>
+            </a:endParaRPr>
+          </a:p>
+        </p:txBody>
+      </p:sp>
+      <p:sp>
+        <p:nvSpPr>
+          <p:cNvPr id="51" name="Round Diagonal Corner Rectangle 50">
+            <a:extLst>
+              <a:ext uri="{FF2B5EF4-FFF2-40B4-BE49-F238E27FC236}">
+                <a16:creationId xmlns:a16="http://schemas.microsoft.com/office/drawing/2014/main" id="{ED9DC568-D699-E74D-8615-21799235E828}"/>
+              </a:ext>
+            </a:extLst>
+          </p:cNvPr>
+          <p:cNvSpPr/>
+          <p:nvPr/>
+        </p:nvSpPr>
+        <p:spPr>
+          <a:xfrm>
+            <a:off x="8465516" y="1617625"/>
+            <a:ext cx="1706480" cy="1020421"/>
+          </a:xfrm>
+          <a:prstGeom prst="round2DiagRect">
+            <a:avLst/>
+          </a:prstGeom>
+          <a:solidFill>
+            <a:schemeClr val="accent3">
+              <a:lumMod val="40000"/>
+              <a:lumOff val="60000"/>
+            </a:schemeClr>
+          </a:solidFill>
+        </p:spPr>
+        <p:style>
+          <a:lnRef idx="2">
+            <a:schemeClr val="accent1">
+              <a:shade val="50000"/>
+            </a:schemeClr>
+          </a:lnRef>
+          <a:fillRef idx="1">
+            <a:schemeClr val="accent1"/>
+          </a:fillRef>
+          <a:effectRef idx="0">
+            <a:schemeClr val="accent1"/>
+          </a:effectRef>
+          <a:fontRef idx="minor">
+            <a:schemeClr val="lt1"/>
+          </a:fontRef>
+        </p:style>
+        <p:txBody>
+          <a:bodyPr rtlCol="0" anchor="t"/>
+          <a:lstStyle/>
+          <a:p>
+            <a:pPr algn="ctr"/>
+            <a:r>
+              <a:rPr lang="en-US" sz="2400" b="1" dirty="0" err="1">
+                <a:solidFill>
+                  <a:schemeClr val="tx1"/>
+                </a:solidFill>
+              </a:rPr>
+              <a:t>climo</a:t>
+            </a:r>
+            <a:endParaRPr lang="en-US" dirty="0">
+              <a:solidFill>
+                <a:schemeClr val="tx1"/>
+              </a:solidFill>
+            </a:endParaRPr>
+          </a:p>
+          <a:p>
+            <a:pPr marL="173038" indent="-173038">
+              <a:buFont typeface="Arial" panose="020B0604020202020204" pitchFamily="34" charset="0"/>
+              <a:buChar char="•"/>
+            </a:pPr>
+            <a:r>
+              <a:rPr lang="en-US" sz="1400" b="1" dirty="0">
+                <a:solidFill>
+                  <a:schemeClr val="tx1"/>
+                </a:solidFill>
+              </a:rPr>
+              <a:t>atm, </a:t>
+            </a:r>
+            <a:r>
+              <a:rPr lang="en-US" sz="1400" b="1" dirty="0" err="1">
+                <a:solidFill>
+                  <a:schemeClr val="tx1"/>
+                </a:solidFill>
+              </a:rPr>
+              <a:t>regridded</a:t>
+            </a:r>
+            <a:endParaRPr lang="en-US" sz="1400" b="1" dirty="0">
+              <a:solidFill>
+                <a:schemeClr val="tx1"/>
+              </a:solidFill>
+            </a:endParaRPr>
+          </a:p>
+          <a:p>
+            <a:pPr marL="173038" indent="-173038">
+              <a:buFont typeface="Arial" panose="020B0604020202020204" pitchFamily="34" charset="0"/>
+              <a:buChar char="•"/>
+            </a:pPr>
+            <a:r>
+              <a:rPr lang="en-US" sz="1400" b="1" dirty="0">
+                <a:solidFill>
+                  <a:schemeClr val="tx1"/>
+                </a:solidFill>
+              </a:rPr>
+              <a:t>Years 1-20</a:t>
             </a:r>
           </a:p>
         </p:txBody>
       </p:sp>
       <p:cxnSp>
         <p:nvCxnSpPr>
-          <p:cNvPr id="90" name="Straight Arrow Connector 89">
+          <p:cNvPr id="3" name="Straight Arrow Connector 2">
             <a:extLst>
               <a:ext uri="{FF2B5EF4-FFF2-40B4-BE49-F238E27FC236}">
-                <a16:creationId xmlns:a16="http://schemas.microsoft.com/office/drawing/2014/main" id="{AD20C99C-4E57-9241-BA9B-4F71076CDF73}"/>
+                <a16:creationId xmlns:a16="http://schemas.microsoft.com/office/drawing/2014/main" id="{DC268400-8F32-3546-AD6D-93622F18EFA6}"/>
               </a:ext>
             </a:extLst>
           </p:cNvPr>
           <p:cNvCxnSpPr>
             <a:cxnSpLocks/>
-            <a:stCxn id="5" idx="2"/>
-            <a:endCxn id="4" idx="0"/>
+            <a:endCxn id="51" idx="2"/>
           </p:cNvCxnSpPr>
           <p:nvPr/>
         </p:nvCxnSpPr>
         <p:spPr>
-          <a:xfrm>
-            <a:off x="9490130" y="3443115"/>
-            <a:ext cx="0" cy="882082"/>
+          <a:xfrm flipV="1">
+            <a:off x="3008917" y="2127836"/>
+            <a:ext cx="5456599" cy="2880137"/>
           </a:xfrm>
           <a:prstGeom prst="straightConnector1">
             <a:avLst/>
           </a:prstGeom>
-          <a:ln w="50800">
-            <a:solidFill>
-              <a:schemeClr val="tx1">
-                <a:lumMod val="50000"/>
-                <a:lumOff val="50000"/>
-              </a:schemeClr>
-            </a:solidFill>
-            <a:tailEnd type="stealth" w="lg" len="lg"/>
+          <a:ln w="38100">
+            <a:tailEnd type="triangle"/>
+          </a:ln>
+        </p:spPr>
+        <p:style>
+          <a:lnRef idx="1">
+            <a:schemeClr val="accent1"/>
+          </a:lnRef>
+          <a:fillRef idx="0">
+            <a:schemeClr val="accent1"/>
+          </a:fillRef>
+          <a:effectRef idx="0">
+            <a:schemeClr val="accent1"/>
+          </a:effectRef>
+          <a:fontRef idx="minor">
+            <a:schemeClr val="tx1"/>
+          </a:fontRef>
+        </p:style>
+      </p:cxnSp>
+      <p:sp>
+        <p:nvSpPr>
+          <p:cNvPr id="6" name="Round Diagonal Corner Rectangle 5">
+            <a:extLst>
+              <a:ext uri="{FF2B5EF4-FFF2-40B4-BE49-F238E27FC236}">
+                <a16:creationId xmlns:a16="http://schemas.microsoft.com/office/drawing/2014/main" id="{51F84BDD-7BDC-4849-A697-6BA4895EF46A}"/>
+              </a:ext>
+            </a:extLst>
+          </p:cNvPr>
+          <p:cNvSpPr/>
+          <p:nvPr/>
+        </p:nvSpPr>
+        <p:spPr>
+          <a:xfrm>
+            <a:off x="8427808" y="4066497"/>
+            <a:ext cx="1691049" cy="1132323"/>
+          </a:xfrm>
+          <a:prstGeom prst="round2DiagRect">
+            <a:avLst/>
+          </a:prstGeom>
+          <a:solidFill>
+            <a:schemeClr val="accent2">
+              <a:lumMod val="40000"/>
+              <a:lumOff val="60000"/>
+            </a:schemeClr>
+          </a:solidFill>
+        </p:spPr>
+        <p:style>
+          <a:lnRef idx="2">
+            <a:schemeClr val="accent1">
+              <a:shade val="50000"/>
+            </a:schemeClr>
+          </a:lnRef>
+          <a:fillRef idx="1">
+            <a:schemeClr val="accent1"/>
+          </a:fillRef>
+          <a:effectRef idx="0">
+            <a:schemeClr val="accent1"/>
+          </a:effectRef>
+          <a:fontRef idx="minor">
+            <a:schemeClr val="lt1"/>
+          </a:fontRef>
+        </p:style>
+        <p:txBody>
+          <a:bodyPr rtlCol="0" anchor="t"/>
+          <a:lstStyle/>
+          <a:p>
+            <a:pPr algn="ctr"/>
+            <a:r>
+              <a:rPr lang="en-US" sz="2400" b="1" dirty="0" err="1">
+                <a:solidFill>
+                  <a:schemeClr val="tx1"/>
+                </a:solidFill>
+              </a:rPr>
+              <a:t>ts</a:t>
+            </a:r>
+            <a:endParaRPr lang="en-US" dirty="0">
+              <a:solidFill>
+                <a:schemeClr val="tx1"/>
+              </a:solidFill>
+            </a:endParaRPr>
+          </a:p>
+          <a:p>
+            <a:pPr marL="173038" indent="-173038">
+              <a:buFont typeface="Arial" panose="020B0604020202020204" pitchFamily="34" charset="0"/>
+              <a:buChar char="•"/>
+            </a:pPr>
+            <a:r>
+              <a:rPr lang="en-US" sz="1400" b="1" dirty="0">
+                <a:solidFill>
+                  <a:schemeClr val="tx1"/>
+                </a:solidFill>
+              </a:rPr>
+              <a:t>atm, </a:t>
+            </a:r>
+            <a:r>
+              <a:rPr lang="en-US" sz="1400" b="1" dirty="0" err="1">
+                <a:solidFill>
+                  <a:schemeClr val="tx1"/>
+                </a:solidFill>
+              </a:rPr>
+              <a:t>regridded</a:t>
+            </a:r>
+            <a:endParaRPr lang="en-US" sz="1400" b="1" dirty="0">
+              <a:solidFill>
+                <a:schemeClr val="tx1"/>
+              </a:solidFill>
+            </a:endParaRPr>
+          </a:p>
+          <a:p>
+            <a:pPr marL="173038" indent="-173038">
+              <a:buFont typeface="Arial" panose="020B0604020202020204" pitchFamily="34" charset="0"/>
+              <a:buChar char="•"/>
+            </a:pPr>
+            <a:r>
+              <a:rPr lang="en-US" sz="1400" b="1" dirty="0">
+                <a:solidFill>
+                  <a:schemeClr val="tx1"/>
+                </a:solidFill>
+              </a:rPr>
+              <a:t>Monthly</a:t>
+            </a:r>
+          </a:p>
+          <a:p>
+            <a:pPr marL="173038" indent="-173038">
+              <a:buFont typeface="Arial" panose="020B0604020202020204" pitchFamily="34" charset="0"/>
+              <a:buChar char="•"/>
+            </a:pPr>
+            <a:r>
+              <a:rPr lang="en-US" sz="1400" b="1" dirty="0">
+                <a:solidFill>
+                  <a:schemeClr val="tx1"/>
+                </a:solidFill>
+              </a:rPr>
+              <a:t>Years 1-10</a:t>
+            </a:r>
+          </a:p>
+        </p:txBody>
+      </p:sp>
+      <p:cxnSp>
+        <p:nvCxnSpPr>
+          <p:cNvPr id="7" name="Straight Arrow Connector 6">
+            <a:extLst>
+              <a:ext uri="{FF2B5EF4-FFF2-40B4-BE49-F238E27FC236}">
+                <a16:creationId xmlns:a16="http://schemas.microsoft.com/office/drawing/2014/main" id="{7C877730-A871-354E-898E-9E79CB89750C}"/>
+              </a:ext>
+            </a:extLst>
+          </p:cNvPr>
+          <p:cNvCxnSpPr>
+            <a:cxnSpLocks/>
+            <a:endCxn id="6" idx="2"/>
+          </p:cNvCxnSpPr>
+          <p:nvPr/>
+        </p:nvCxnSpPr>
+        <p:spPr>
+          <a:xfrm flipV="1">
+            <a:off x="3008917" y="4632659"/>
+            <a:ext cx="5418891" cy="2407386"/>
+          </a:xfrm>
+          <a:prstGeom prst="straightConnector1">
+            <a:avLst/>
+          </a:prstGeom>
+          <a:ln w="38100">
+            <a:tailEnd type="triangle"/>
           </a:ln>
         </p:spPr>
         <p:style>
@@ -7013,33 +4490,679 @@
       </p:cxnSp>
       <p:cxnSp>
         <p:nvCxnSpPr>
-          <p:cNvPr id="91" name="Straight Arrow Connector 90">
+          <p:cNvPr id="9" name="Straight Connector 8">
             <a:extLst>
               <a:ext uri="{FF2B5EF4-FFF2-40B4-BE49-F238E27FC236}">
-                <a16:creationId xmlns:a16="http://schemas.microsoft.com/office/drawing/2014/main" id="{0210409D-5632-F247-BD64-CDBA1FD08F5D}"/>
+                <a16:creationId xmlns:a16="http://schemas.microsoft.com/office/drawing/2014/main" id="{61202D55-BA27-F943-AA95-B11152DBFCA9}"/>
               </a:ext>
             </a:extLst>
           </p:cNvPr>
           <p:cNvCxnSpPr>
             <a:cxnSpLocks/>
-            <a:stCxn id="4" idx="2"/>
-            <a:endCxn id="17" idx="0"/>
           </p:cNvCxnSpPr>
           <p:nvPr/>
         </p:nvCxnSpPr>
         <p:spPr>
           <a:xfrm>
-            <a:off x="9490130" y="5828967"/>
-            <a:ext cx="0" cy="762811"/>
+            <a:off x="10291996" y="2275175"/>
+            <a:ext cx="734786" cy="0"/>
+          </a:xfrm>
+          <a:prstGeom prst="line">
+            <a:avLst/>
+          </a:prstGeom>
+          <a:ln w="63500">
+            <a:prstDash val="sysDot"/>
+          </a:ln>
+        </p:spPr>
+        <p:style>
+          <a:lnRef idx="1">
+            <a:schemeClr val="dk1"/>
+          </a:lnRef>
+          <a:fillRef idx="0">
+            <a:schemeClr val="dk1"/>
+          </a:fillRef>
+          <a:effectRef idx="0">
+            <a:schemeClr val="dk1"/>
+          </a:effectRef>
+          <a:fontRef idx="minor">
+            <a:schemeClr val="tx1"/>
+          </a:fontRef>
+        </p:style>
+      </p:cxnSp>
+      <p:sp>
+        <p:nvSpPr>
+          <p:cNvPr id="11" name="Round Diagonal Corner Rectangle 10">
+            <a:extLst>
+              <a:ext uri="{FF2B5EF4-FFF2-40B4-BE49-F238E27FC236}">
+                <a16:creationId xmlns:a16="http://schemas.microsoft.com/office/drawing/2014/main" id="{7EE9B562-116E-6148-A310-E1912C19B6EC}"/>
+              </a:ext>
+            </a:extLst>
+          </p:cNvPr>
+          <p:cNvSpPr/>
+          <p:nvPr/>
+        </p:nvSpPr>
+        <p:spPr>
+          <a:xfrm>
+            <a:off x="11146782" y="1617625"/>
+            <a:ext cx="1706480" cy="1020420"/>
+          </a:xfrm>
+          <a:prstGeom prst="round2DiagRect">
+            <a:avLst/>
+          </a:prstGeom>
+          <a:solidFill>
+            <a:schemeClr val="accent3">
+              <a:lumMod val="40000"/>
+              <a:lumOff val="60000"/>
+            </a:schemeClr>
+          </a:solidFill>
+        </p:spPr>
+        <p:style>
+          <a:lnRef idx="2">
+            <a:schemeClr val="accent1">
+              <a:shade val="50000"/>
+            </a:schemeClr>
+          </a:lnRef>
+          <a:fillRef idx="1">
+            <a:schemeClr val="accent1"/>
+          </a:fillRef>
+          <a:effectRef idx="0">
+            <a:schemeClr val="accent1"/>
+          </a:effectRef>
+          <a:fontRef idx="minor">
+            <a:schemeClr val="lt1"/>
+          </a:fontRef>
+        </p:style>
+        <p:txBody>
+          <a:bodyPr rtlCol="0" anchor="t"/>
+          <a:lstStyle/>
+          <a:p>
+            <a:pPr algn="ctr"/>
+            <a:r>
+              <a:rPr lang="en-US" sz="2400" b="1" dirty="0" err="1">
+                <a:solidFill>
+                  <a:schemeClr val="tx1"/>
+                </a:solidFill>
+              </a:rPr>
+              <a:t>climo</a:t>
+            </a:r>
+            <a:endParaRPr lang="en-US" dirty="0">
+              <a:solidFill>
+                <a:schemeClr val="tx1"/>
+              </a:solidFill>
+            </a:endParaRPr>
+          </a:p>
+          <a:p>
+            <a:pPr marL="173038" indent="-173038">
+              <a:buFont typeface="Arial" panose="020B0604020202020204" pitchFamily="34" charset="0"/>
+              <a:buChar char="•"/>
+            </a:pPr>
+            <a:r>
+              <a:rPr lang="en-US" sz="1400" b="1" dirty="0">
+                <a:solidFill>
+                  <a:schemeClr val="tx1"/>
+                </a:solidFill>
+              </a:rPr>
+              <a:t>atm, </a:t>
+            </a:r>
+            <a:r>
+              <a:rPr lang="en-US" sz="1400" b="1" dirty="0" err="1">
+                <a:solidFill>
+                  <a:schemeClr val="tx1"/>
+                </a:solidFill>
+              </a:rPr>
+              <a:t>regridded</a:t>
+            </a:r>
+            <a:endParaRPr lang="en-US" sz="1400" b="1" dirty="0">
+              <a:solidFill>
+                <a:schemeClr val="tx1"/>
+              </a:solidFill>
+            </a:endParaRPr>
+          </a:p>
+          <a:p>
+            <a:pPr marL="173038" indent="-173038">
+              <a:buFont typeface="Arial" panose="020B0604020202020204" pitchFamily="34" charset="0"/>
+              <a:buChar char="•"/>
+            </a:pPr>
+            <a:r>
+              <a:rPr lang="en-US" sz="1400" b="1" dirty="0">
+                <a:solidFill>
+                  <a:schemeClr val="tx1"/>
+                </a:solidFill>
+              </a:rPr>
+              <a:t>Years 181-200</a:t>
+            </a:r>
+          </a:p>
+        </p:txBody>
+      </p:sp>
+      <p:cxnSp>
+        <p:nvCxnSpPr>
+          <p:cNvPr id="12" name="Straight Connector 11">
+            <a:extLst>
+              <a:ext uri="{FF2B5EF4-FFF2-40B4-BE49-F238E27FC236}">
+                <a16:creationId xmlns:a16="http://schemas.microsoft.com/office/drawing/2014/main" id="{03DF4B71-2F37-7D4E-8659-BAB03DBC6659}"/>
+              </a:ext>
+            </a:extLst>
+          </p:cNvPr>
+          <p:cNvCxnSpPr>
+            <a:cxnSpLocks/>
+          </p:cNvCxnSpPr>
+          <p:nvPr/>
+        </p:nvCxnSpPr>
+        <p:spPr>
+          <a:xfrm>
+            <a:off x="10275609" y="4677335"/>
+            <a:ext cx="734786" cy="0"/>
+          </a:xfrm>
+          <a:prstGeom prst="line">
+            <a:avLst/>
+          </a:prstGeom>
+          <a:ln w="63500">
+            <a:prstDash val="sysDot"/>
+          </a:ln>
+        </p:spPr>
+        <p:style>
+          <a:lnRef idx="1">
+            <a:schemeClr val="dk1"/>
+          </a:lnRef>
+          <a:fillRef idx="0">
+            <a:schemeClr val="dk1"/>
+          </a:fillRef>
+          <a:effectRef idx="0">
+            <a:schemeClr val="dk1"/>
+          </a:effectRef>
+          <a:fontRef idx="minor">
+            <a:schemeClr val="tx1"/>
+          </a:fontRef>
+        </p:style>
+      </p:cxnSp>
+      <p:sp>
+        <p:nvSpPr>
+          <p:cNvPr id="14" name="Round Diagonal Corner Rectangle 13">
+            <a:extLst>
+              <a:ext uri="{FF2B5EF4-FFF2-40B4-BE49-F238E27FC236}">
+                <a16:creationId xmlns:a16="http://schemas.microsoft.com/office/drawing/2014/main" id="{EA4CB63B-FC62-284A-A951-473F0DCA51B4}"/>
+              </a:ext>
+            </a:extLst>
+          </p:cNvPr>
+          <p:cNvSpPr/>
+          <p:nvPr/>
+        </p:nvSpPr>
+        <p:spPr>
+          <a:xfrm>
+            <a:off x="11099392" y="4066703"/>
+            <a:ext cx="1766608" cy="1132857"/>
+          </a:xfrm>
+          <a:prstGeom prst="round2DiagRect">
+            <a:avLst/>
+          </a:prstGeom>
+          <a:solidFill>
+            <a:schemeClr val="accent2">
+              <a:lumMod val="40000"/>
+              <a:lumOff val="60000"/>
+            </a:schemeClr>
+          </a:solidFill>
+        </p:spPr>
+        <p:style>
+          <a:lnRef idx="2">
+            <a:schemeClr val="accent1">
+              <a:shade val="50000"/>
+            </a:schemeClr>
+          </a:lnRef>
+          <a:fillRef idx="1">
+            <a:schemeClr val="accent1"/>
+          </a:fillRef>
+          <a:effectRef idx="0">
+            <a:schemeClr val="accent1"/>
+          </a:effectRef>
+          <a:fontRef idx="minor">
+            <a:schemeClr val="lt1"/>
+          </a:fontRef>
+        </p:style>
+        <p:txBody>
+          <a:bodyPr rtlCol="0" anchor="t"/>
+          <a:lstStyle/>
+          <a:p>
+            <a:pPr algn="ctr"/>
+            <a:r>
+              <a:rPr lang="en-US" sz="2400" b="1" dirty="0" err="1">
+                <a:solidFill>
+                  <a:schemeClr val="tx1"/>
+                </a:solidFill>
+              </a:rPr>
+              <a:t>ts</a:t>
+            </a:r>
+            <a:endParaRPr lang="en-US" dirty="0">
+              <a:solidFill>
+                <a:schemeClr val="tx1"/>
+              </a:solidFill>
+            </a:endParaRPr>
+          </a:p>
+          <a:p>
+            <a:pPr marL="173038" indent="-173038">
+              <a:buFont typeface="Arial" panose="020B0604020202020204" pitchFamily="34" charset="0"/>
+              <a:buChar char="•"/>
+            </a:pPr>
+            <a:r>
+              <a:rPr lang="en-US" sz="1400" b="1" dirty="0">
+                <a:solidFill>
+                  <a:schemeClr val="tx1"/>
+                </a:solidFill>
+              </a:rPr>
+              <a:t>atm, </a:t>
+            </a:r>
+            <a:r>
+              <a:rPr lang="en-US" sz="1400" b="1" dirty="0" err="1">
+                <a:solidFill>
+                  <a:schemeClr val="tx1"/>
+                </a:solidFill>
+              </a:rPr>
+              <a:t>regridded</a:t>
+            </a:r>
+            <a:endParaRPr lang="en-US" sz="1400" b="1" dirty="0">
+              <a:solidFill>
+                <a:schemeClr val="tx1"/>
+              </a:solidFill>
+            </a:endParaRPr>
+          </a:p>
+          <a:p>
+            <a:pPr marL="173038" indent="-173038">
+              <a:buFont typeface="Arial" panose="020B0604020202020204" pitchFamily="34" charset="0"/>
+              <a:buChar char="•"/>
+            </a:pPr>
+            <a:r>
+              <a:rPr lang="en-US" sz="1400" b="1" dirty="0">
+                <a:solidFill>
+                  <a:schemeClr val="tx1"/>
+                </a:solidFill>
+              </a:rPr>
+              <a:t>Monthly</a:t>
+            </a:r>
+          </a:p>
+          <a:p>
+            <a:pPr marL="173038" indent="-173038">
+              <a:buFont typeface="Arial" panose="020B0604020202020204" pitchFamily="34" charset="0"/>
+              <a:buChar char="•"/>
+            </a:pPr>
+            <a:r>
+              <a:rPr lang="en-US" sz="1400" b="1" dirty="0">
+                <a:solidFill>
+                  <a:schemeClr val="tx1"/>
+                </a:solidFill>
+              </a:rPr>
+              <a:t>Years 191-200</a:t>
+            </a:r>
+          </a:p>
+        </p:txBody>
+      </p:sp>
+      <p:cxnSp>
+        <p:nvCxnSpPr>
+          <p:cNvPr id="15" name="Straight Arrow Connector 14">
+            <a:extLst>
+              <a:ext uri="{FF2B5EF4-FFF2-40B4-BE49-F238E27FC236}">
+                <a16:creationId xmlns:a16="http://schemas.microsoft.com/office/drawing/2014/main" id="{FBAC5B26-82B1-2E4B-A15D-60F633EBF1C7}"/>
+              </a:ext>
+            </a:extLst>
+          </p:cNvPr>
+          <p:cNvCxnSpPr>
+            <a:cxnSpLocks/>
+          </p:cNvCxnSpPr>
+          <p:nvPr/>
+        </p:nvCxnSpPr>
+        <p:spPr>
+          <a:xfrm flipV="1">
+            <a:off x="2235556" y="7857232"/>
+            <a:ext cx="6192252" cy="815490"/>
           </a:xfrm>
           <a:prstGeom prst="straightConnector1">
             <a:avLst/>
           </a:prstGeom>
-          <a:ln w="50800">
-            <a:solidFill>
-              <a:schemeClr val="tx1"/>
-            </a:solidFill>
-            <a:tailEnd type="stealth" w="lg" len="lg"/>
+          <a:ln w="38100">
+            <a:tailEnd type="triangle"/>
+          </a:ln>
+        </p:spPr>
+        <p:style>
+          <a:lnRef idx="1">
+            <a:schemeClr val="accent1"/>
+          </a:lnRef>
+          <a:fillRef idx="0">
+            <a:schemeClr val="accent1"/>
+          </a:fillRef>
+          <a:effectRef idx="0">
+            <a:schemeClr val="accent1"/>
+          </a:effectRef>
+          <a:fontRef idx="minor">
+            <a:schemeClr val="tx1"/>
+          </a:fontRef>
+        </p:style>
+      </p:cxnSp>
+      <p:sp>
+        <p:nvSpPr>
+          <p:cNvPr id="16" name="Round Diagonal Corner Rectangle 15">
+            <a:extLst>
+              <a:ext uri="{FF2B5EF4-FFF2-40B4-BE49-F238E27FC236}">
+                <a16:creationId xmlns:a16="http://schemas.microsoft.com/office/drawing/2014/main" id="{A48774C5-DF0E-2A4F-A44C-857E893F19C5}"/>
+              </a:ext>
+            </a:extLst>
+          </p:cNvPr>
+          <p:cNvSpPr/>
+          <p:nvPr/>
+        </p:nvSpPr>
+        <p:spPr>
+          <a:xfrm>
+            <a:off x="8412377" y="7218624"/>
+            <a:ext cx="1706480" cy="1019888"/>
+          </a:xfrm>
+          <a:prstGeom prst="round2DiagRect">
+            <a:avLst/>
+          </a:prstGeom>
+          <a:solidFill>
+            <a:schemeClr val="accent2">
+              <a:lumMod val="40000"/>
+              <a:lumOff val="60000"/>
+            </a:schemeClr>
+          </a:solidFill>
+        </p:spPr>
+        <p:style>
+          <a:lnRef idx="2">
+            <a:schemeClr val="accent1">
+              <a:shade val="50000"/>
+            </a:schemeClr>
+          </a:lnRef>
+          <a:fillRef idx="1">
+            <a:schemeClr val="accent1"/>
+          </a:fillRef>
+          <a:effectRef idx="0">
+            <a:schemeClr val="accent1"/>
+          </a:effectRef>
+          <a:fontRef idx="minor">
+            <a:schemeClr val="lt1"/>
+          </a:fontRef>
+        </p:style>
+        <p:txBody>
+          <a:bodyPr rtlCol="0" anchor="t"/>
+          <a:lstStyle/>
+          <a:p>
+            <a:pPr algn="ctr"/>
+            <a:r>
+              <a:rPr lang="en-US" sz="2400" b="1" dirty="0" err="1">
+                <a:solidFill>
+                  <a:schemeClr val="tx1"/>
+                </a:solidFill>
+              </a:rPr>
+              <a:t>ts</a:t>
+            </a:r>
+            <a:endParaRPr lang="en-US" dirty="0">
+              <a:solidFill>
+                <a:schemeClr val="tx1"/>
+              </a:solidFill>
+            </a:endParaRPr>
+          </a:p>
+          <a:p>
+            <a:pPr marL="173038" indent="-173038">
+              <a:buFont typeface="Arial" panose="020B0604020202020204" pitchFamily="34" charset="0"/>
+              <a:buChar char="•"/>
+            </a:pPr>
+            <a:r>
+              <a:rPr lang="en-US" sz="1400" b="1" dirty="0">
+                <a:solidFill>
+                  <a:schemeClr val="tx1"/>
+                </a:solidFill>
+              </a:rPr>
+              <a:t>atm, global</a:t>
+            </a:r>
+          </a:p>
+          <a:p>
+            <a:pPr marL="173038" indent="-173038">
+              <a:buFont typeface="Arial" panose="020B0604020202020204" pitchFamily="34" charset="0"/>
+              <a:buChar char="•"/>
+            </a:pPr>
+            <a:r>
+              <a:rPr lang="en-US" sz="1400" b="1" dirty="0">
+                <a:solidFill>
+                  <a:schemeClr val="tx1"/>
+                </a:solidFill>
+              </a:rPr>
+              <a:t>Years 1-10</a:t>
+            </a:r>
+          </a:p>
+        </p:txBody>
+      </p:sp>
+      <p:sp>
+        <p:nvSpPr>
+          <p:cNvPr id="18" name="Round Diagonal Corner Rectangle 17">
+            <a:extLst>
+              <a:ext uri="{FF2B5EF4-FFF2-40B4-BE49-F238E27FC236}">
+                <a16:creationId xmlns:a16="http://schemas.microsoft.com/office/drawing/2014/main" id="{D4AFF50D-05EB-D246-8E45-74CF85F6D86B}"/>
+              </a:ext>
+            </a:extLst>
+          </p:cNvPr>
+          <p:cNvSpPr/>
+          <p:nvPr/>
+        </p:nvSpPr>
+        <p:spPr>
+          <a:xfrm>
+            <a:off x="11193790" y="7272193"/>
+            <a:ext cx="1706480" cy="1020420"/>
+          </a:xfrm>
+          <a:prstGeom prst="round2DiagRect">
+            <a:avLst/>
+          </a:prstGeom>
+          <a:solidFill>
+            <a:schemeClr val="accent2">
+              <a:lumMod val="40000"/>
+              <a:lumOff val="60000"/>
+            </a:schemeClr>
+          </a:solidFill>
+        </p:spPr>
+        <p:style>
+          <a:lnRef idx="2">
+            <a:schemeClr val="accent1">
+              <a:shade val="50000"/>
+            </a:schemeClr>
+          </a:lnRef>
+          <a:fillRef idx="1">
+            <a:schemeClr val="accent1"/>
+          </a:fillRef>
+          <a:effectRef idx="0">
+            <a:schemeClr val="accent1"/>
+          </a:effectRef>
+          <a:fontRef idx="minor">
+            <a:schemeClr val="lt1"/>
+          </a:fontRef>
+        </p:style>
+        <p:txBody>
+          <a:bodyPr rtlCol="0" anchor="t"/>
+          <a:lstStyle/>
+          <a:p>
+            <a:pPr algn="ctr"/>
+            <a:r>
+              <a:rPr lang="en-US" sz="2400" b="1" dirty="0" err="1">
+                <a:solidFill>
+                  <a:schemeClr val="tx1"/>
+                </a:solidFill>
+              </a:rPr>
+              <a:t>ts</a:t>
+            </a:r>
+            <a:endParaRPr lang="en-US" dirty="0">
+              <a:solidFill>
+                <a:schemeClr val="tx1"/>
+              </a:solidFill>
+            </a:endParaRPr>
+          </a:p>
+          <a:p>
+            <a:pPr marL="173038" indent="-173038">
+              <a:buFont typeface="Arial" panose="020B0604020202020204" pitchFamily="34" charset="0"/>
+              <a:buChar char="•"/>
+            </a:pPr>
+            <a:r>
+              <a:rPr lang="en-US" sz="1400" b="1" dirty="0">
+                <a:solidFill>
+                  <a:schemeClr val="tx1"/>
+                </a:solidFill>
+              </a:rPr>
+              <a:t>atm, global</a:t>
+            </a:r>
+          </a:p>
+          <a:p>
+            <a:pPr marL="173038" indent="-173038">
+              <a:buFont typeface="Arial" panose="020B0604020202020204" pitchFamily="34" charset="0"/>
+              <a:buChar char="•"/>
+            </a:pPr>
+            <a:r>
+              <a:rPr lang="en-US" sz="1400" b="1" dirty="0">
+                <a:solidFill>
+                  <a:schemeClr val="tx1"/>
+                </a:solidFill>
+              </a:rPr>
+              <a:t>Years 191-200</a:t>
+            </a:r>
+          </a:p>
+        </p:txBody>
+      </p:sp>
+      <p:cxnSp>
+        <p:nvCxnSpPr>
+          <p:cNvPr id="19" name="Straight Connector 18">
+            <a:extLst>
+              <a:ext uri="{FF2B5EF4-FFF2-40B4-BE49-F238E27FC236}">
+                <a16:creationId xmlns:a16="http://schemas.microsoft.com/office/drawing/2014/main" id="{A6CA8057-A1F6-C74F-84C2-AFED14F08CCA}"/>
+              </a:ext>
+            </a:extLst>
+          </p:cNvPr>
+          <p:cNvCxnSpPr>
+            <a:cxnSpLocks/>
+          </p:cNvCxnSpPr>
+          <p:nvPr/>
+        </p:nvCxnSpPr>
+        <p:spPr>
+          <a:xfrm>
+            <a:off x="10364606" y="7728568"/>
+            <a:ext cx="734786" cy="0"/>
+          </a:xfrm>
+          <a:prstGeom prst="line">
+            <a:avLst/>
+          </a:prstGeom>
+          <a:ln w="63500">
+            <a:prstDash val="sysDot"/>
+          </a:ln>
+        </p:spPr>
+        <p:style>
+          <a:lnRef idx="1">
+            <a:schemeClr val="dk1"/>
+          </a:lnRef>
+          <a:fillRef idx="0">
+            <a:schemeClr val="dk1"/>
+          </a:fillRef>
+          <a:effectRef idx="0">
+            <a:schemeClr val="dk1"/>
+          </a:effectRef>
+          <a:fontRef idx="minor">
+            <a:schemeClr val="tx1"/>
+          </a:fontRef>
+        </p:style>
+      </p:cxnSp>
+      <p:sp>
+        <p:nvSpPr>
+          <p:cNvPr id="24" name="Round Diagonal Corner Rectangle 23">
+            <a:extLst>
+              <a:ext uri="{FF2B5EF4-FFF2-40B4-BE49-F238E27FC236}">
+                <a16:creationId xmlns:a16="http://schemas.microsoft.com/office/drawing/2014/main" id="{D25D12B2-30A6-3845-B47A-44ACDFC13120}"/>
+              </a:ext>
+            </a:extLst>
+          </p:cNvPr>
+          <p:cNvSpPr/>
+          <p:nvPr/>
+        </p:nvSpPr>
+        <p:spPr>
+          <a:xfrm>
+            <a:off x="5362390" y="1994407"/>
+            <a:ext cx="1706480" cy="1020421"/>
+          </a:xfrm>
+          <a:prstGeom prst="round2DiagRect">
+            <a:avLst/>
+          </a:prstGeom>
+          <a:solidFill>
+            <a:schemeClr val="accent3">
+              <a:lumMod val="40000"/>
+              <a:lumOff val="60000"/>
+            </a:schemeClr>
+          </a:solidFill>
+        </p:spPr>
+        <p:style>
+          <a:lnRef idx="2">
+            <a:schemeClr val="accent1">
+              <a:shade val="50000"/>
+            </a:schemeClr>
+          </a:lnRef>
+          <a:fillRef idx="1">
+            <a:schemeClr val="accent1"/>
+          </a:fillRef>
+          <a:effectRef idx="0">
+            <a:schemeClr val="accent1"/>
+          </a:effectRef>
+          <a:fontRef idx="minor">
+            <a:schemeClr val="lt1"/>
+          </a:fontRef>
+        </p:style>
+        <p:txBody>
+          <a:bodyPr rtlCol="0" anchor="t"/>
+          <a:lstStyle/>
+          <a:p>
+            <a:pPr algn="ctr"/>
+            <a:r>
+              <a:rPr lang="en-US" sz="2400" b="1" dirty="0" err="1">
+                <a:solidFill>
+                  <a:schemeClr val="tx1"/>
+                </a:solidFill>
+              </a:rPr>
+              <a:t>climo.bash</a:t>
+            </a:r>
+            <a:endParaRPr lang="en-US" dirty="0">
+              <a:solidFill>
+                <a:schemeClr val="tx1"/>
+              </a:solidFill>
+            </a:endParaRPr>
+          </a:p>
+          <a:p>
+            <a:pPr marL="173038" indent="-173038">
+              <a:buFont typeface="Arial" panose="020B0604020202020204" pitchFamily="34" charset="0"/>
+              <a:buChar char="•"/>
+            </a:pPr>
+            <a:r>
+              <a:rPr lang="en-US" sz="1400" b="1" dirty="0">
+                <a:solidFill>
+                  <a:schemeClr val="tx1"/>
+                </a:solidFill>
+              </a:rPr>
+              <a:t>Template file for climatology</a:t>
+            </a:r>
+          </a:p>
+        </p:txBody>
+      </p:sp>
+      <p:cxnSp>
+        <p:nvCxnSpPr>
+          <p:cNvPr id="29" name="Straight Arrow Connector 28">
+            <a:extLst>
+              <a:ext uri="{FF2B5EF4-FFF2-40B4-BE49-F238E27FC236}">
+                <a16:creationId xmlns:a16="http://schemas.microsoft.com/office/drawing/2014/main" id="{CB356190-30A1-D644-98FA-B44D63306C80}"/>
+              </a:ext>
+            </a:extLst>
+          </p:cNvPr>
+          <p:cNvCxnSpPr>
+            <a:cxnSpLocks/>
+            <a:stCxn id="28" idx="0"/>
+          </p:cNvCxnSpPr>
+          <p:nvPr/>
+        </p:nvCxnSpPr>
+        <p:spPr>
+          <a:xfrm flipV="1">
+            <a:off x="7066174" y="4470968"/>
+            <a:ext cx="1361634" cy="391799"/>
+          </a:xfrm>
+          <a:prstGeom prst="straightConnector1">
+            <a:avLst/>
+          </a:prstGeom>
+          <a:ln w="38100">
+            <a:tailEnd type="triangle"/>
           </a:ln>
         </p:spPr>
         <p:style>
@@ -7059,33 +5182,28 @@
       </p:cxnSp>
       <p:cxnSp>
         <p:nvCxnSpPr>
-          <p:cNvPr id="95" name="Straight Arrow Connector 94">
+          <p:cNvPr id="32" name="Straight Arrow Connector 31">
             <a:extLst>
               <a:ext uri="{FF2B5EF4-FFF2-40B4-BE49-F238E27FC236}">
-                <a16:creationId xmlns:a16="http://schemas.microsoft.com/office/drawing/2014/main" id="{68C31536-BBFC-8D4E-8C25-85A2EC59F303}"/>
+                <a16:creationId xmlns:a16="http://schemas.microsoft.com/office/drawing/2014/main" id="{7805D3AE-B896-B14A-A6B8-BCE9756F8F2D}"/>
               </a:ext>
             </a:extLst>
           </p:cNvPr>
           <p:cNvCxnSpPr>
             <a:cxnSpLocks/>
-            <a:stCxn id="85" idx="3"/>
-            <a:endCxn id="4" idx="1"/>
           </p:cNvCxnSpPr>
           <p:nvPr/>
         </p:nvCxnSpPr>
         <p:spPr>
-          <a:xfrm>
-            <a:off x="4909426" y="5077082"/>
-            <a:ext cx="2507774" cy="0"/>
+          <a:xfrm flipV="1">
+            <a:off x="7051366" y="1960125"/>
+            <a:ext cx="1414150" cy="384152"/>
           </a:xfrm>
           <a:prstGeom prst="straightConnector1">
             <a:avLst/>
           </a:prstGeom>
-          <a:ln w="50800">
-            <a:solidFill>
-              <a:schemeClr val="tx1"/>
-            </a:solidFill>
-            <a:tailEnd type="stealth" w="lg" len="lg"/>
+          <a:ln w="38100">
+            <a:tailEnd type="triangle"/>
           </a:ln>
         </p:spPr>
         <p:style>
@@ -7103,10 +5221,4478 @@
           </a:fontRef>
         </p:style>
       </p:cxnSp>
+      <p:cxnSp>
+        <p:nvCxnSpPr>
+          <p:cNvPr id="38" name="Straight Arrow Connector 37">
+            <a:extLst>
+              <a:ext uri="{FF2B5EF4-FFF2-40B4-BE49-F238E27FC236}">
+                <a16:creationId xmlns:a16="http://schemas.microsoft.com/office/drawing/2014/main" id="{61E1CA9D-AFE7-D44B-B00C-73121B55BB1A}"/>
+              </a:ext>
+            </a:extLst>
+          </p:cNvPr>
+          <p:cNvCxnSpPr>
+            <a:cxnSpLocks/>
+            <a:stCxn id="28" idx="0"/>
+            <a:endCxn id="16" idx="2"/>
+          </p:cNvCxnSpPr>
+          <p:nvPr/>
+        </p:nvCxnSpPr>
+        <p:spPr>
+          <a:xfrm>
+            <a:off x="7066174" y="4862767"/>
+            <a:ext cx="1346203" cy="2865801"/>
+          </a:xfrm>
+          <a:prstGeom prst="straightConnector1">
+            <a:avLst/>
+          </a:prstGeom>
+          <a:ln w="38100">
+            <a:tailEnd type="triangle"/>
+          </a:ln>
+        </p:spPr>
+        <p:style>
+          <a:lnRef idx="1">
+            <a:schemeClr val="accent1"/>
+          </a:lnRef>
+          <a:fillRef idx="0">
+            <a:schemeClr val="accent1"/>
+          </a:fillRef>
+          <a:effectRef idx="0">
+            <a:schemeClr val="accent1"/>
+          </a:effectRef>
+          <a:fontRef idx="minor">
+            <a:schemeClr val="tx1"/>
+          </a:fontRef>
+        </p:style>
+      </p:cxnSp>
+      <p:sp>
+        <p:nvSpPr>
+          <p:cNvPr id="41" name="Round Diagonal Corner Rectangle 40">
+            <a:extLst>
+              <a:ext uri="{FF2B5EF4-FFF2-40B4-BE49-F238E27FC236}">
+                <a16:creationId xmlns:a16="http://schemas.microsoft.com/office/drawing/2014/main" id="{739A8333-367F-C94F-BBDA-7D6BA7ED79DC}"/>
+              </a:ext>
+            </a:extLst>
+          </p:cNvPr>
+          <p:cNvSpPr/>
+          <p:nvPr/>
+        </p:nvSpPr>
+        <p:spPr>
+          <a:xfrm>
+            <a:off x="8412377" y="8737556"/>
+            <a:ext cx="1706480" cy="1019888"/>
+          </a:xfrm>
+          <a:prstGeom prst="round2DiagRect">
+            <a:avLst/>
+          </a:prstGeom>
+          <a:solidFill>
+            <a:schemeClr val="accent2">
+              <a:lumMod val="40000"/>
+              <a:lumOff val="60000"/>
+            </a:schemeClr>
+          </a:solidFill>
+        </p:spPr>
+        <p:style>
+          <a:lnRef idx="2">
+            <a:schemeClr val="accent1">
+              <a:shade val="50000"/>
+            </a:schemeClr>
+          </a:lnRef>
+          <a:fillRef idx="1">
+            <a:schemeClr val="accent1"/>
+          </a:fillRef>
+          <a:effectRef idx="0">
+            <a:schemeClr val="accent1"/>
+          </a:effectRef>
+          <a:fontRef idx="minor">
+            <a:schemeClr val="lt1"/>
+          </a:fontRef>
+        </p:style>
+        <p:txBody>
+          <a:bodyPr rtlCol="0" anchor="t"/>
+          <a:lstStyle/>
+          <a:p>
+            <a:pPr algn="ctr"/>
+            <a:r>
+              <a:rPr lang="en-US" sz="2400" b="1" dirty="0" err="1">
+                <a:solidFill>
+                  <a:schemeClr val="tx1"/>
+                </a:solidFill>
+              </a:rPr>
+              <a:t>ts</a:t>
+            </a:r>
+            <a:endParaRPr lang="en-US" dirty="0">
+              <a:solidFill>
+                <a:schemeClr val="tx1"/>
+              </a:solidFill>
+            </a:endParaRPr>
+          </a:p>
+          <a:p>
+            <a:pPr marL="173038" indent="-173038">
+              <a:buFont typeface="Arial" panose="020B0604020202020204" pitchFamily="34" charset="0"/>
+              <a:buChar char="•"/>
+            </a:pPr>
+            <a:r>
+              <a:rPr lang="en-US" sz="1400" b="1" dirty="0">
+                <a:solidFill>
+                  <a:schemeClr val="tx1"/>
+                </a:solidFill>
+              </a:rPr>
+              <a:t>land, native</a:t>
+            </a:r>
+          </a:p>
+          <a:p>
+            <a:pPr marL="173038" indent="-173038">
+              <a:buFont typeface="Arial" panose="020B0604020202020204" pitchFamily="34" charset="0"/>
+              <a:buChar char="•"/>
+            </a:pPr>
+            <a:r>
+              <a:rPr lang="en-US" sz="1400" b="1" dirty="0">
+                <a:solidFill>
+                  <a:schemeClr val="tx1"/>
+                </a:solidFill>
+              </a:rPr>
+              <a:t>Years 1-10</a:t>
+            </a:r>
+          </a:p>
+        </p:txBody>
+      </p:sp>
+      <p:sp>
+        <p:nvSpPr>
+          <p:cNvPr id="43" name="Round Diagonal Corner Rectangle 42">
+            <a:extLst>
+              <a:ext uri="{FF2B5EF4-FFF2-40B4-BE49-F238E27FC236}">
+                <a16:creationId xmlns:a16="http://schemas.microsoft.com/office/drawing/2014/main" id="{21025F40-9FBD-E94C-9585-5D1F7F8ED3AF}"/>
+              </a:ext>
+            </a:extLst>
+          </p:cNvPr>
+          <p:cNvSpPr/>
+          <p:nvPr/>
+        </p:nvSpPr>
+        <p:spPr>
+          <a:xfrm>
+            <a:off x="11193790" y="8716523"/>
+            <a:ext cx="1706480" cy="1019888"/>
+          </a:xfrm>
+          <a:prstGeom prst="round2DiagRect">
+            <a:avLst/>
+          </a:prstGeom>
+          <a:solidFill>
+            <a:schemeClr val="accent2">
+              <a:lumMod val="40000"/>
+              <a:lumOff val="60000"/>
+            </a:schemeClr>
+          </a:solidFill>
+        </p:spPr>
+        <p:style>
+          <a:lnRef idx="2">
+            <a:schemeClr val="accent1">
+              <a:shade val="50000"/>
+            </a:schemeClr>
+          </a:lnRef>
+          <a:fillRef idx="1">
+            <a:schemeClr val="accent1"/>
+          </a:fillRef>
+          <a:effectRef idx="0">
+            <a:schemeClr val="accent1"/>
+          </a:effectRef>
+          <a:fontRef idx="minor">
+            <a:schemeClr val="lt1"/>
+          </a:fontRef>
+        </p:style>
+        <p:txBody>
+          <a:bodyPr rtlCol="0" anchor="t"/>
+          <a:lstStyle/>
+          <a:p>
+            <a:pPr algn="ctr"/>
+            <a:r>
+              <a:rPr lang="en-US" sz="2400" b="1" dirty="0" err="1">
+                <a:solidFill>
+                  <a:schemeClr val="tx1"/>
+                </a:solidFill>
+              </a:rPr>
+              <a:t>ts</a:t>
+            </a:r>
+            <a:endParaRPr lang="en-US" dirty="0">
+              <a:solidFill>
+                <a:schemeClr val="tx1"/>
+              </a:solidFill>
+            </a:endParaRPr>
+          </a:p>
+          <a:p>
+            <a:pPr marL="173038" indent="-173038">
+              <a:buFont typeface="Arial" panose="020B0604020202020204" pitchFamily="34" charset="0"/>
+              <a:buChar char="•"/>
+            </a:pPr>
+            <a:r>
+              <a:rPr lang="en-US" sz="1400" b="1" dirty="0">
+                <a:solidFill>
+                  <a:schemeClr val="tx1"/>
+                </a:solidFill>
+              </a:rPr>
+              <a:t>land, native</a:t>
+            </a:r>
+          </a:p>
+          <a:p>
+            <a:pPr marL="173038" indent="-173038">
+              <a:buFont typeface="Arial" panose="020B0604020202020204" pitchFamily="34" charset="0"/>
+              <a:buChar char="•"/>
+            </a:pPr>
+            <a:r>
+              <a:rPr lang="en-US" sz="1400" b="1" dirty="0">
+                <a:solidFill>
+                  <a:schemeClr val="tx1"/>
+                </a:solidFill>
+              </a:rPr>
+              <a:t>Years 191-200</a:t>
+            </a:r>
+          </a:p>
+        </p:txBody>
+      </p:sp>
+      <p:cxnSp>
+        <p:nvCxnSpPr>
+          <p:cNvPr id="44" name="Straight Connector 43">
+            <a:extLst>
+              <a:ext uri="{FF2B5EF4-FFF2-40B4-BE49-F238E27FC236}">
+                <a16:creationId xmlns:a16="http://schemas.microsoft.com/office/drawing/2014/main" id="{CB4BF713-2E18-B941-A5D2-4F751AD1E841}"/>
+              </a:ext>
+            </a:extLst>
+          </p:cNvPr>
+          <p:cNvCxnSpPr>
+            <a:cxnSpLocks/>
+          </p:cNvCxnSpPr>
+          <p:nvPr/>
+        </p:nvCxnSpPr>
+        <p:spPr>
+          <a:xfrm>
+            <a:off x="10315424" y="9210025"/>
+            <a:ext cx="734786" cy="0"/>
+          </a:xfrm>
+          <a:prstGeom prst="line">
+            <a:avLst/>
+          </a:prstGeom>
+          <a:ln w="63500">
+            <a:prstDash val="sysDot"/>
+          </a:ln>
+        </p:spPr>
+        <p:style>
+          <a:lnRef idx="1">
+            <a:schemeClr val="dk1"/>
+          </a:lnRef>
+          <a:fillRef idx="0">
+            <a:schemeClr val="dk1"/>
+          </a:fillRef>
+          <a:effectRef idx="0">
+            <a:schemeClr val="dk1"/>
+          </a:effectRef>
+          <a:fontRef idx="minor">
+            <a:schemeClr val="tx1"/>
+          </a:fontRef>
+        </p:style>
+      </p:cxnSp>
+      <p:cxnSp>
+        <p:nvCxnSpPr>
+          <p:cNvPr id="45" name="Straight Arrow Connector 44">
+            <a:extLst>
+              <a:ext uri="{FF2B5EF4-FFF2-40B4-BE49-F238E27FC236}">
+                <a16:creationId xmlns:a16="http://schemas.microsoft.com/office/drawing/2014/main" id="{346F09DA-02F2-044D-8E63-D687C4E4717E}"/>
+              </a:ext>
+            </a:extLst>
+          </p:cNvPr>
+          <p:cNvCxnSpPr>
+            <a:cxnSpLocks/>
+            <a:stCxn id="28" idx="0"/>
+          </p:cNvCxnSpPr>
+          <p:nvPr/>
+        </p:nvCxnSpPr>
+        <p:spPr>
+          <a:xfrm>
+            <a:off x="7066174" y="4862767"/>
+            <a:ext cx="1323926" cy="4209509"/>
+          </a:xfrm>
+          <a:prstGeom prst="straightConnector1">
+            <a:avLst/>
+          </a:prstGeom>
+          <a:ln w="38100">
+            <a:tailEnd type="triangle"/>
+          </a:ln>
+        </p:spPr>
+        <p:style>
+          <a:lnRef idx="1">
+            <a:schemeClr val="accent1"/>
+          </a:lnRef>
+          <a:fillRef idx="0">
+            <a:schemeClr val="accent1"/>
+          </a:fillRef>
+          <a:effectRef idx="0">
+            <a:schemeClr val="accent1"/>
+          </a:effectRef>
+          <a:fontRef idx="minor">
+            <a:schemeClr val="tx1"/>
+          </a:fontRef>
+        </p:style>
+      </p:cxnSp>
+      <p:cxnSp>
+        <p:nvCxnSpPr>
+          <p:cNvPr id="49" name="Straight Arrow Connector 48">
+            <a:extLst>
+              <a:ext uri="{FF2B5EF4-FFF2-40B4-BE49-F238E27FC236}">
+                <a16:creationId xmlns:a16="http://schemas.microsoft.com/office/drawing/2014/main" id="{9DCD0F76-85DD-564A-8E18-C5B477A43D6D}"/>
+              </a:ext>
+            </a:extLst>
+          </p:cNvPr>
+          <p:cNvCxnSpPr>
+            <a:cxnSpLocks/>
+            <a:endCxn id="41" idx="2"/>
+          </p:cNvCxnSpPr>
+          <p:nvPr/>
+        </p:nvCxnSpPr>
+        <p:spPr>
+          <a:xfrm flipV="1">
+            <a:off x="1988226" y="9247500"/>
+            <a:ext cx="6424151" cy="180357"/>
+          </a:xfrm>
+          <a:prstGeom prst="straightConnector1">
+            <a:avLst/>
+          </a:prstGeom>
+          <a:ln w="38100">
+            <a:tailEnd type="triangle"/>
+          </a:ln>
+        </p:spPr>
+        <p:style>
+          <a:lnRef idx="1">
+            <a:schemeClr val="accent1"/>
+          </a:lnRef>
+          <a:fillRef idx="0">
+            <a:schemeClr val="accent1"/>
+          </a:fillRef>
+          <a:effectRef idx="0">
+            <a:schemeClr val="accent1"/>
+          </a:effectRef>
+          <a:fontRef idx="minor">
+            <a:schemeClr val="tx1"/>
+          </a:fontRef>
+        </p:style>
+      </p:cxnSp>
+      <p:sp>
+        <p:nvSpPr>
+          <p:cNvPr id="52" name="Round Diagonal Corner Rectangle 51">
+            <a:extLst>
+              <a:ext uri="{FF2B5EF4-FFF2-40B4-BE49-F238E27FC236}">
+                <a16:creationId xmlns:a16="http://schemas.microsoft.com/office/drawing/2014/main" id="{B60D6D94-C1F4-364B-A68B-F628E572696D}"/>
+              </a:ext>
+            </a:extLst>
+          </p:cNvPr>
+          <p:cNvSpPr/>
+          <p:nvPr/>
+        </p:nvSpPr>
+        <p:spPr>
+          <a:xfrm>
+            <a:off x="8322982" y="10020884"/>
+            <a:ext cx="1826737" cy="771656"/>
+          </a:xfrm>
+          <a:prstGeom prst="round2DiagRect">
+            <a:avLst/>
+          </a:prstGeom>
+          <a:solidFill>
+            <a:schemeClr val="accent4">
+              <a:lumMod val="40000"/>
+              <a:lumOff val="60000"/>
+            </a:schemeClr>
+          </a:solidFill>
+        </p:spPr>
+        <p:style>
+          <a:lnRef idx="2">
+            <a:schemeClr val="accent1">
+              <a:shade val="50000"/>
+            </a:schemeClr>
+          </a:lnRef>
+          <a:fillRef idx="1">
+            <a:schemeClr val="accent1"/>
+          </a:fillRef>
+          <a:effectRef idx="0">
+            <a:schemeClr val="accent1"/>
+          </a:effectRef>
+          <a:fontRef idx="minor">
+            <a:schemeClr val="lt1"/>
+          </a:fontRef>
+        </p:style>
+        <p:txBody>
+          <a:bodyPr rtlCol="0" anchor="t"/>
+          <a:lstStyle/>
+          <a:p>
+            <a:pPr algn="ctr"/>
+            <a:r>
+              <a:rPr lang="en-US" sz="2400" b="1" dirty="0">
+                <a:solidFill>
+                  <a:schemeClr val="tx1"/>
+                </a:solidFill>
+              </a:rPr>
+              <a:t>e3sm_diags</a:t>
+            </a:r>
+          </a:p>
+          <a:p>
+            <a:pPr marL="130175" indent="-130175">
+              <a:buFont typeface="Arial" panose="020B0604020202020204" pitchFamily="34" charset="0"/>
+              <a:buChar char="•"/>
+            </a:pPr>
+            <a:r>
+              <a:rPr lang="en-US" sz="1400" b="1" dirty="0">
+                <a:solidFill>
+                  <a:schemeClr val="tx1"/>
+                </a:solidFill>
+              </a:rPr>
+              <a:t>Years 1-20</a:t>
+            </a:r>
+          </a:p>
+          <a:p>
+            <a:pPr algn="ctr"/>
+            <a:endParaRPr lang="en-US" dirty="0">
+              <a:solidFill>
+                <a:schemeClr val="tx1"/>
+              </a:solidFill>
+            </a:endParaRPr>
+          </a:p>
+        </p:txBody>
+      </p:sp>
+      <p:sp>
+        <p:nvSpPr>
+          <p:cNvPr id="53" name="Round Diagonal Corner Rectangle 52">
+            <a:extLst>
+              <a:ext uri="{FF2B5EF4-FFF2-40B4-BE49-F238E27FC236}">
+                <a16:creationId xmlns:a16="http://schemas.microsoft.com/office/drawing/2014/main" id="{DA30D41D-FE73-7F49-BF4A-7CC05436ECCA}"/>
+              </a:ext>
+            </a:extLst>
+          </p:cNvPr>
+          <p:cNvSpPr/>
+          <p:nvPr/>
+        </p:nvSpPr>
+        <p:spPr>
+          <a:xfrm>
+            <a:off x="11136387" y="9997287"/>
+            <a:ext cx="1826737" cy="771656"/>
+          </a:xfrm>
+          <a:prstGeom prst="round2DiagRect">
+            <a:avLst/>
+          </a:prstGeom>
+          <a:solidFill>
+            <a:schemeClr val="accent4">
+              <a:lumMod val="40000"/>
+              <a:lumOff val="60000"/>
+            </a:schemeClr>
+          </a:solidFill>
+        </p:spPr>
+        <p:style>
+          <a:lnRef idx="2">
+            <a:schemeClr val="accent1">
+              <a:shade val="50000"/>
+            </a:schemeClr>
+          </a:lnRef>
+          <a:fillRef idx="1">
+            <a:schemeClr val="accent1"/>
+          </a:fillRef>
+          <a:effectRef idx="0">
+            <a:schemeClr val="accent1"/>
+          </a:effectRef>
+          <a:fontRef idx="minor">
+            <a:schemeClr val="lt1"/>
+          </a:fontRef>
+        </p:style>
+        <p:txBody>
+          <a:bodyPr rtlCol="0" anchor="t"/>
+          <a:lstStyle/>
+          <a:p>
+            <a:pPr algn="ctr"/>
+            <a:r>
+              <a:rPr lang="en-US" sz="2400" b="1" dirty="0">
+                <a:solidFill>
+                  <a:schemeClr val="tx1"/>
+                </a:solidFill>
+              </a:rPr>
+              <a:t>e3sm_diags</a:t>
+            </a:r>
+          </a:p>
+          <a:p>
+            <a:pPr marL="130175" indent="-130175">
+              <a:buFont typeface="Arial" panose="020B0604020202020204" pitchFamily="34" charset="0"/>
+              <a:buChar char="•"/>
+            </a:pPr>
+            <a:r>
+              <a:rPr lang="en-US" sz="1400" b="1" dirty="0">
+                <a:solidFill>
+                  <a:schemeClr val="tx1"/>
+                </a:solidFill>
+              </a:rPr>
+              <a:t>Years 81-100</a:t>
+            </a:r>
+          </a:p>
+          <a:p>
+            <a:pPr algn="ctr"/>
+            <a:endParaRPr lang="en-US" dirty="0">
+              <a:solidFill>
+                <a:schemeClr val="tx1"/>
+              </a:solidFill>
+            </a:endParaRPr>
+          </a:p>
+        </p:txBody>
+      </p:sp>
+      <p:cxnSp>
+        <p:nvCxnSpPr>
+          <p:cNvPr id="54" name="Straight Arrow Connector 53">
+            <a:extLst>
+              <a:ext uri="{FF2B5EF4-FFF2-40B4-BE49-F238E27FC236}">
+                <a16:creationId xmlns:a16="http://schemas.microsoft.com/office/drawing/2014/main" id="{EBF1C9B7-5DEF-DB4C-B10C-94547E9D9E55}"/>
+              </a:ext>
+            </a:extLst>
+          </p:cNvPr>
+          <p:cNvCxnSpPr>
+            <a:cxnSpLocks/>
+            <a:endCxn id="52" idx="2"/>
+          </p:cNvCxnSpPr>
+          <p:nvPr/>
+        </p:nvCxnSpPr>
+        <p:spPr>
+          <a:xfrm flipV="1">
+            <a:off x="2974965" y="10406712"/>
+            <a:ext cx="5348017" cy="385828"/>
+          </a:xfrm>
+          <a:prstGeom prst="straightConnector1">
+            <a:avLst/>
+          </a:prstGeom>
+          <a:ln w="38100">
+            <a:tailEnd type="triangle"/>
+          </a:ln>
+        </p:spPr>
+        <p:style>
+          <a:lnRef idx="1">
+            <a:schemeClr val="accent1"/>
+          </a:lnRef>
+          <a:fillRef idx="0">
+            <a:schemeClr val="accent1"/>
+          </a:fillRef>
+          <a:effectRef idx="0">
+            <a:schemeClr val="accent1"/>
+          </a:effectRef>
+          <a:fontRef idx="minor">
+            <a:schemeClr val="tx1"/>
+          </a:fontRef>
+        </p:style>
+      </p:cxnSp>
+      <p:cxnSp>
+        <p:nvCxnSpPr>
+          <p:cNvPr id="55" name="Straight Connector 54">
+            <a:extLst>
+              <a:ext uri="{FF2B5EF4-FFF2-40B4-BE49-F238E27FC236}">
+                <a16:creationId xmlns:a16="http://schemas.microsoft.com/office/drawing/2014/main" id="{F4513801-528C-B140-97B4-160F3313BB6E}"/>
+              </a:ext>
+            </a:extLst>
+          </p:cNvPr>
+          <p:cNvCxnSpPr>
+            <a:cxnSpLocks/>
+          </p:cNvCxnSpPr>
+          <p:nvPr/>
+        </p:nvCxnSpPr>
+        <p:spPr>
+          <a:xfrm>
+            <a:off x="10253822" y="10363674"/>
+            <a:ext cx="734786" cy="0"/>
+          </a:xfrm>
+          <a:prstGeom prst="line">
+            <a:avLst/>
+          </a:prstGeom>
+          <a:ln w="63500">
+            <a:prstDash val="sysDot"/>
+          </a:ln>
+        </p:spPr>
+        <p:style>
+          <a:lnRef idx="1">
+            <a:schemeClr val="dk1"/>
+          </a:lnRef>
+          <a:fillRef idx="0">
+            <a:schemeClr val="dk1"/>
+          </a:fillRef>
+          <a:effectRef idx="0">
+            <a:schemeClr val="dk1"/>
+          </a:effectRef>
+          <a:fontRef idx="minor">
+            <a:schemeClr val="tx1"/>
+          </a:fontRef>
+        </p:style>
+      </p:cxnSp>
+      <p:sp>
+        <p:nvSpPr>
+          <p:cNvPr id="56" name="Round Diagonal Corner Rectangle 55">
+            <a:extLst>
+              <a:ext uri="{FF2B5EF4-FFF2-40B4-BE49-F238E27FC236}">
+                <a16:creationId xmlns:a16="http://schemas.microsoft.com/office/drawing/2014/main" id="{E5DF934C-6DD3-E948-88D3-769AACB024F3}"/>
+              </a:ext>
+            </a:extLst>
+          </p:cNvPr>
+          <p:cNvSpPr/>
+          <p:nvPr/>
+        </p:nvSpPr>
+        <p:spPr>
+          <a:xfrm>
+            <a:off x="8339808" y="11159313"/>
+            <a:ext cx="2395848" cy="952971"/>
+          </a:xfrm>
+          <a:prstGeom prst="round2DiagRect">
+            <a:avLst/>
+          </a:prstGeom>
+          <a:solidFill>
+            <a:schemeClr val="accent5">
+              <a:lumMod val="40000"/>
+              <a:lumOff val="60000"/>
+            </a:schemeClr>
+          </a:solidFill>
+        </p:spPr>
+        <p:style>
+          <a:lnRef idx="2">
+            <a:schemeClr val="accent1">
+              <a:shade val="50000"/>
+            </a:schemeClr>
+          </a:lnRef>
+          <a:fillRef idx="1">
+            <a:schemeClr val="accent1"/>
+          </a:fillRef>
+          <a:effectRef idx="0">
+            <a:schemeClr val="accent1"/>
+          </a:effectRef>
+          <a:fontRef idx="minor">
+            <a:schemeClr val="lt1"/>
+          </a:fontRef>
+        </p:style>
+        <p:txBody>
+          <a:bodyPr rtlCol="0" anchor="t"/>
+          <a:lstStyle/>
+          <a:p>
+            <a:pPr algn="ctr"/>
+            <a:r>
+              <a:rPr lang="en-US" sz="2000" b="1" dirty="0" err="1">
+                <a:solidFill>
+                  <a:schemeClr val="tx1"/>
+                </a:solidFill>
+              </a:rPr>
+              <a:t>mpas_analysis</a:t>
+            </a:r>
+            <a:endParaRPr lang="en-US" sz="2000" b="1" dirty="0">
+              <a:solidFill>
+                <a:schemeClr val="tx1"/>
+              </a:solidFill>
+            </a:endParaRPr>
+          </a:p>
+          <a:p>
+            <a:pPr marL="130175" indent="-130175">
+              <a:buFont typeface="Arial" panose="020B0604020202020204" pitchFamily="34" charset="0"/>
+              <a:buChar char="•"/>
+            </a:pPr>
+            <a:r>
+              <a:rPr lang="en-US" sz="1400" b="1" dirty="0">
+                <a:solidFill>
+                  <a:schemeClr val="tx1"/>
+                </a:solidFill>
+              </a:rPr>
+              <a:t>Time series years: 1-50</a:t>
+            </a:r>
+          </a:p>
+          <a:p>
+            <a:pPr marL="130175" indent="-130175">
+              <a:buFont typeface="Arial" panose="020B0604020202020204" pitchFamily="34" charset="0"/>
+              <a:buChar char="•"/>
+            </a:pPr>
+            <a:r>
+              <a:rPr lang="en-US" sz="1400" b="1" dirty="0">
+                <a:solidFill>
+                  <a:schemeClr val="tx1"/>
+                </a:solidFill>
+              </a:rPr>
+              <a:t>Climatology years: 21-50</a:t>
+            </a:r>
+          </a:p>
+          <a:p>
+            <a:pPr algn="ctr"/>
+            <a:endParaRPr lang="en-US" dirty="0">
+              <a:solidFill>
+                <a:schemeClr val="tx1"/>
+              </a:solidFill>
+            </a:endParaRPr>
+          </a:p>
+        </p:txBody>
+      </p:sp>
+      <p:cxnSp>
+        <p:nvCxnSpPr>
+          <p:cNvPr id="57" name="Straight Arrow Connector 56">
+            <a:extLst>
+              <a:ext uri="{FF2B5EF4-FFF2-40B4-BE49-F238E27FC236}">
+                <a16:creationId xmlns:a16="http://schemas.microsoft.com/office/drawing/2014/main" id="{1D8DA72E-69D6-A345-805D-BC6F3A5226D5}"/>
+              </a:ext>
+            </a:extLst>
+          </p:cNvPr>
+          <p:cNvCxnSpPr>
+            <a:cxnSpLocks/>
+            <a:endCxn id="56" idx="2"/>
+          </p:cNvCxnSpPr>
+          <p:nvPr/>
+        </p:nvCxnSpPr>
+        <p:spPr>
+          <a:xfrm>
+            <a:off x="1692586" y="11443195"/>
+            <a:ext cx="6647222" cy="192604"/>
+          </a:xfrm>
+          <a:prstGeom prst="straightConnector1">
+            <a:avLst/>
+          </a:prstGeom>
+          <a:ln w="38100">
+            <a:tailEnd type="triangle"/>
+          </a:ln>
+        </p:spPr>
+        <p:style>
+          <a:lnRef idx="1">
+            <a:schemeClr val="accent1"/>
+          </a:lnRef>
+          <a:fillRef idx="0">
+            <a:schemeClr val="accent1"/>
+          </a:fillRef>
+          <a:effectRef idx="0">
+            <a:schemeClr val="accent1"/>
+          </a:effectRef>
+          <a:fontRef idx="minor">
+            <a:schemeClr val="tx1"/>
+          </a:fontRef>
+        </p:style>
+      </p:cxnSp>
+      <p:sp>
+        <p:nvSpPr>
+          <p:cNvPr id="60" name="Round Diagonal Corner Rectangle 59">
+            <a:extLst>
+              <a:ext uri="{FF2B5EF4-FFF2-40B4-BE49-F238E27FC236}">
+                <a16:creationId xmlns:a16="http://schemas.microsoft.com/office/drawing/2014/main" id="{98618C07-95DE-D047-85DA-B7C9656B4553}"/>
+              </a:ext>
+            </a:extLst>
+          </p:cNvPr>
+          <p:cNvSpPr/>
+          <p:nvPr/>
+        </p:nvSpPr>
+        <p:spPr>
+          <a:xfrm>
+            <a:off x="10962766" y="11159313"/>
+            <a:ext cx="2386133" cy="950351"/>
+          </a:xfrm>
+          <a:prstGeom prst="round2DiagRect">
+            <a:avLst/>
+          </a:prstGeom>
+          <a:solidFill>
+            <a:schemeClr val="accent5">
+              <a:lumMod val="40000"/>
+              <a:lumOff val="60000"/>
+            </a:schemeClr>
+          </a:solidFill>
+        </p:spPr>
+        <p:style>
+          <a:lnRef idx="2">
+            <a:schemeClr val="accent1">
+              <a:shade val="50000"/>
+            </a:schemeClr>
+          </a:lnRef>
+          <a:fillRef idx="1">
+            <a:schemeClr val="accent1"/>
+          </a:fillRef>
+          <a:effectRef idx="0">
+            <a:schemeClr val="accent1"/>
+          </a:effectRef>
+          <a:fontRef idx="minor">
+            <a:schemeClr val="lt1"/>
+          </a:fontRef>
+        </p:style>
+        <p:txBody>
+          <a:bodyPr rtlCol="0" anchor="t"/>
+          <a:lstStyle/>
+          <a:p>
+            <a:pPr algn="ctr"/>
+            <a:r>
+              <a:rPr lang="en-US" sz="2000" b="1" dirty="0" err="1">
+                <a:solidFill>
+                  <a:schemeClr val="tx1"/>
+                </a:solidFill>
+              </a:rPr>
+              <a:t>mpas_analysis</a:t>
+            </a:r>
+            <a:endParaRPr lang="en-US" sz="2000" b="1" dirty="0">
+              <a:solidFill>
+                <a:schemeClr val="tx1"/>
+              </a:solidFill>
+            </a:endParaRPr>
+          </a:p>
+          <a:p>
+            <a:pPr marL="130175" indent="-130175">
+              <a:buFont typeface="Arial" panose="020B0604020202020204" pitchFamily="34" charset="0"/>
+              <a:buChar char="•"/>
+            </a:pPr>
+            <a:r>
+              <a:rPr lang="en-US" sz="1400" b="1" dirty="0">
+                <a:solidFill>
+                  <a:schemeClr val="tx1"/>
+                </a:solidFill>
+              </a:rPr>
+              <a:t>Time series years: 51-100</a:t>
+            </a:r>
+          </a:p>
+          <a:p>
+            <a:pPr marL="130175" indent="-130175">
+              <a:buFont typeface="Arial" panose="020B0604020202020204" pitchFamily="34" charset="0"/>
+              <a:buChar char="•"/>
+            </a:pPr>
+            <a:r>
+              <a:rPr lang="en-US" sz="1400" b="1" dirty="0">
+                <a:solidFill>
+                  <a:schemeClr val="tx1"/>
+                </a:solidFill>
+              </a:rPr>
+              <a:t>Climatology years: 51-100</a:t>
+            </a:r>
+          </a:p>
+          <a:p>
+            <a:pPr algn="ctr"/>
+            <a:endParaRPr lang="en-US" dirty="0">
+              <a:solidFill>
+                <a:schemeClr val="tx1"/>
+              </a:solidFill>
+            </a:endParaRPr>
+          </a:p>
+        </p:txBody>
+      </p:sp>
+      <p:sp>
+        <p:nvSpPr>
+          <p:cNvPr id="62" name="Round Diagonal Corner Rectangle 61">
+            <a:extLst>
+              <a:ext uri="{FF2B5EF4-FFF2-40B4-BE49-F238E27FC236}">
+                <a16:creationId xmlns:a16="http://schemas.microsoft.com/office/drawing/2014/main" id="{6342BFFD-51A3-2A4B-BFD3-41D72E039AAB}"/>
+              </a:ext>
+            </a:extLst>
+          </p:cNvPr>
+          <p:cNvSpPr/>
+          <p:nvPr/>
+        </p:nvSpPr>
+        <p:spPr>
+          <a:xfrm>
+            <a:off x="8339808" y="12546494"/>
+            <a:ext cx="2395848" cy="868407"/>
+          </a:xfrm>
+          <a:prstGeom prst="round2DiagRect">
+            <a:avLst/>
+          </a:prstGeom>
+          <a:solidFill>
+            <a:schemeClr val="accent6">
+              <a:lumMod val="40000"/>
+              <a:lumOff val="60000"/>
+            </a:schemeClr>
+          </a:solidFill>
+        </p:spPr>
+        <p:style>
+          <a:lnRef idx="2">
+            <a:schemeClr val="accent1">
+              <a:shade val="50000"/>
+            </a:schemeClr>
+          </a:lnRef>
+          <a:fillRef idx="1">
+            <a:schemeClr val="accent1"/>
+          </a:fillRef>
+          <a:effectRef idx="0">
+            <a:schemeClr val="accent1"/>
+          </a:effectRef>
+          <a:fontRef idx="minor">
+            <a:schemeClr val="lt1"/>
+          </a:fontRef>
+        </p:style>
+        <p:txBody>
+          <a:bodyPr rtlCol="0" anchor="t"/>
+          <a:lstStyle/>
+          <a:p>
+            <a:pPr algn="ctr"/>
+            <a:r>
+              <a:rPr lang="en-US" sz="2000" b="1" dirty="0" err="1">
+                <a:solidFill>
+                  <a:schemeClr val="tx1"/>
+                </a:solidFill>
+              </a:rPr>
+              <a:t>global_time_series</a:t>
+            </a:r>
+            <a:endParaRPr lang="en-US" sz="2000" b="1" dirty="0">
+              <a:solidFill>
+                <a:schemeClr val="tx1"/>
+              </a:solidFill>
+            </a:endParaRPr>
+          </a:p>
+          <a:p>
+            <a:pPr marL="130175" indent="-130175">
+              <a:buFont typeface="Arial" panose="020B0604020202020204" pitchFamily="34" charset="0"/>
+              <a:buChar char="•"/>
+            </a:pPr>
+            <a:r>
+              <a:rPr lang="en-US" sz="1400" b="1" dirty="0">
+                <a:solidFill>
+                  <a:schemeClr val="tx1"/>
+                </a:solidFill>
+              </a:rPr>
+              <a:t>Time series years: 1-50</a:t>
+            </a:r>
+          </a:p>
+          <a:p>
+            <a:pPr marL="130175" indent="-130175">
+              <a:buFont typeface="Arial" panose="020B0604020202020204" pitchFamily="34" charset="0"/>
+              <a:buChar char="•"/>
+            </a:pPr>
+            <a:r>
+              <a:rPr lang="en-US" sz="1400" b="1" dirty="0">
+                <a:solidFill>
+                  <a:schemeClr val="tx1"/>
+                </a:solidFill>
+              </a:rPr>
+              <a:t>Climatology years: 21-50</a:t>
+            </a:r>
+          </a:p>
+          <a:p>
+            <a:pPr algn="ctr"/>
+            <a:endParaRPr lang="en-US" dirty="0">
+              <a:solidFill>
+                <a:schemeClr val="tx1"/>
+              </a:solidFill>
+            </a:endParaRPr>
+          </a:p>
+        </p:txBody>
+      </p:sp>
+      <p:sp>
+        <p:nvSpPr>
+          <p:cNvPr id="63" name="Round Diagonal Corner Rectangle 62">
+            <a:extLst>
+              <a:ext uri="{FF2B5EF4-FFF2-40B4-BE49-F238E27FC236}">
+                <a16:creationId xmlns:a16="http://schemas.microsoft.com/office/drawing/2014/main" id="{DE886B8E-CAF8-EA4B-BCF0-81B88F0204BB}"/>
+              </a:ext>
+            </a:extLst>
+          </p:cNvPr>
+          <p:cNvSpPr/>
+          <p:nvPr/>
+        </p:nvSpPr>
+        <p:spPr>
+          <a:xfrm>
+            <a:off x="10953051" y="12546495"/>
+            <a:ext cx="2395848" cy="868406"/>
+          </a:xfrm>
+          <a:prstGeom prst="round2DiagRect">
+            <a:avLst/>
+          </a:prstGeom>
+          <a:solidFill>
+            <a:schemeClr val="accent6">
+              <a:lumMod val="40000"/>
+              <a:lumOff val="60000"/>
+            </a:schemeClr>
+          </a:solidFill>
+        </p:spPr>
+        <p:style>
+          <a:lnRef idx="2">
+            <a:schemeClr val="accent1">
+              <a:shade val="50000"/>
+            </a:schemeClr>
+          </a:lnRef>
+          <a:fillRef idx="1">
+            <a:schemeClr val="accent1"/>
+          </a:fillRef>
+          <a:effectRef idx="0">
+            <a:schemeClr val="accent1"/>
+          </a:effectRef>
+          <a:fontRef idx="minor">
+            <a:schemeClr val="lt1"/>
+          </a:fontRef>
+        </p:style>
+        <p:txBody>
+          <a:bodyPr rtlCol="0" anchor="t"/>
+          <a:lstStyle/>
+          <a:p>
+            <a:pPr algn="ctr"/>
+            <a:r>
+              <a:rPr lang="en-US" sz="2000" b="1" dirty="0" err="1">
+                <a:solidFill>
+                  <a:schemeClr val="tx1"/>
+                </a:solidFill>
+              </a:rPr>
+              <a:t>global_time_series</a:t>
+            </a:r>
+            <a:endParaRPr lang="en-US" sz="2000" b="1" dirty="0">
+              <a:solidFill>
+                <a:schemeClr val="tx1"/>
+              </a:solidFill>
+            </a:endParaRPr>
+          </a:p>
+          <a:p>
+            <a:pPr marL="130175" indent="-130175">
+              <a:buFont typeface="Arial" panose="020B0604020202020204" pitchFamily="34" charset="0"/>
+              <a:buChar char="•"/>
+            </a:pPr>
+            <a:r>
+              <a:rPr lang="en-US" sz="1400" b="1" dirty="0">
+                <a:solidFill>
+                  <a:schemeClr val="tx1"/>
+                </a:solidFill>
+              </a:rPr>
+              <a:t>Time series years: 51-100</a:t>
+            </a:r>
+          </a:p>
+          <a:p>
+            <a:pPr marL="130175" indent="-130175">
+              <a:buFont typeface="Arial" panose="020B0604020202020204" pitchFamily="34" charset="0"/>
+              <a:buChar char="•"/>
+            </a:pPr>
+            <a:r>
+              <a:rPr lang="en-US" sz="1400" b="1" dirty="0">
+                <a:solidFill>
+                  <a:schemeClr val="tx1"/>
+                </a:solidFill>
+              </a:rPr>
+              <a:t>Climatology years: 51-100</a:t>
+            </a:r>
+          </a:p>
+          <a:p>
+            <a:pPr algn="ctr"/>
+            <a:endParaRPr lang="en-US" dirty="0">
+              <a:solidFill>
+                <a:schemeClr val="tx1"/>
+              </a:solidFill>
+            </a:endParaRPr>
+          </a:p>
+        </p:txBody>
+      </p:sp>
+      <p:cxnSp>
+        <p:nvCxnSpPr>
+          <p:cNvPr id="64" name="Straight Arrow Connector 63">
+            <a:extLst>
+              <a:ext uri="{FF2B5EF4-FFF2-40B4-BE49-F238E27FC236}">
+                <a16:creationId xmlns:a16="http://schemas.microsoft.com/office/drawing/2014/main" id="{A3135DE2-35E7-054D-BEB9-F805242B5C91}"/>
+              </a:ext>
+            </a:extLst>
+          </p:cNvPr>
+          <p:cNvCxnSpPr>
+            <a:cxnSpLocks/>
+            <a:endCxn id="62" idx="2"/>
+          </p:cNvCxnSpPr>
+          <p:nvPr/>
+        </p:nvCxnSpPr>
+        <p:spPr>
+          <a:xfrm>
+            <a:off x="2079666" y="12569416"/>
+            <a:ext cx="6260142" cy="411282"/>
+          </a:xfrm>
+          <a:prstGeom prst="straightConnector1">
+            <a:avLst/>
+          </a:prstGeom>
+          <a:ln w="38100">
+            <a:tailEnd type="triangle"/>
+          </a:ln>
+        </p:spPr>
+        <p:style>
+          <a:lnRef idx="1">
+            <a:schemeClr val="accent1"/>
+          </a:lnRef>
+          <a:fillRef idx="0">
+            <a:schemeClr val="accent1"/>
+          </a:fillRef>
+          <a:effectRef idx="0">
+            <a:schemeClr val="accent1"/>
+          </a:effectRef>
+          <a:fontRef idx="minor">
+            <a:schemeClr val="tx1"/>
+          </a:fontRef>
+        </p:style>
+      </p:cxnSp>
+      <p:sp>
+        <p:nvSpPr>
+          <p:cNvPr id="75" name="Round Diagonal Corner Rectangle 74">
+            <a:extLst>
+              <a:ext uri="{FF2B5EF4-FFF2-40B4-BE49-F238E27FC236}">
+                <a16:creationId xmlns:a16="http://schemas.microsoft.com/office/drawing/2014/main" id="{692E1F7D-0CAD-1840-AB5E-31630CEBA3F4}"/>
+              </a:ext>
+            </a:extLst>
+          </p:cNvPr>
+          <p:cNvSpPr/>
+          <p:nvPr/>
+        </p:nvSpPr>
+        <p:spPr>
+          <a:xfrm>
+            <a:off x="8465516" y="5663725"/>
+            <a:ext cx="1706480" cy="1215600"/>
+          </a:xfrm>
+          <a:prstGeom prst="round2DiagRect">
+            <a:avLst/>
+          </a:prstGeom>
+          <a:solidFill>
+            <a:schemeClr val="accent2">
+              <a:lumMod val="40000"/>
+              <a:lumOff val="60000"/>
+            </a:schemeClr>
+          </a:solidFill>
+        </p:spPr>
+        <p:style>
+          <a:lnRef idx="2">
+            <a:schemeClr val="accent1">
+              <a:shade val="50000"/>
+            </a:schemeClr>
+          </a:lnRef>
+          <a:fillRef idx="1">
+            <a:schemeClr val="accent1"/>
+          </a:fillRef>
+          <a:effectRef idx="0">
+            <a:schemeClr val="accent1"/>
+          </a:effectRef>
+          <a:fontRef idx="minor">
+            <a:schemeClr val="lt1"/>
+          </a:fontRef>
+        </p:style>
+        <p:txBody>
+          <a:bodyPr rtlCol="0" anchor="t"/>
+          <a:lstStyle/>
+          <a:p>
+            <a:pPr algn="ctr"/>
+            <a:r>
+              <a:rPr lang="en-US" sz="2400" b="1" dirty="0" err="1">
+                <a:solidFill>
+                  <a:schemeClr val="tx1"/>
+                </a:solidFill>
+              </a:rPr>
+              <a:t>ts</a:t>
+            </a:r>
+            <a:endParaRPr lang="en-US" dirty="0">
+              <a:solidFill>
+                <a:schemeClr val="tx1"/>
+              </a:solidFill>
+            </a:endParaRPr>
+          </a:p>
+          <a:p>
+            <a:pPr marL="173038" indent="-173038">
+              <a:buFont typeface="Arial" panose="020B0604020202020204" pitchFamily="34" charset="0"/>
+              <a:buChar char="•"/>
+            </a:pPr>
+            <a:r>
+              <a:rPr lang="en-US" sz="1400" b="1" dirty="0">
+                <a:solidFill>
+                  <a:schemeClr val="tx1"/>
+                </a:solidFill>
+              </a:rPr>
+              <a:t>atm, </a:t>
+            </a:r>
+            <a:r>
+              <a:rPr lang="en-US" sz="1400" b="1" dirty="0" err="1">
+                <a:solidFill>
+                  <a:schemeClr val="tx1"/>
+                </a:solidFill>
+              </a:rPr>
+              <a:t>regridded</a:t>
+            </a:r>
+            <a:endParaRPr lang="en-US" sz="1400" b="1" dirty="0">
+              <a:solidFill>
+                <a:schemeClr val="tx1"/>
+              </a:solidFill>
+            </a:endParaRPr>
+          </a:p>
+          <a:p>
+            <a:pPr marL="173038" indent="-173038">
+              <a:buFont typeface="Arial" panose="020B0604020202020204" pitchFamily="34" charset="0"/>
+              <a:buChar char="•"/>
+            </a:pPr>
+            <a:r>
+              <a:rPr lang="en-US" sz="1400" b="1" dirty="0">
+                <a:solidFill>
+                  <a:schemeClr val="tx1"/>
+                </a:solidFill>
+              </a:rPr>
+              <a:t>Daily</a:t>
+            </a:r>
+          </a:p>
+          <a:p>
+            <a:pPr marL="173038" indent="-173038">
+              <a:buFont typeface="Arial" panose="020B0604020202020204" pitchFamily="34" charset="0"/>
+              <a:buChar char="•"/>
+            </a:pPr>
+            <a:r>
+              <a:rPr lang="en-US" sz="1400" b="1" dirty="0">
+                <a:solidFill>
+                  <a:schemeClr val="tx1"/>
+                </a:solidFill>
+              </a:rPr>
+              <a:t>Years 1-10</a:t>
+            </a:r>
+          </a:p>
+        </p:txBody>
+      </p:sp>
+      <p:sp>
+        <p:nvSpPr>
+          <p:cNvPr id="76" name="Round Diagonal Corner Rectangle 75">
+            <a:extLst>
+              <a:ext uri="{FF2B5EF4-FFF2-40B4-BE49-F238E27FC236}">
+                <a16:creationId xmlns:a16="http://schemas.microsoft.com/office/drawing/2014/main" id="{AE4A56A7-AC81-1849-BCAD-3692CF450E15}"/>
+              </a:ext>
+            </a:extLst>
+          </p:cNvPr>
+          <p:cNvSpPr/>
+          <p:nvPr/>
+        </p:nvSpPr>
+        <p:spPr>
+          <a:xfrm>
+            <a:off x="11193790" y="5701567"/>
+            <a:ext cx="1706480" cy="1215600"/>
+          </a:xfrm>
+          <a:prstGeom prst="round2DiagRect">
+            <a:avLst/>
+          </a:prstGeom>
+          <a:solidFill>
+            <a:schemeClr val="accent2">
+              <a:lumMod val="40000"/>
+              <a:lumOff val="60000"/>
+            </a:schemeClr>
+          </a:solidFill>
+        </p:spPr>
+        <p:style>
+          <a:lnRef idx="2">
+            <a:schemeClr val="accent1">
+              <a:shade val="50000"/>
+            </a:schemeClr>
+          </a:lnRef>
+          <a:fillRef idx="1">
+            <a:schemeClr val="accent1"/>
+          </a:fillRef>
+          <a:effectRef idx="0">
+            <a:schemeClr val="accent1"/>
+          </a:effectRef>
+          <a:fontRef idx="minor">
+            <a:schemeClr val="lt1"/>
+          </a:fontRef>
+        </p:style>
+        <p:txBody>
+          <a:bodyPr rtlCol="0" anchor="t"/>
+          <a:lstStyle/>
+          <a:p>
+            <a:pPr algn="ctr"/>
+            <a:r>
+              <a:rPr lang="en-US" sz="2400" b="1" dirty="0" err="1">
+                <a:solidFill>
+                  <a:schemeClr val="tx1"/>
+                </a:solidFill>
+              </a:rPr>
+              <a:t>ts</a:t>
+            </a:r>
+            <a:endParaRPr lang="en-US" dirty="0">
+              <a:solidFill>
+                <a:schemeClr val="tx1"/>
+              </a:solidFill>
+            </a:endParaRPr>
+          </a:p>
+          <a:p>
+            <a:pPr marL="173038" indent="-173038">
+              <a:buFont typeface="Arial" panose="020B0604020202020204" pitchFamily="34" charset="0"/>
+              <a:buChar char="•"/>
+            </a:pPr>
+            <a:r>
+              <a:rPr lang="en-US" sz="1400" b="1" dirty="0">
+                <a:solidFill>
+                  <a:schemeClr val="tx1"/>
+                </a:solidFill>
+              </a:rPr>
+              <a:t>atm, </a:t>
+            </a:r>
+            <a:r>
+              <a:rPr lang="en-US" sz="1400" b="1" dirty="0" err="1">
+                <a:solidFill>
+                  <a:schemeClr val="tx1"/>
+                </a:solidFill>
+              </a:rPr>
+              <a:t>regridded</a:t>
+            </a:r>
+            <a:endParaRPr lang="en-US" sz="1400" b="1" dirty="0">
+              <a:solidFill>
+                <a:schemeClr val="tx1"/>
+              </a:solidFill>
+            </a:endParaRPr>
+          </a:p>
+          <a:p>
+            <a:pPr marL="173038" indent="-173038">
+              <a:buFont typeface="Arial" panose="020B0604020202020204" pitchFamily="34" charset="0"/>
+              <a:buChar char="•"/>
+            </a:pPr>
+            <a:r>
+              <a:rPr lang="en-US" sz="1400" b="1" dirty="0">
+                <a:solidFill>
+                  <a:schemeClr val="tx1"/>
+                </a:solidFill>
+              </a:rPr>
+              <a:t>Daily</a:t>
+            </a:r>
+          </a:p>
+          <a:p>
+            <a:pPr marL="173038" indent="-173038">
+              <a:buFont typeface="Arial" panose="020B0604020202020204" pitchFamily="34" charset="0"/>
+              <a:buChar char="•"/>
+            </a:pPr>
+            <a:r>
+              <a:rPr lang="en-US" sz="1400" b="1" dirty="0">
+                <a:solidFill>
+                  <a:schemeClr val="tx1"/>
+                </a:solidFill>
+              </a:rPr>
+              <a:t>Years 191-200</a:t>
+            </a:r>
+          </a:p>
+        </p:txBody>
+      </p:sp>
+      <p:cxnSp>
+        <p:nvCxnSpPr>
+          <p:cNvPr id="79" name="Straight Connector 78">
+            <a:extLst>
+              <a:ext uri="{FF2B5EF4-FFF2-40B4-BE49-F238E27FC236}">
+                <a16:creationId xmlns:a16="http://schemas.microsoft.com/office/drawing/2014/main" id="{9B62874C-190B-974D-B585-5773DF289F5B}"/>
+              </a:ext>
+            </a:extLst>
+          </p:cNvPr>
+          <p:cNvCxnSpPr>
+            <a:cxnSpLocks/>
+          </p:cNvCxnSpPr>
+          <p:nvPr/>
+        </p:nvCxnSpPr>
+        <p:spPr>
+          <a:xfrm>
+            <a:off x="10315424" y="6213006"/>
+            <a:ext cx="734786" cy="0"/>
+          </a:xfrm>
+          <a:prstGeom prst="line">
+            <a:avLst/>
+          </a:prstGeom>
+          <a:ln w="63500">
+            <a:prstDash val="sysDot"/>
+          </a:ln>
+        </p:spPr>
+        <p:style>
+          <a:lnRef idx="1">
+            <a:schemeClr val="dk1"/>
+          </a:lnRef>
+          <a:fillRef idx="0">
+            <a:schemeClr val="dk1"/>
+          </a:fillRef>
+          <a:effectRef idx="0">
+            <a:schemeClr val="dk1"/>
+          </a:effectRef>
+          <a:fontRef idx="minor">
+            <a:schemeClr val="tx1"/>
+          </a:fontRef>
+        </p:style>
+      </p:cxnSp>
+      <p:cxnSp>
+        <p:nvCxnSpPr>
+          <p:cNvPr id="80" name="Straight Arrow Connector 79">
+            <a:extLst>
+              <a:ext uri="{FF2B5EF4-FFF2-40B4-BE49-F238E27FC236}">
+                <a16:creationId xmlns:a16="http://schemas.microsoft.com/office/drawing/2014/main" id="{02EE32BF-1FD7-5A4D-A9DA-DCCDFEC01476}"/>
+              </a:ext>
+            </a:extLst>
+          </p:cNvPr>
+          <p:cNvCxnSpPr>
+            <a:cxnSpLocks/>
+          </p:cNvCxnSpPr>
+          <p:nvPr/>
+        </p:nvCxnSpPr>
+        <p:spPr>
+          <a:xfrm flipV="1">
+            <a:off x="2792898" y="6421181"/>
+            <a:ext cx="5688049" cy="1436050"/>
+          </a:xfrm>
+          <a:prstGeom prst="straightConnector1">
+            <a:avLst/>
+          </a:prstGeom>
+          <a:ln w="38100">
+            <a:tailEnd type="triangle"/>
+          </a:ln>
+        </p:spPr>
+        <p:style>
+          <a:lnRef idx="1">
+            <a:schemeClr val="accent1"/>
+          </a:lnRef>
+          <a:fillRef idx="0">
+            <a:schemeClr val="accent1"/>
+          </a:fillRef>
+          <a:effectRef idx="0">
+            <a:schemeClr val="accent1"/>
+          </a:effectRef>
+          <a:fontRef idx="minor">
+            <a:schemeClr val="tx1"/>
+          </a:fontRef>
+        </p:style>
+      </p:cxnSp>
+      <p:sp>
+        <p:nvSpPr>
+          <p:cNvPr id="99" name="Round Diagonal Corner Rectangle 98">
+            <a:extLst>
+              <a:ext uri="{FF2B5EF4-FFF2-40B4-BE49-F238E27FC236}">
+                <a16:creationId xmlns:a16="http://schemas.microsoft.com/office/drawing/2014/main" id="{3BC5F133-5D92-9E4A-87DA-E44FEB21CE32}"/>
+              </a:ext>
+            </a:extLst>
+          </p:cNvPr>
+          <p:cNvSpPr/>
+          <p:nvPr/>
+        </p:nvSpPr>
+        <p:spPr>
+          <a:xfrm>
+            <a:off x="8427808" y="2809182"/>
+            <a:ext cx="1706480" cy="1168024"/>
+          </a:xfrm>
+          <a:prstGeom prst="round2DiagRect">
+            <a:avLst/>
+          </a:prstGeom>
+          <a:solidFill>
+            <a:schemeClr val="accent3">
+              <a:lumMod val="40000"/>
+              <a:lumOff val="60000"/>
+            </a:schemeClr>
+          </a:solidFill>
+        </p:spPr>
+        <p:style>
+          <a:lnRef idx="2">
+            <a:schemeClr val="accent1">
+              <a:shade val="50000"/>
+            </a:schemeClr>
+          </a:lnRef>
+          <a:fillRef idx="1">
+            <a:schemeClr val="accent1"/>
+          </a:fillRef>
+          <a:effectRef idx="0">
+            <a:schemeClr val="accent1"/>
+          </a:effectRef>
+          <a:fontRef idx="minor">
+            <a:schemeClr val="lt1"/>
+          </a:fontRef>
+        </p:style>
+        <p:txBody>
+          <a:bodyPr rtlCol="0" anchor="t"/>
+          <a:lstStyle/>
+          <a:p>
+            <a:pPr algn="ctr"/>
+            <a:r>
+              <a:rPr lang="en-US" sz="2400" b="1" dirty="0" err="1">
+                <a:solidFill>
+                  <a:schemeClr val="tx1"/>
+                </a:solidFill>
+              </a:rPr>
+              <a:t>climo</a:t>
+            </a:r>
+            <a:endParaRPr lang="en-US" dirty="0">
+              <a:solidFill>
+                <a:schemeClr val="tx1"/>
+              </a:solidFill>
+            </a:endParaRPr>
+          </a:p>
+          <a:p>
+            <a:pPr marL="173038" indent="-173038">
+              <a:buFont typeface="Arial" panose="020B0604020202020204" pitchFamily="34" charset="0"/>
+              <a:buChar char="•"/>
+            </a:pPr>
+            <a:r>
+              <a:rPr lang="en-US" sz="1400" b="1" dirty="0">
+                <a:solidFill>
+                  <a:schemeClr val="tx1"/>
+                </a:solidFill>
+              </a:rPr>
+              <a:t>atm, </a:t>
+            </a:r>
+            <a:r>
+              <a:rPr lang="en-US" sz="1400" b="1" dirty="0" err="1">
+                <a:solidFill>
+                  <a:schemeClr val="tx1"/>
+                </a:solidFill>
+              </a:rPr>
+              <a:t>regridded</a:t>
+            </a:r>
+            <a:endParaRPr lang="en-US" sz="1400" b="1" dirty="0">
+              <a:solidFill>
+                <a:schemeClr val="tx1"/>
+              </a:solidFill>
+            </a:endParaRPr>
+          </a:p>
+          <a:p>
+            <a:pPr marL="173038" indent="-173038">
+              <a:buFont typeface="Arial" panose="020B0604020202020204" pitchFamily="34" charset="0"/>
+              <a:buChar char="•"/>
+            </a:pPr>
+            <a:r>
+              <a:rPr lang="en-US" sz="1400" b="1" dirty="0">
+                <a:solidFill>
+                  <a:schemeClr val="tx1"/>
+                </a:solidFill>
+              </a:rPr>
+              <a:t>Diurnal</a:t>
+            </a:r>
+          </a:p>
+          <a:p>
+            <a:pPr marL="173038" indent="-173038">
+              <a:buFont typeface="Arial" panose="020B0604020202020204" pitchFamily="34" charset="0"/>
+              <a:buChar char="•"/>
+            </a:pPr>
+            <a:r>
+              <a:rPr lang="en-US" sz="1400" b="1" dirty="0">
+                <a:solidFill>
+                  <a:schemeClr val="tx1"/>
+                </a:solidFill>
+              </a:rPr>
+              <a:t>Years 1-20</a:t>
+            </a:r>
+          </a:p>
+        </p:txBody>
+      </p:sp>
+      <p:sp>
+        <p:nvSpPr>
+          <p:cNvPr id="100" name="Round Diagonal Corner Rectangle 99">
+            <a:extLst>
+              <a:ext uri="{FF2B5EF4-FFF2-40B4-BE49-F238E27FC236}">
+                <a16:creationId xmlns:a16="http://schemas.microsoft.com/office/drawing/2014/main" id="{050F8EEA-2471-F54B-9655-3DCCB2EF2509}"/>
+              </a:ext>
+            </a:extLst>
+          </p:cNvPr>
+          <p:cNvSpPr/>
+          <p:nvPr/>
+        </p:nvSpPr>
+        <p:spPr>
+          <a:xfrm>
+            <a:off x="11136387" y="2772803"/>
+            <a:ext cx="1699549" cy="1168024"/>
+          </a:xfrm>
+          <a:prstGeom prst="round2DiagRect">
+            <a:avLst/>
+          </a:prstGeom>
+          <a:solidFill>
+            <a:schemeClr val="accent3">
+              <a:lumMod val="40000"/>
+              <a:lumOff val="60000"/>
+            </a:schemeClr>
+          </a:solidFill>
+        </p:spPr>
+        <p:style>
+          <a:lnRef idx="2">
+            <a:schemeClr val="accent1">
+              <a:shade val="50000"/>
+            </a:schemeClr>
+          </a:lnRef>
+          <a:fillRef idx="1">
+            <a:schemeClr val="accent1"/>
+          </a:fillRef>
+          <a:effectRef idx="0">
+            <a:schemeClr val="accent1"/>
+          </a:effectRef>
+          <a:fontRef idx="minor">
+            <a:schemeClr val="lt1"/>
+          </a:fontRef>
+        </p:style>
+        <p:txBody>
+          <a:bodyPr rtlCol="0" anchor="t"/>
+          <a:lstStyle/>
+          <a:p>
+            <a:pPr algn="ctr"/>
+            <a:r>
+              <a:rPr lang="en-US" sz="2400" b="1" dirty="0" err="1">
+                <a:solidFill>
+                  <a:schemeClr val="tx1"/>
+                </a:solidFill>
+              </a:rPr>
+              <a:t>climo</a:t>
+            </a:r>
+            <a:endParaRPr lang="en-US" dirty="0">
+              <a:solidFill>
+                <a:schemeClr val="tx1"/>
+              </a:solidFill>
+            </a:endParaRPr>
+          </a:p>
+          <a:p>
+            <a:pPr marL="173038" indent="-173038">
+              <a:buFont typeface="Arial" panose="020B0604020202020204" pitchFamily="34" charset="0"/>
+              <a:buChar char="•"/>
+            </a:pPr>
+            <a:r>
+              <a:rPr lang="en-US" sz="1400" b="1" dirty="0">
+                <a:solidFill>
+                  <a:schemeClr val="tx1"/>
+                </a:solidFill>
+              </a:rPr>
+              <a:t>atm, </a:t>
+            </a:r>
+            <a:r>
+              <a:rPr lang="en-US" sz="1400" b="1" dirty="0" err="1">
+                <a:solidFill>
+                  <a:schemeClr val="tx1"/>
+                </a:solidFill>
+              </a:rPr>
+              <a:t>regridded</a:t>
+            </a:r>
+            <a:endParaRPr lang="en-US" sz="1400" b="1" dirty="0">
+              <a:solidFill>
+                <a:schemeClr val="tx1"/>
+              </a:solidFill>
+            </a:endParaRPr>
+          </a:p>
+          <a:p>
+            <a:pPr marL="173038" indent="-173038">
+              <a:buFont typeface="Arial" panose="020B0604020202020204" pitchFamily="34" charset="0"/>
+              <a:buChar char="•"/>
+            </a:pPr>
+            <a:r>
+              <a:rPr lang="en-US" sz="1400" b="1" dirty="0">
+                <a:solidFill>
+                  <a:schemeClr val="tx1"/>
+                </a:solidFill>
+              </a:rPr>
+              <a:t>Diurnal</a:t>
+            </a:r>
+          </a:p>
+          <a:p>
+            <a:pPr marL="173038" indent="-173038">
+              <a:buFont typeface="Arial" panose="020B0604020202020204" pitchFamily="34" charset="0"/>
+              <a:buChar char="•"/>
+            </a:pPr>
+            <a:r>
+              <a:rPr lang="en-US" sz="1400" b="1" dirty="0">
+                <a:solidFill>
+                  <a:schemeClr val="tx1"/>
+                </a:solidFill>
+              </a:rPr>
+              <a:t>Years 181-200</a:t>
+            </a:r>
+          </a:p>
+        </p:txBody>
+      </p:sp>
+      <p:cxnSp>
+        <p:nvCxnSpPr>
+          <p:cNvPr id="107" name="Straight Arrow Connector 106">
+            <a:extLst>
+              <a:ext uri="{FF2B5EF4-FFF2-40B4-BE49-F238E27FC236}">
+                <a16:creationId xmlns:a16="http://schemas.microsoft.com/office/drawing/2014/main" id="{BFBA55DA-2ADB-C54E-B7EC-FB93D2BB0123}"/>
+              </a:ext>
+            </a:extLst>
+          </p:cNvPr>
+          <p:cNvCxnSpPr>
+            <a:cxnSpLocks/>
+          </p:cNvCxnSpPr>
+          <p:nvPr/>
+        </p:nvCxnSpPr>
+        <p:spPr>
+          <a:xfrm flipV="1">
+            <a:off x="4150668" y="3259676"/>
+            <a:ext cx="4277140" cy="2397776"/>
+          </a:xfrm>
+          <a:prstGeom prst="straightConnector1">
+            <a:avLst/>
+          </a:prstGeom>
+          <a:ln w="38100">
+            <a:tailEnd type="triangle"/>
+          </a:ln>
+        </p:spPr>
+        <p:style>
+          <a:lnRef idx="1">
+            <a:schemeClr val="accent1"/>
+          </a:lnRef>
+          <a:fillRef idx="0">
+            <a:schemeClr val="accent1"/>
+          </a:fillRef>
+          <a:effectRef idx="0">
+            <a:schemeClr val="accent1"/>
+          </a:effectRef>
+          <a:fontRef idx="minor">
+            <a:schemeClr val="tx1"/>
+          </a:fontRef>
+        </p:style>
+      </p:cxnSp>
+      <p:cxnSp>
+        <p:nvCxnSpPr>
+          <p:cNvPr id="102" name="Straight Connector 101">
+            <a:extLst>
+              <a:ext uri="{FF2B5EF4-FFF2-40B4-BE49-F238E27FC236}">
+                <a16:creationId xmlns:a16="http://schemas.microsoft.com/office/drawing/2014/main" id="{A8C7C880-3D87-CD44-9205-CF98322AFC1E}"/>
+              </a:ext>
+            </a:extLst>
+          </p:cNvPr>
+          <p:cNvCxnSpPr>
+            <a:cxnSpLocks/>
+          </p:cNvCxnSpPr>
+          <p:nvPr/>
+        </p:nvCxnSpPr>
+        <p:spPr>
+          <a:xfrm>
+            <a:off x="10275609" y="3342519"/>
+            <a:ext cx="734786" cy="0"/>
+          </a:xfrm>
+          <a:prstGeom prst="line">
+            <a:avLst/>
+          </a:prstGeom>
+          <a:ln w="63500">
+            <a:prstDash val="sysDot"/>
+          </a:ln>
+        </p:spPr>
+        <p:style>
+          <a:lnRef idx="1">
+            <a:schemeClr val="dk1"/>
+          </a:lnRef>
+          <a:fillRef idx="0">
+            <a:schemeClr val="dk1"/>
+          </a:fillRef>
+          <a:effectRef idx="0">
+            <a:schemeClr val="dk1"/>
+          </a:effectRef>
+          <a:fontRef idx="minor">
+            <a:schemeClr val="tx1"/>
+          </a:fontRef>
+        </p:style>
+      </p:cxnSp>
+      <p:cxnSp>
+        <p:nvCxnSpPr>
+          <p:cNvPr id="103" name="Straight Arrow Connector 102">
+            <a:extLst>
+              <a:ext uri="{FF2B5EF4-FFF2-40B4-BE49-F238E27FC236}">
+                <a16:creationId xmlns:a16="http://schemas.microsoft.com/office/drawing/2014/main" id="{CFA6F8FE-03ED-8E43-A3F7-64286FF00BC6}"/>
+              </a:ext>
+            </a:extLst>
+          </p:cNvPr>
+          <p:cNvCxnSpPr>
+            <a:cxnSpLocks/>
+            <a:stCxn id="24" idx="0"/>
+          </p:cNvCxnSpPr>
+          <p:nvPr/>
+        </p:nvCxnSpPr>
+        <p:spPr>
+          <a:xfrm>
+            <a:off x="7068870" y="2504618"/>
+            <a:ext cx="1358938" cy="714446"/>
+          </a:xfrm>
+          <a:prstGeom prst="straightConnector1">
+            <a:avLst/>
+          </a:prstGeom>
+          <a:ln w="38100">
+            <a:tailEnd type="triangle"/>
+          </a:ln>
+        </p:spPr>
+        <p:style>
+          <a:lnRef idx="1">
+            <a:schemeClr val="accent1"/>
+          </a:lnRef>
+          <a:fillRef idx="0">
+            <a:schemeClr val="accent1"/>
+          </a:fillRef>
+          <a:effectRef idx="0">
+            <a:schemeClr val="accent1"/>
+          </a:effectRef>
+          <a:fontRef idx="minor">
+            <a:schemeClr val="tx1"/>
+          </a:fontRef>
+        </p:style>
+      </p:cxnSp>
+      <p:sp>
+        <p:nvSpPr>
+          <p:cNvPr id="28" name="Round Diagonal Corner Rectangle 27">
+            <a:extLst>
+              <a:ext uri="{FF2B5EF4-FFF2-40B4-BE49-F238E27FC236}">
+                <a16:creationId xmlns:a16="http://schemas.microsoft.com/office/drawing/2014/main" id="{581E4AD0-762F-FF44-A56B-D66BCC65ADA6}"/>
+              </a:ext>
+            </a:extLst>
+          </p:cNvPr>
+          <p:cNvSpPr/>
+          <p:nvPr/>
+        </p:nvSpPr>
+        <p:spPr>
+          <a:xfrm>
+            <a:off x="5359694" y="4352823"/>
+            <a:ext cx="1706480" cy="1019888"/>
+          </a:xfrm>
+          <a:prstGeom prst="round2DiagRect">
+            <a:avLst/>
+          </a:prstGeom>
+          <a:solidFill>
+            <a:schemeClr val="accent2">
+              <a:lumMod val="40000"/>
+              <a:lumOff val="60000"/>
+            </a:schemeClr>
+          </a:solidFill>
+        </p:spPr>
+        <p:style>
+          <a:lnRef idx="2">
+            <a:schemeClr val="accent1">
+              <a:shade val="50000"/>
+            </a:schemeClr>
+          </a:lnRef>
+          <a:fillRef idx="1">
+            <a:schemeClr val="accent1"/>
+          </a:fillRef>
+          <a:effectRef idx="0">
+            <a:schemeClr val="accent1"/>
+          </a:effectRef>
+          <a:fontRef idx="minor">
+            <a:schemeClr val="lt1"/>
+          </a:fontRef>
+        </p:style>
+        <p:txBody>
+          <a:bodyPr rtlCol="0" anchor="t"/>
+          <a:lstStyle/>
+          <a:p>
+            <a:pPr algn="ctr"/>
+            <a:r>
+              <a:rPr lang="en-US" sz="2400" b="1" dirty="0" err="1">
+                <a:solidFill>
+                  <a:schemeClr val="tx1"/>
+                </a:solidFill>
+              </a:rPr>
+              <a:t>ts.bash</a:t>
+            </a:r>
+            <a:endParaRPr lang="en-US" dirty="0">
+              <a:solidFill>
+                <a:schemeClr val="tx1"/>
+              </a:solidFill>
+            </a:endParaRPr>
+          </a:p>
+          <a:p>
+            <a:pPr marL="173038" indent="-173038">
+              <a:buFont typeface="Arial" panose="020B0604020202020204" pitchFamily="34" charset="0"/>
+              <a:buChar char="•"/>
+            </a:pPr>
+            <a:r>
+              <a:rPr lang="en-US" sz="1400" b="1" dirty="0">
+                <a:solidFill>
+                  <a:schemeClr val="tx1"/>
+                </a:solidFill>
+              </a:rPr>
+              <a:t>Template file for time series</a:t>
+            </a:r>
+          </a:p>
+        </p:txBody>
+      </p:sp>
+      <p:cxnSp>
+        <p:nvCxnSpPr>
+          <p:cNvPr id="113" name="Straight Arrow Connector 112">
+            <a:extLst>
+              <a:ext uri="{FF2B5EF4-FFF2-40B4-BE49-F238E27FC236}">
+                <a16:creationId xmlns:a16="http://schemas.microsoft.com/office/drawing/2014/main" id="{FC2794A4-E5A2-E24A-AA01-60E849B615FF}"/>
+              </a:ext>
+            </a:extLst>
+          </p:cNvPr>
+          <p:cNvCxnSpPr>
+            <a:cxnSpLocks/>
+            <a:stCxn id="28" idx="0"/>
+            <a:endCxn id="75" idx="2"/>
+          </p:cNvCxnSpPr>
+          <p:nvPr/>
+        </p:nvCxnSpPr>
+        <p:spPr>
+          <a:xfrm>
+            <a:off x="7066174" y="4862767"/>
+            <a:ext cx="1399342" cy="1408758"/>
+          </a:xfrm>
+          <a:prstGeom prst="straightConnector1">
+            <a:avLst/>
+          </a:prstGeom>
+          <a:ln w="38100">
+            <a:tailEnd type="triangle"/>
+          </a:ln>
+        </p:spPr>
+        <p:style>
+          <a:lnRef idx="1">
+            <a:schemeClr val="accent1"/>
+          </a:lnRef>
+          <a:fillRef idx="0">
+            <a:schemeClr val="accent1"/>
+          </a:fillRef>
+          <a:effectRef idx="0">
+            <a:schemeClr val="accent1"/>
+          </a:effectRef>
+          <a:fontRef idx="minor">
+            <a:schemeClr val="tx1"/>
+          </a:fontRef>
+        </p:style>
+      </p:cxnSp>
+      <p:sp>
+        <p:nvSpPr>
+          <p:cNvPr id="116" name="Round Diagonal Corner Rectangle 115">
+            <a:extLst>
+              <a:ext uri="{FF2B5EF4-FFF2-40B4-BE49-F238E27FC236}">
+                <a16:creationId xmlns:a16="http://schemas.microsoft.com/office/drawing/2014/main" id="{F02F3D5B-7F2E-5642-ACE2-DCA09A321CA3}"/>
+              </a:ext>
+            </a:extLst>
+          </p:cNvPr>
+          <p:cNvSpPr/>
+          <p:nvPr/>
+        </p:nvSpPr>
+        <p:spPr>
+          <a:xfrm>
+            <a:off x="4998600" y="9415211"/>
+            <a:ext cx="2574616" cy="802874"/>
+          </a:xfrm>
+          <a:prstGeom prst="round2DiagRect">
+            <a:avLst/>
+          </a:prstGeom>
+          <a:solidFill>
+            <a:schemeClr val="accent4">
+              <a:lumMod val="40000"/>
+              <a:lumOff val="60000"/>
+            </a:schemeClr>
+          </a:solidFill>
+        </p:spPr>
+        <p:style>
+          <a:lnRef idx="2">
+            <a:schemeClr val="accent1">
+              <a:shade val="50000"/>
+            </a:schemeClr>
+          </a:lnRef>
+          <a:fillRef idx="1">
+            <a:schemeClr val="accent1"/>
+          </a:fillRef>
+          <a:effectRef idx="0">
+            <a:schemeClr val="accent1"/>
+          </a:effectRef>
+          <a:fontRef idx="minor">
+            <a:schemeClr val="lt1"/>
+          </a:fontRef>
+        </p:style>
+        <p:txBody>
+          <a:bodyPr rtlCol="0" anchor="t"/>
+          <a:lstStyle/>
+          <a:p>
+            <a:pPr algn="ctr"/>
+            <a:r>
+              <a:rPr lang="en-US" sz="2400" b="1" dirty="0">
+                <a:solidFill>
+                  <a:schemeClr val="tx1"/>
+                </a:solidFill>
+              </a:rPr>
+              <a:t>e3sm_diags.bash</a:t>
+            </a:r>
+            <a:endParaRPr lang="en-US" dirty="0">
+              <a:solidFill>
+                <a:schemeClr val="tx1"/>
+              </a:solidFill>
+            </a:endParaRPr>
+          </a:p>
+          <a:p>
+            <a:pPr marL="173038" indent="-173038">
+              <a:buFont typeface="Arial" panose="020B0604020202020204" pitchFamily="34" charset="0"/>
+              <a:buChar char="•"/>
+            </a:pPr>
+            <a:r>
+              <a:rPr lang="en-US" sz="1400" b="1" dirty="0">
+                <a:solidFill>
+                  <a:schemeClr val="tx1"/>
+                </a:solidFill>
+              </a:rPr>
+              <a:t>Template file for E3SM </a:t>
+            </a:r>
+            <a:r>
+              <a:rPr lang="en-US" sz="1400" b="1" dirty="0" err="1">
+                <a:solidFill>
+                  <a:schemeClr val="tx1"/>
+                </a:solidFill>
+              </a:rPr>
+              <a:t>Diags</a:t>
+            </a:r>
+            <a:endParaRPr lang="en-US" sz="1400" b="1" dirty="0">
+              <a:solidFill>
+                <a:schemeClr val="tx1"/>
+              </a:solidFill>
+            </a:endParaRPr>
+          </a:p>
+        </p:txBody>
+      </p:sp>
+      <p:cxnSp>
+        <p:nvCxnSpPr>
+          <p:cNvPr id="117" name="Straight Arrow Connector 116">
+            <a:extLst>
+              <a:ext uri="{FF2B5EF4-FFF2-40B4-BE49-F238E27FC236}">
+                <a16:creationId xmlns:a16="http://schemas.microsoft.com/office/drawing/2014/main" id="{BE993751-A539-BA42-8C9B-6E4926983C85}"/>
+              </a:ext>
+            </a:extLst>
+          </p:cNvPr>
+          <p:cNvCxnSpPr>
+            <a:cxnSpLocks/>
+            <a:stCxn id="116" idx="0"/>
+          </p:cNvCxnSpPr>
+          <p:nvPr/>
+        </p:nvCxnSpPr>
+        <p:spPr>
+          <a:xfrm>
+            <a:off x="7573216" y="9816648"/>
+            <a:ext cx="766592" cy="458521"/>
+          </a:xfrm>
+          <a:prstGeom prst="straightConnector1">
+            <a:avLst/>
+          </a:prstGeom>
+          <a:ln w="38100">
+            <a:tailEnd type="triangle"/>
+          </a:ln>
+        </p:spPr>
+        <p:style>
+          <a:lnRef idx="1">
+            <a:schemeClr val="accent1"/>
+          </a:lnRef>
+          <a:fillRef idx="0">
+            <a:schemeClr val="accent1"/>
+          </a:fillRef>
+          <a:effectRef idx="0">
+            <a:schemeClr val="accent1"/>
+          </a:effectRef>
+          <a:fontRef idx="minor">
+            <a:schemeClr val="tx1"/>
+          </a:fontRef>
+        </p:style>
+      </p:cxnSp>
+      <p:sp>
+        <p:nvSpPr>
+          <p:cNvPr id="123" name="Round Diagonal Corner Rectangle 122">
+            <a:extLst>
+              <a:ext uri="{FF2B5EF4-FFF2-40B4-BE49-F238E27FC236}">
+                <a16:creationId xmlns:a16="http://schemas.microsoft.com/office/drawing/2014/main" id="{59DE5D51-C8E0-4340-9006-C36E50A6EF50}"/>
+              </a:ext>
+            </a:extLst>
+          </p:cNvPr>
+          <p:cNvSpPr/>
+          <p:nvPr/>
+        </p:nvSpPr>
+        <p:spPr>
+          <a:xfrm>
+            <a:off x="4888940" y="10618104"/>
+            <a:ext cx="3030473" cy="825091"/>
+          </a:xfrm>
+          <a:prstGeom prst="round2DiagRect">
+            <a:avLst/>
+          </a:prstGeom>
+          <a:solidFill>
+            <a:schemeClr val="accent5">
+              <a:lumMod val="40000"/>
+              <a:lumOff val="60000"/>
+            </a:schemeClr>
+          </a:solidFill>
+        </p:spPr>
+        <p:style>
+          <a:lnRef idx="2">
+            <a:schemeClr val="accent1">
+              <a:shade val="50000"/>
+            </a:schemeClr>
+          </a:lnRef>
+          <a:fillRef idx="1">
+            <a:schemeClr val="accent1"/>
+          </a:fillRef>
+          <a:effectRef idx="0">
+            <a:schemeClr val="accent1"/>
+          </a:effectRef>
+          <a:fontRef idx="minor">
+            <a:schemeClr val="lt1"/>
+          </a:fontRef>
+        </p:style>
+        <p:txBody>
+          <a:bodyPr rtlCol="0" anchor="t"/>
+          <a:lstStyle/>
+          <a:p>
+            <a:pPr algn="ctr"/>
+            <a:r>
+              <a:rPr lang="en-US" sz="2400" b="1" dirty="0" err="1">
+                <a:solidFill>
+                  <a:schemeClr val="tx1"/>
+                </a:solidFill>
+              </a:rPr>
+              <a:t>mpas_analysis.bash</a:t>
+            </a:r>
+            <a:endParaRPr lang="en-US" dirty="0">
+              <a:solidFill>
+                <a:schemeClr val="tx1"/>
+              </a:solidFill>
+            </a:endParaRPr>
+          </a:p>
+          <a:p>
+            <a:pPr marL="173038" indent="-173038">
+              <a:buFont typeface="Arial" panose="020B0604020202020204" pitchFamily="34" charset="0"/>
+              <a:buChar char="•"/>
+            </a:pPr>
+            <a:r>
+              <a:rPr lang="en-US" sz="1400" b="1" dirty="0">
+                <a:solidFill>
+                  <a:schemeClr val="tx1"/>
+                </a:solidFill>
+              </a:rPr>
+              <a:t>Template file for MPAS-Analysis</a:t>
+            </a:r>
+          </a:p>
+        </p:txBody>
+      </p:sp>
+      <p:cxnSp>
+        <p:nvCxnSpPr>
+          <p:cNvPr id="124" name="Straight Arrow Connector 123">
+            <a:extLst>
+              <a:ext uri="{FF2B5EF4-FFF2-40B4-BE49-F238E27FC236}">
+                <a16:creationId xmlns:a16="http://schemas.microsoft.com/office/drawing/2014/main" id="{3D8C6BC0-8BA3-9A49-980D-55ED7AB4A897}"/>
+              </a:ext>
+            </a:extLst>
+          </p:cNvPr>
+          <p:cNvCxnSpPr>
+            <a:cxnSpLocks/>
+            <a:stCxn id="123" idx="0"/>
+          </p:cNvCxnSpPr>
+          <p:nvPr/>
+        </p:nvCxnSpPr>
+        <p:spPr>
+          <a:xfrm>
+            <a:off x="7919413" y="11030650"/>
+            <a:ext cx="420395" cy="491369"/>
+          </a:xfrm>
+          <a:prstGeom prst="straightConnector1">
+            <a:avLst/>
+          </a:prstGeom>
+          <a:ln w="38100">
+            <a:tailEnd type="triangle"/>
+          </a:ln>
+        </p:spPr>
+        <p:style>
+          <a:lnRef idx="1">
+            <a:schemeClr val="accent1"/>
+          </a:lnRef>
+          <a:fillRef idx="0">
+            <a:schemeClr val="accent1"/>
+          </a:fillRef>
+          <a:effectRef idx="0">
+            <a:schemeClr val="accent1"/>
+          </a:effectRef>
+          <a:fontRef idx="minor">
+            <a:schemeClr val="tx1"/>
+          </a:fontRef>
+        </p:style>
+      </p:cxnSp>
+      <p:cxnSp>
+        <p:nvCxnSpPr>
+          <p:cNvPr id="127" name="Straight Arrow Connector 126">
+            <a:extLst>
+              <a:ext uri="{FF2B5EF4-FFF2-40B4-BE49-F238E27FC236}">
+                <a16:creationId xmlns:a16="http://schemas.microsoft.com/office/drawing/2014/main" id="{E0B770C9-2978-4444-9E9B-F6EAED7B5BF7}"/>
+              </a:ext>
+            </a:extLst>
+          </p:cNvPr>
+          <p:cNvCxnSpPr>
+            <a:cxnSpLocks/>
+            <a:stCxn id="129" idx="0"/>
+          </p:cNvCxnSpPr>
+          <p:nvPr/>
+        </p:nvCxnSpPr>
+        <p:spPr>
+          <a:xfrm>
+            <a:off x="8125433" y="12341164"/>
+            <a:ext cx="214375" cy="513760"/>
+          </a:xfrm>
+          <a:prstGeom prst="straightConnector1">
+            <a:avLst/>
+          </a:prstGeom>
+          <a:ln w="38100">
+            <a:tailEnd type="triangle"/>
+          </a:ln>
+        </p:spPr>
+        <p:style>
+          <a:lnRef idx="1">
+            <a:schemeClr val="accent1"/>
+          </a:lnRef>
+          <a:fillRef idx="0">
+            <a:schemeClr val="accent1"/>
+          </a:fillRef>
+          <a:effectRef idx="0">
+            <a:schemeClr val="accent1"/>
+          </a:effectRef>
+          <a:fontRef idx="minor">
+            <a:schemeClr val="tx1"/>
+          </a:fontRef>
+        </p:style>
+      </p:cxnSp>
+      <p:sp>
+        <p:nvSpPr>
+          <p:cNvPr id="129" name="Round Diagonal Corner Rectangle 128">
+            <a:extLst>
+              <a:ext uri="{FF2B5EF4-FFF2-40B4-BE49-F238E27FC236}">
+                <a16:creationId xmlns:a16="http://schemas.microsoft.com/office/drawing/2014/main" id="{345AC48F-CB91-764E-8EB6-E7E6796EA99B}"/>
+              </a:ext>
+            </a:extLst>
+          </p:cNvPr>
+          <p:cNvSpPr/>
+          <p:nvPr/>
+        </p:nvSpPr>
+        <p:spPr>
+          <a:xfrm>
+            <a:off x="4719886" y="11902506"/>
+            <a:ext cx="3405547" cy="877316"/>
+          </a:xfrm>
+          <a:prstGeom prst="round2DiagRect">
+            <a:avLst/>
+          </a:prstGeom>
+          <a:solidFill>
+            <a:schemeClr val="accent6">
+              <a:lumMod val="40000"/>
+              <a:lumOff val="60000"/>
+            </a:schemeClr>
+          </a:solidFill>
+        </p:spPr>
+        <p:style>
+          <a:lnRef idx="2">
+            <a:schemeClr val="accent1">
+              <a:shade val="50000"/>
+            </a:schemeClr>
+          </a:lnRef>
+          <a:fillRef idx="1">
+            <a:schemeClr val="accent1"/>
+          </a:fillRef>
+          <a:effectRef idx="0">
+            <a:schemeClr val="accent1"/>
+          </a:effectRef>
+          <a:fontRef idx="minor">
+            <a:schemeClr val="lt1"/>
+          </a:fontRef>
+        </p:style>
+        <p:txBody>
+          <a:bodyPr rtlCol="0" anchor="t"/>
+          <a:lstStyle/>
+          <a:p>
+            <a:pPr algn="ctr"/>
+            <a:r>
+              <a:rPr lang="en-US" sz="2400" b="1" dirty="0" err="1">
+                <a:solidFill>
+                  <a:schemeClr val="tx1"/>
+                </a:solidFill>
+              </a:rPr>
+              <a:t>global_time_series.bash</a:t>
+            </a:r>
+            <a:endParaRPr lang="en-US" dirty="0">
+              <a:solidFill>
+                <a:schemeClr val="tx1"/>
+              </a:solidFill>
+            </a:endParaRPr>
+          </a:p>
+          <a:p>
+            <a:pPr marL="173038" indent="-173038">
+              <a:buFont typeface="Arial" panose="020B0604020202020204" pitchFamily="34" charset="0"/>
+              <a:buChar char="•"/>
+            </a:pPr>
+            <a:r>
+              <a:rPr lang="en-US" sz="1400" b="1" dirty="0">
+                <a:solidFill>
+                  <a:schemeClr val="tx1"/>
+                </a:solidFill>
+              </a:rPr>
+              <a:t>Template file for global time series plots</a:t>
+            </a:r>
+          </a:p>
+        </p:txBody>
+      </p:sp>
+      <p:sp>
+        <p:nvSpPr>
+          <p:cNvPr id="135" name="TextBox 134">
+            <a:extLst>
+              <a:ext uri="{FF2B5EF4-FFF2-40B4-BE49-F238E27FC236}">
+                <a16:creationId xmlns:a16="http://schemas.microsoft.com/office/drawing/2014/main" id="{2952D26A-EC6F-664A-8F82-D999BC041616}"/>
+              </a:ext>
+            </a:extLst>
+          </p:cNvPr>
+          <p:cNvSpPr txBox="1"/>
+          <p:nvPr/>
+        </p:nvSpPr>
+        <p:spPr>
+          <a:xfrm>
+            <a:off x="4315046" y="189928"/>
+            <a:ext cx="5085909" cy="584775"/>
+          </a:xfrm>
+          <a:prstGeom prst="rect">
+            <a:avLst/>
+          </a:prstGeom>
+          <a:noFill/>
+        </p:spPr>
+        <p:txBody>
+          <a:bodyPr wrap="square" rtlCol="0">
+            <a:spAutoFit/>
+          </a:bodyPr>
+          <a:lstStyle/>
+          <a:p>
+            <a:pPr algn="ctr"/>
+            <a:r>
+              <a:rPr lang="en-US" sz="3200" dirty="0"/>
+              <a:t>Jobs launched by </a:t>
+            </a:r>
+            <a:r>
+              <a:rPr lang="en-US" sz="3200" dirty="0" err="1"/>
+              <a:t>zppy</a:t>
+            </a:r>
+            <a:endParaRPr lang="en-US" sz="3200" dirty="0"/>
+          </a:p>
+        </p:txBody>
+      </p:sp>
+      <p:sp>
+        <p:nvSpPr>
+          <p:cNvPr id="58" name="TextBox 57">
+            <a:extLst>
+              <a:ext uri="{FF2B5EF4-FFF2-40B4-BE49-F238E27FC236}">
+                <a16:creationId xmlns:a16="http://schemas.microsoft.com/office/drawing/2014/main" id="{65192E8B-208A-C94C-8522-88366A33AAD1}"/>
+              </a:ext>
+            </a:extLst>
+          </p:cNvPr>
+          <p:cNvSpPr txBox="1"/>
+          <p:nvPr/>
+        </p:nvSpPr>
+        <p:spPr>
+          <a:xfrm>
+            <a:off x="1189050" y="978726"/>
+            <a:ext cx="2508305" cy="461665"/>
+          </a:xfrm>
+          <a:prstGeom prst="rect">
+            <a:avLst/>
+          </a:prstGeom>
+          <a:noFill/>
+        </p:spPr>
+        <p:txBody>
+          <a:bodyPr wrap="square" rtlCol="0">
+            <a:spAutoFit/>
+          </a:bodyPr>
+          <a:lstStyle/>
+          <a:p>
+            <a:pPr algn="ctr"/>
+            <a:r>
+              <a:rPr lang="en-US" sz="2400" dirty="0"/>
+              <a:t>Configuration file</a:t>
+            </a:r>
+          </a:p>
+        </p:txBody>
+      </p:sp>
+      <p:sp>
+        <p:nvSpPr>
+          <p:cNvPr id="61" name="TextBox 60">
+            <a:extLst>
+              <a:ext uri="{FF2B5EF4-FFF2-40B4-BE49-F238E27FC236}">
+                <a16:creationId xmlns:a16="http://schemas.microsoft.com/office/drawing/2014/main" id="{9AF64123-ED73-5344-93BD-1BF7039EF733}"/>
+              </a:ext>
+            </a:extLst>
+          </p:cNvPr>
+          <p:cNvSpPr txBox="1"/>
+          <p:nvPr/>
+        </p:nvSpPr>
+        <p:spPr>
+          <a:xfrm>
+            <a:off x="5372532" y="978726"/>
+            <a:ext cx="1706480" cy="461665"/>
+          </a:xfrm>
+          <a:prstGeom prst="rect">
+            <a:avLst/>
+          </a:prstGeom>
+          <a:noFill/>
+        </p:spPr>
+        <p:txBody>
+          <a:bodyPr wrap="square" rtlCol="0">
+            <a:spAutoFit/>
+          </a:bodyPr>
+          <a:lstStyle/>
+          <a:p>
+            <a:pPr algn="ctr"/>
+            <a:r>
+              <a:rPr lang="en-US" sz="2400" dirty="0"/>
+              <a:t>Templates</a:t>
+            </a:r>
+          </a:p>
+        </p:txBody>
+      </p:sp>
+      <p:sp>
+        <p:nvSpPr>
+          <p:cNvPr id="65" name="TextBox 64">
+            <a:extLst>
+              <a:ext uri="{FF2B5EF4-FFF2-40B4-BE49-F238E27FC236}">
+                <a16:creationId xmlns:a16="http://schemas.microsoft.com/office/drawing/2014/main" id="{4646BBA9-3357-FD4F-BB5D-641C3FBB4BD4}"/>
+              </a:ext>
+            </a:extLst>
+          </p:cNvPr>
+          <p:cNvSpPr txBox="1"/>
+          <p:nvPr/>
+        </p:nvSpPr>
+        <p:spPr>
+          <a:xfrm>
+            <a:off x="10123528" y="978726"/>
+            <a:ext cx="1083286" cy="461664"/>
+          </a:xfrm>
+          <a:prstGeom prst="rect">
+            <a:avLst/>
+          </a:prstGeom>
+          <a:noFill/>
+        </p:spPr>
+        <p:txBody>
+          <a:bodyPr wrap="square" rtlCol="0">
+            <a:spAutoFit/>
+          </a:bodyPr>
+          <a:lstStyle/>
+          <a:p>
+            <a:pPr algn="ctr"/>
+            <a:r>
+              <a:rPr lang="en-US" sz="2400" dirty="0"/>
+              <a:t>Jobs</a:t>
+            </a:r>
+          </a:p>
+        </p:txBody>
+      </p:sp>
     </p:spTree>
     <p:extLst>
       <p:ext uri="{BB962C8B-B14F-4D97-AF65-F5344CB8AC3E}">
-        <p14:creationId xmlns:p14="http://schemas.microsoft.com/office/powerpoint/2010/main" val="4160157307"/>
+        <p14:creationId xmlns:p14="http://schemas.microsoft.com/office/powerpoint/2010/main" val="2615801643"/>
+      </p:ext>
+    </p:extLst>
+  </p:cSld>
+  <p:clrMapOvr>
+    <a:masterClrMapping/>
+  </p:clrMapOvr>
+</p:sld>
+</file>
+
+<file path=ppt/slides/slide2.xml><?xml version="1.0" encoding="utf-8"?>
+<p:sld xmlns:a="http://schemas.openxmlformats.org/drawingml/2006/main" xmlns:r="http://schemas.openxmlformats.org/officeDocument/2006/relationships" xmlns:p="http://schemas.openxmlformats.org/presentationml/2006/main">
+  <p:cSld>
+    <p:spTree>
+      <p:nvGrpSpPr>
+        <p:cNvPr id="1" name=""/>
+        <p:cNvGrpSpPr/>
+        <p:nvPr/>
+      </p:nvGrpSpPr>
+      <p:grpSpPr>
+        <a:xfrm>
+          <a:off x="0" y="0"/>
+          <a:ext cx="0" cy="0"/>
+          <a:chOff x="0" y="0"/>
+          <a:chExt cx="0" cy="0"/>
+        </a:xfrm>
+      </p:grpSpPr>
+      <p:sp>
+        <p:nvSpPr>
+          <p:cNvPr id="51" name="Round Diagonal Corner Rectangle 50">
+            <a:extLst>
+              <a:ext uri="{FF2B5EF4-FFF2-40B4-BE49-F238E27FC236}">
+                <a16:creationId xmlns:a16="http://schemas.microsoft.com/office/drawing/2014/main" id="{ED9DC568-D699-E74D-8615-21799235E828}"/>
+              </a:ext>
+            </a:extLst>
+          </p:cNvPr>
+          <p:cNvSpPr/>
+          <p:nvPr/>
+        </p:nvSpPr>
+        <p:spPr>
+          <a:xfrm>
+            <a:off x="1102976" y="360919"/>
+            <a:ext cx="1706480" cy="1020421"/>
+          </a:xfrm>
+          <a:prstGeom prst="round2DiagRect">
+            <a:avLst/>
+          </a:prstGeom>
+          <a:solidFill>
+            <a:schemeClr val="accent3">
+              <a:lumMod val="40000"/>
+              <a:lumOff val="60000"/>
+            </a:schemeClr>
+          </a:solidFill>
+        </p:spPr>
+        <p:style>
+          <a:lnRef idx="2">
+            <a:schemeClr val="accent1">
+              <a:shade val="50000"/>
+            </a:schemeClr>
+          </a:lnRef>
+          <a:fillRef idx="1">
+            <a:schemeClr val="accent1"/>
+          </a:fillRef>
+          <a:effectRef idx="0">
+            <a:schemeClr val="accent1"/>
+          </a:effectRef>
+          <a:fontRef idx="minor">
+            <a:schemeClr val="lt1"/>
+          </a:fontRef>
+        </p:style>
+        <p:txBody>
+          <a:bodyPr rtlCol="0" anchor="t"/>
+          <a:lstStyle/>
+          <a:p>
+            <a:pPr algn="ctr"/>
+            <a:r>
+              <a:rPr lang="en-US" sz="2400" b="1" dirty="0" err="1">
+                <a:solidFill>
+                  <a:schemeClr val="tx1"/>
+                </a:solidFill>
+              </a:rPr>
+              <a:t>climo</a:t>
+            </a:r>
+            <a:endParaRPr lang="en-US" dirty="0">
+              <a:solidFill>
+                <a:schemeClr val="tx1"/>
+              </a:solidFill>
+            </a:endParaRPr>
+          </a:p>
+          <a:p>
+            <a:pPr marL="173038" indent="-173038">
+              <a:buFont typeface="Arial" panose="020B0604020202020204" pitchFamily="34" charset="0"/>
+              <a:buChar char="•"/>
+            </a:pPr>
+            <a:r>
+              <a:rPr lang="en-US" sz="1400" b="1" dirty="0">
+                <a:solidFill>
+                  <a:schemeClr val="tx1"/>
+                </a:solidFill>
+              </a:rPr>
+              <a:t>atm, </a:t>
+            </a:r>
+            <a:r>
+              <a:rPr lang="en-US" sz="1400" b="1" dirty="0" err="1">
+                <a:solidFill>
+                  <a:schemeClr val="tx1"/>
+                </a:solidFill>
+              </a:rPr>
+              <a:t>regridded</a:t>
+            </a:r>
+            <a:endParaRPr lang="en-US" sz="1400" b="1" dirty="0">
+              <a:solidFill>
+                <a:schemeClr val="tx1"/>
+              </a:solidFill>
+            </a:endParaRPr>
+          </a:p>
+          <a:p>
+            <a:pPr marL="173038" indent="-173038">
+              <a:buFont typeface="Arial" panose="020B0604020202020204" pitchFamily="34" charset="0"/>
+              <a:buChar char="•"/>
+            </a:pPr>
+            <a:r>
+              <a:rPr lang="en-US" sz="1400" b="1" dirty="0">
+                <a:solidFill>
+                  <a:schemeClr val="tx1"/>
+                </a:solidFill>
+              </a:rPr>
+              <a:t>Years 1-20</a:t>
+            </a:r>
+          </a:p>
+        </p:txBody>
+      </p:sp>
+      <p:sp>
+        <p:nvSpPr>
+          <p:cNvPr id="6" name="Round Diagonal Corner Rectangle 5">
+            <a:extLst>
+              <a:ext uri="{FF2B5EF4-FFF2-40B4-BE49-F238E27FC236}">
+                <a16:creationId xmlns:a16="http://schemas.microsoft.com/office/drawing/2014/main" id="{51F84BDD-7BDC-4849-A697-6BA4895EF46A}"/>
+              </a:ext>
+            </a:extLst>
+          </p:cNvPr>
+          <p:cNvSpPr/>
+          <p:nvPr/>
+        </p:nvSpPr>
+        <p:spPr>
+          <a:xfrm>
+            <a:off x="1102976" y="2970926"/>
+            <a:ext cx="1691049" cy="1132323"/>
+          </a:xfrm>
+          <a:prstGeom prst="round2DiagRect">
+            <a:avLst/>
+          </a:prstGeom>
+          <a:solidFill>
+            <a:schemeClr val="accent2">
+              <a:lumMod val="40000"/>
+              <a:lumOff val="60000"/>
+            </a:schemeClr>
+          </a:solidFill>
+        </p:spPr>
+        <p:style>
+          <a:lnRef idx="2">
+            <a:schemeClr val="accent1">
+              <a:shade val="50000"/>
+            </a:schemeClr>
+          </a:lnRef>
+          <a:fillRef idx="1">
+            <a:schemeClr val="accent1"/>
+          </a:fillRef>
+          <a:effectRef idx="0">
+            <a:schemeClr val="accent1"/>
+          </a:effectRef>
+          <a:fontRef idx="minor">
+            <a:schemeClr val="lt1"/>
+          </a:fontRef>
+        </p:style>
+        <p:txBody>
+          <a:bodyPr rtlCol="0" anchor="t"/>
+          <a:lstStyle/>
+          <a:p>
+            <a:pPr algn="ctr"/>
+            <a:r>
+              <a:rPr lang="en-US" sz="2400" b="1" dirty="0" err="1">
+                <a:solidFill>
+                  <a:schemeClr val="tx1"/>
+                </a:solidFill>
+              </a:rPr>
+              <a:t>ts</a:t>
+            </a:r>
+            <a:endParaRPr lang="en-US" dirty="0">
+              <a:solidFill>
+                <a:schemeClr val="tx1"/>
+              </a:solidFill>
+            </a:endParaRPr>
+          </a:p>
+          <a:p>
+            <a:pPr marL="173038" indent="-173038">
+              <a:buFont typeface="Arial" panose="020B0604020202020204" pitchFamily="34" charset="0"/>
+              <a:buChar char="•"/>
+            </a:pPr>
+            <a:r>
+              <a:rPr lang="en-US" sz="1400" b="1" dirty="0">
+                <a:solidFill>
+                  <a:schemeClr val="tx1"/>
+                </a:solidFill>
+              </a:rPr>
+              <a:t>atm, </a:t>
+            </a:r>
+            <a:r>
+              <a:rPr lang="en-US" sz="1400" b="1" dirty="0" err="1">
+                <a:solidFill>
+                  <a:schemeClr val="tx1"/>
+                </a:solidFill>
+              </a:rPr>
+              <a:t>regridded</a:t>
+            </a:r>
+            <a:endParaRPr lang="en-US" sz="1400" b="1" dirty="0">
+              <a:solidFill>
+                <a:schemeClr val="tx1"/>
+              </a:solidFill>
+            </a:endParaRPr>
+          </a:p>
+          <a:p>
+            <a:pPr marL="173038" indent="-173038">
+              <a:buFont typeface="Arial" panose="020B0604020202020204" pitchFamily="34" charset="0"/>
+              <a:buChar char="•"/>
+            </a:pPr>
+            <a:r>
+              <a:rPr lang="en-US" sz="1400" b="1" dirty="0">
+                <a:solidFill>
+                  <a:schemeClr val="tx1"/>
+                </a:solidFill>
+              </a:rPr>
+              <a:t>Monthly</a:t>
+            </a:r>
+          </a:p>
+          <a:p>
+            <a:pPr marL="173038" indent="-173038">
+              <a:buFont typeface="Arial" panose="020B0604020202020204" pitchFamily="34" charset="0"/>
+              <a:buChar char="•"/>
+            </a:pPr>
+            <a:r>
+              <a:rPr lang="en-US" sz="1400" b="1" dirty="0">
+                <a:solidFill>
+                  <a:schemeClr val="tx1"/>
+                </a:solidFill>
+              </a:rPr>
+              <a:t>Years 1-10</a:t>
+            </a:r>
+          </a:p>
+        </p:txBody>
+      </p:sp>
+      <p:sp>
+        <p:nvSpPr>
+          <p:cNvPr id="14" name="Round Diagonal Corner Rectangle 13">
+            <a:extLst>
+              <a:ext uri="{FF2B5EF4-FFF2-40B4-BE49-F238E27FC236}">
+                <a16:creationId xmlns:a16="http://schemas.microsoft.com/office/drawing/2014/main" id="{EA4CB63B-FC62-284A-A951-473F0DCA51B4}"/>
+              </a:ext>
+            </a:extLst>
+          </p:cNvPr>
+          <p:cNvSpPr/>
+          <p:nvPr/>
+        </p:nvSpPr>
+        <p:spPr>
+          <a:xfrm>
+            <a:off x="1042848" y="4163401"/>
+            <a:ext cx="1766608" cy="1132857"/>
+          </a:xfrm>
+          <a:prstGeom prst="round2DiagRect">
+            <a:avLst/>
+          </a:prstGeom>
+          <a:solidFill>
+            <a:schemeClr val="accent2">
+              <a:lumMod val="40000"/>
+              <a:lumOff val="60000"/>
+            </a:schemeClr>
+          </a:solidFill>
+        </p:spPr>
+        <p:style>
+          <a:lnRef idx="2">
+            <a:schemeClr val="accent1">
+              <a:shade val="50000"/>
+            </a:schemeClr>
+          </a:lnRef>
+          <a:fillRef idx="1">
+            <a:schemeClr val="accent1"/>
+          </a:fillRef>
+          <a:effectRef idx="0">
+            <a:schemeClr val="accent1"/>
+          </a:effectRef>
+          <a:fontRef idx="minor">
+            <a:schemeClr val="lt1"/>
+          </a:fontRef>
+        </p:style>
+        <p:txBody>
+          <a:bodyPr rtlCol="0" anchor="t"/>
+          <a:lstStyle/>
+          <a:p>
+            <a:pPr algn="ctr"/>
+            <a:r>
+              <a:rPr lang="en-US" sz="2400" b="1" dirty="0" err="1">
+                <a:solidFill>
+                  <a:schemeClr val="tx1"/>
+                </a:solidFill>
+              </a:rPr>
+              <a:t>ts</a:t>
+            </a:r>
+            <a:endParaRPr lang="en-US" dirty="0">
+              <a:solidFill>
+                <a:schemeClr val="tx1"/>
+              </a:solidFill>
+            </a:endParaRPr>
+          </a:p>
+          <a:p>
+            <a:pPr marL="173038" indent="-173038">
+              <a:buFont typeface="Arial" panose="020B0604020202020204" pitchFamily="34" charset="0"/>
+              <a:buChar char="•"/>
+            </a:pPr>
+            <a:r>
+              <a:rPr lang="en-US" sz="1400" b="1" dirty="0">
+                <a:solidFill>
+                  <a:schemeClr val="tx1"/>
+                </a:solidFill>
+              </a:rPr>
+              <a:t>atm, </a:t>
+            </a:r>
+            <a:r>
+              <a:rPr lang="en-US" sz="1400" b="1" dirty="0" err="1">
+                <a:solidFill>
+                  <a:schemeClr val="tx1"/>
+                </a:solidFill>
+              </a:rPr>
+              <a:t>regridded</a:t>
+            </a:r>
+            <a:endParaRPr lang="en-US" sz="1400" b="1" dirty="0">
+              <a:solidFill>
+                <a:schemeClr val="tx1"/>
+              </a:solidFill>
+            </a:endParaRPr>
+          </a:p>
+          <a:p>
+            <a:pPr marL="173038" indent="-173038">
+              <a:buFont typeface="Arial" panose="020B0604020202020204" pitchFamily="34" charset="0"/>
+              <a:buChar char="•"/>
+            </a:pPr>
+            <a:r>
+              <a:rPr lang="en-US" sz="1400" b="1" dirty="0">
+                <a:solidFill>
+                  <a:schemeClr val="tx1"/>
+                </a:solidFill>
+              </a:rPr>
+              <a:t>Monthly</a:t>
+            </a:r>
+          </a:p>
+          <a:p>
+            <a:pPr marL="173038" indent="-173038">
+              <a:buFont typeface="Arial" panose="020B0604020202020204" pitchFamily="34" charset="0"/>
+              <a:buChar char="•"/>
+            </a:pPr>
+            <a:r>
+              <a:rPr lang="en-US" sz="1400" b="1" dirty="0">
+                <a:solidFill>
+                  <a:schemeClr val="tx1"/>
+                </a:solidFill>
+              </a:rPr>
+              <a:t>Years 11-20</a:t>
+            </a:r>
+          </a:p>
+        </p:txBody>
+      </p:sp>
+      <p:sp>
+        <p:nvSpPr>
+          <p:cNvPr id="52" name="Round Diagonal Corner Rectangle 51">
+            <a:extLst>
+              <a:ext uri="{FF2B5EF4-FFF2-40B4-BE49-F238E27FC236}">
+                <a16:creationId xmlns:a16="http://schemas.microsoft.com/office/drawing/2014/main" id="{B60D6D94-C1F4-364B-A68B-F628E572696D}"/>
+              </a:ext>
+            </a:extLst>
+          </p:cNvPr>
+          <p:cNvSpPr/>
+          <p:nvPr/>
+        </p:nvSpPr>
+        <p:spPr>
+          <a:xfrm>
+            <a:off x="7686199" y="2497733"/>
+            <a:ext cx="1826737" cy="710574"/>
+          </a:xfrm>
+          <a:prstGeom prst="round2DiagRect">
+            <a:avLst/>
+          </a:prstGeom>
+          <a:solidFill>
+            <a:schemeClr val="accent4">
+              <a:lumMod val="40000"/>
+              <a:lumOff val="60000"/>
+            </a:schemeClr>
+          </a:solidFill>
+        </p:spPr>
+        <p:style>
+          <a:lnRef idx="2">
+            <a:schemeClr val="accent1">
+              <a:shade val="50000"/>
+            </a:schemeClr>
+          </a:lnRef>
+          <a:fillRef idx="1">
+            <a:schemeClr val="accent1"/>
+          </a:fillRef>
+          <a:effectRef idx="0">
+            <a:schemeClr val="accent1"/>
+          </a:effectRef>
+          <a:fontRef idx="minor">
+            <a:schemeClr val="lt1"/>
+          </a:fontRef>
+        </p:style>
+        <p:txBody>
+          <a:bodyPr rtlCol="0" anchor="t"/>
+          <a:lstStyle/>
+          <a:p>
+            <a:pPr algn="ctr"/>
+            <a:r>
+              <a:rPr lang="en-US" sz="2400" b="1" dirty="0">
+                <a:solidFill>
+                  <a:schemeClr val="tx1"/>
+                </a:solidFill>
+              </a:rPr>
+              <a:t>e3sm_diags</a:t>
+            </a:r>
+          </a:p>
+          <a:p>
+            <a:pPr marL="130175" indent="-130175">
+              <a:buFont typeface="Arial" panose="020B0604020202020204" pitchFamily="34" charset="0"/>
+              <a:buChar char="•"/>
+            </a:pPr>
+            <a:r>
+              <a:rPr lang="en-US" sz="1400" b="1" dirty="0">
+                <a:solidFill>
+                  <a:schemeClr val="tx1"/>
+                </a:solidFill>
+              </a:rPr>
+              <a:t>Years 1-20</a:t>
+            </a:r>
+          </a:p>
+          <a:p>
+            <a:pPr algn="ctr"/>
+            <a:endParaRPr lang="en-US" dirty="0">
+              <a:solidFill>
+                <a:schemeClr val="tx1"/>
+              </a:solidFill>
+            </a:endParaRPr>
+          </a:p>
+        </p:txBody>
+      </p:sp>
+      <p:sp>
+        <p:nvSpPr>
+          <p:cNvPr id="99" name="Round Diagonal Corner Rectangle 98">
+            <a:extLst>
+              <a:ext uri="{FF2B5EF4-FFF2-40B4-BE49-F238E27FC236}">
+                <a16:creationId xmlns:a16="http://schemas.microsoft.com/office/drawing/2014/main" id="{3BC5F133-5D92-9E4A-87DA-E44FEB21CE32}"/>
+              </a:ext>
+            </a:extLst>
+          </p:cNvPr>
+          <p:cNvSpPr/>
+          <p:nvPr/>
+        </p:nvSpPr>
+        <p:spPr>
+          <a:xfrm>
+            <a:off x="1102976" y="1633148"/>
+            <a:ext cx="1706480" cy="1168024"/>
+          </a:xfrm>
+          <a:prstGeom prst="round2DiagRect">
+            <a:avLst/>
+          </a:prstGeom>
+          <a:solidFill>
+            <a:schemeClr val="accent3">
+              <a:lumMod val="40000"/>
+              <a:lumOff val="60000"/>
+            </a:schemeClr>
+          </a:solidFill>
+        </p:spPr>
+        <p:style>
+          <a:lnRef idx="2">
+            <a:schemeClr val="accent1">
+              <a:shade val="50000"/>
+            </a:schemeClr>
+          </a:lnRef>
+          <a:fillRef idx="1">
+            <a:schemeClr val="accent1"/>
+          </a:fillRef>
+          <a:effectRef idx="0">
+            <a:schemeClr val="accent1"/>
+          </a:effectRef>
+          <a:fontRef idx="minor">
+            <a:schemeClr val="lt1"/>
+          </a:fontRef>
+        </p:style>
+        <p:txBody>
+          <a:bodyPr rtlCol="0" anchor="t"/>
+          <a:lstStyle/>
+          <a:p>
+            <a:pPr algn="ctr"/>
+            <a:r>
+              <a:rPr lang="en-US" sz="2400" b="1" dirty="0" err="1">
+                <a:solidFill>
+                  <a:schemeClr val="tx1"/>
+                </a:solidFill>
+              </a:rPr>
+              <a:t>climo</a:t>
+            </a:r>
+            <a:endParaRPr lang="en-US" dirty="0">
+              <a:solidFill>
+                <a:schemeClr val="tx1"/>
+              </a:solidFill>
+            </a:endParaRPr>
+          </a:p>
+          <a:p>
+            <a:pPr marL="173038" indent="-173038">
+              <a:buFont typeface="Arial" panose="020B0604020202020204" pitchFamily="34" charset="0"/>
+              <a:buChar char="•"/>
+            </a:pPr>
+            <a:r>
+              <a:rPr lang="en-US" sz="1400" b="1" dirty="0">
+                <a:solidFill>
+                  <a:schemeClr val="tx1"/>
+                </a:solidFill>
+              </a:rPr>
+              <a:t>atm, </a:t>
+            </a:r>
+            <a:r>
+              <a:rPr lang="en-US" sz="1400" b="1" dirty="0" err="1">
+                <a:solidFill>
+                  <a:schemeClr val="tx1"/>
+                </a:solidFill>
+              </a:rPr>
+              <a:t>regridded</a:t>
+            </a:r>
+            <a:endParaRPr lang="en-US" sz="1400" b="1" dirty="0">
+              <a:solidFill>
+                <a:schemeClr val="tx1"/>
+              </a:solidFill>
+            </a:endParaRPr>
+          </a:p>
+          <a:p>
+            <a:pPr marL="173038" indent="-173038">
+              <a:buFont typeface="Arial" panose="020B0604020202020204" pitchFamily="34" charset="0"/>
+              <a:buChar char="•"/>
+            </a:pPr>
+            <a:r>
+              <a:rPr lang="en-US" sz="1400" b="1" dirty="0">
+                <a:solidFill>
+                  <a:schemeClr val="tx1"/>
+                </a:solidFill>
+              </a:rPr>
+              <a:t>Diurnal</a:t>
+            </a:r>
+          </a:p>
+          <a:p>
+            <a:pPr marL="173038" indent="-173038">
+              <a:buFont typeface="Arial" panose="020B0604020202020204" pitchFamily="34" charset="0"/>
+              <a:buChar char="•"/>
+            </a:pPr>
+            <a:r>
+              <a:rPr lang="en-US" sz="1400" b="1" dirty="0">
+                <a:solidFill>
+                  <a:schemeClr val="tx1"/>
+                </a:solidFill>
+              </a:rPr>
+              <a:t>Years 1-20</a:t>
+            </a:r>
+          </a:p>
+        </p:txBody>
+      </p:sp>
+      <p:cxnSp>
+        <p:nvCxnSpPr>
+          <p:cNvPr id="58" name="Straight Arrow Connector 57">
+            <a:extLst>
+              <a:ext uri="{FF2B5EF4-FFF2-40B4-BE49-F238E27FC236}">
+                <a16:creationId xmlns:a16="http://schemas.microsoft.com/office/drawing/2014/main" id="{0C92C97B-54D4-E541-B8F9-4D944132670C}"/>
+              </a:ext>
+            </a:extLst>
+          </p:cNvPr>
+          <p:cNvCxnSpPr>
+            <a:cxnSpLocks/>
+            <a:stCxn id="51" idx="0"/>
+          </p:cNvCxnSpPr>
+          <p:nvPr/>
+        </p:nvCxnSpPr>
+        <p:spPr>
+          <a:xfrm>
+            <a:off x="2809456" y="871130"/>
+            <a:ext cx="4876743" cy="1816411"/>
+          </a:xfrm>
+          <a:prstGeom prst="straightConnector1">
+            <a:avLst/>
+          </a:prstGeom>
+          <a:ln w="38100">
+            <a:tailEnd type="triangle"/>
+          </a:ln>
+        </p:spPr>
+        <p:style>
+          <a:lnRef idx="1">
+            <a:schemeClr val="accent1"/>
+          </a:lnRef>
+          <a:fillRef idx="0">
+            <a:schemeClr val="accent1"/>
+          </a:fillRef>
+          <a:effectRef idx="0">
+            <a:schemeClr val="accent1"/>
+          </a:effectRef>
+          <a:fontRef idx="minor">
+            <a:schemeClr val="tx1"/>
+          </a:fontRef>
+        </p:style>
+      </p:cxnSp>
+      <p:cxnSp>
+        <p:nvCxnSpPr>
+          <p:cNvPr id="59" name="Straight Arrow Connector 58">
+            <a:extLst>
+              <a:ext uri="{FF2B5EF4-FFF2-40B4-BE49-F238E27FC236}">
+                <a16:creationId xmlns:a16="http://schemas.microsoft.com/office/drawing/2014/main" id="{3A43D56D-628A-1D42-A00E-02807E345F62}"/>
+              </a:ext>
+            </a:extLst>
+          </p:cNvPr>
+          <p:cNvCxnSpPr>
+            <a:cxnSpLocks/>
+            <a:stCxn id="99" idx="0"/>
+            <a:endCxn id="52" idx="2"/>
+          </p:cNvCxnSpPr>
+          <p:nvPr/>
+        </p:nvCxnSpPr>
+        <p:spPr>
+          <a:xfrm>
+            <a:off x="2809456" y="2217160"/>
+            <a:ext cx="4876743" cy="635860"/>
+          </a:xfrm>
+          <a:prstGeom prst="straightConnector1">
+            <a:avLst/>
+          </a:prstGeom>
+          <a:ln w="38100">
+            <a:solidFill>
+              <a:schemeClr val="accent1"/>
+            </a:solidFill>
+            <a:prstDash val="sysDash"/>
+            <a:tailEnd type="triangle"/>
+          </a:ln>
+        </p:spPr>
+        <p:style>
+          <a:lnRef idx="1">
+            <a:schemeClr val="accent1"/>
+          </a:lnRef>
+          <a:fillRef idx="0">
+            <a:schemeClr val="accent1"/>
+          </a:fillRef>
+          <a:effectRef idx="0">
+            <a:schemeClr val="accent1"/>
+          </a:effectRef>
+          <a:fontRef idx="minor">
+            <a:schemeClr val="tx1"/>
+          </a:fontRef>
+        </p:style>
+      </p:cxnSp>
+      <p:cxnSp>
+        <p:nvCxnSpPr>
+          <p:cNvPr id="61" name="Straight Arrow Connector 60">
+            <a:extLst>
+              <a:ext uri="{FF2B5EF4-FFF2-40B4-BE49-F238E27FC236}">
+                <a16:creationId xmlns:a16="http://schemas.microsoft.com/office/drawing/2014/main" id="{80D7E767-1051-F64C-91FB-28D87071BE48}"/>
+              </a:ext>
+            </a:extLst>
+          </p:cNvPr>
+          <p:cNvCxnSpPr>
+            <a:cxnSpLocks/>
+            <a:stCxn id="6" idx="0"/>
+          </p:cNvCxnSpPr>
+          <p:nvPr/>
+        </p:nvCxnSpPr>
+        <p:spPr>
+          <a:xfrm flipV="1">
+            <a:off x="2794025" y="2926974"/>
+            <a:ext cx="4907605" cy="610114"/>
+          </a:xfrm>
+          <a:prstGeom prst="straightConnector1">
+            <a:avLst/>
+          </a:prstGeom>
+          <a:ln w="38100">
+            <a:solidFill>
+              <a:schemeClr val="accent1"/>
+            </a:solidFill>
+            <a:prstDash val="sysDash"/>
+            <a:tailEnd type="triangle"/>
+          </a:ln>
+        </p:spPr>
+        <p:style>
+          <a:lnRef idx="1">
+            <a:schemeClr val="accent1"/>
+          </a:lnRef>
+          <a:fillRef idx="0">
+            <a:schemeClr val="accent1"/>
+          </a:fillRef>
+          <a:effectRef idx="0">
+            <a:schemeClr val="accent1"/>
+          </a:effectRef>
+          <a:fontRef idx="minor">
+            <a:schemeClr val="tx1"/>
+          </a:fontRef>
+        </p:style>
+      </p:cxnSp>
+      <p:cxnSp>
+        <p:nvCxnSpPr>
+          <p:cNvPr id="65" name="Straight Arrow Connector 64">
+            <a:extLst>
+              <a:ext uri="{FF2B5EF4-FFF2-40B4-BE49-F238E27FC236}">
+                <a16:creationId xmlns:a16="http://schemas.microsoft.com/office/drawing/2014/main" id="{9F6E2DE0-5881-EF40-A166-E9BB7C6DE92B}"/>
+              </a:ext>
+            </a:extLst>
+          </p:cNvPr>
+          <p:cNvCxnSpPr>
+            <a:cxnSpLocks/>
+            <a:stCxn id="14" idx="0"/>
+          </p:cNvCxnSpPr>
+          <p:nvPr/>
+        </p:nvCxnSpPr>
+        <p:spPr>
+          <a:xfrm flipV="1">
+            <a:off x="2809456" y="3092064"/>
+            <a:ext cx="4876743" cy="1637766"/>
+          </a:xfrm>
+          <a:prstGeom prst="straightConnector1">
+            <a:avLst/>
+          </a:prstGeom>
+          <a:ln w="38100">
+            <a:solidFill>
+              <a:schemeClr val="accent1"/>
+            </a:solidFill>
+            <a:prstDash val="sysDash"/>
+            <a:tailEnd type="triangle"/>
+          </a:ln>
+        </p:spPr>
+        <p:style>
+          <a:lnRef idx="1">
+            <a:schemeClr val="accent1"/>
+          </a:lnRef>
+          <a:fillRef idx="0">
+            <a:schemeClr val="accent1"/>
+          </a:fillRef>
+          <a:effectRef idx="0">
+            <a:schemeClr val="accent1"/>
+          </a:effectRef>
+          <a:fontRef idx="minor">
+            <a:schemeClr val="tx1"/>
+          </a:fontRef>
+        </p:style>
+      </p:cxnSp>
+      <p:sp>
+        <p:nvSpPr>
+          <p:cNvPr id="30" name="TextBox 29">
+            <a:extLst>
+              <a:ext uri="{FF2B5EF4-FFF2-40B4-BE49-F238E27FC236}">
+                <a16:creationId xmlns:a16="http://schemas.microsoft.com/office/drawing/2014/main" id="{B4656F5C-5DE8-644D-9A91-2C07FA02A34D}"/>
+              </a:ext>
+            </a:extLst>
+          </p:cNvPr>
+          <p:cNvSpPr txBox="1"/>
+          <p:nvPr/>
+        </p:nvSpPr>
+        <p:spPr>
+          <a:xfrm>
+            <a:off x="3221007" y="1940967"/>
+            <a:ext cx="2026820" cy="369332"/>
+          </a:xfrm>
+          <a:prstGeom prst="rect">
+            <a:avLst/>
+          </a:prstGeom>
+          <a:noFill/>
+        </p:spPr>
+        <p:txBody>
+          <a:bodyPr wrap="square" rtlCol="0">
+            <a:spAutoFit/>
+          </a:bodyPr>
+          <a:lstStyle/>
+          <a:p>
+            <a:r>
+              <a:rPr lang="en-US" dirty="0"/>
+              <a:t>Diurnal Cycle</a:t>
+            </a:r>
+          </a:p>
+        </p:txBody>
+      </p:sp>
+      <p:sp>
+        <p:nvSpPr>
+          <p:cNvPr id="70" name="TextBox 69">
+            <a:extLst>
+              <a:ext uri="{FF2B5EF4-FFF2-40B4-BE49-F238E27FC236}">
+                <a16:creationId xmlns:a16="http://schemas.microsoft.com/office/drawing/2014/main" id="{D01C76A9-10EA-C245-B14D-D9F6C2F3D5B3}"/>
+              </a:ext>
+            </a:extLst>
+          </p:cNvPr>
+          <p:cNvSpPr txBox="1"/>
+          <p:nvPr/>
+        </p:nvSpPr>
+        <p:spPr>
+          <a:xfrm>
+            <a:off x="2947142" y="3489979"/>
+            <a:ext cx="2801586" cy="923330"/>
+          </a:xfrm>
+          <a:prstGeom prst="rect">
+            <a:avLst/>
+          </a:prstGeom>
+          <a:noFill/>
+        </p:spPr>
+        <p:txBody>
+          <a:bodyPr wrap="square" rtlCol="0">
+            <a:spAutoFit/>
+          </a:bodyPr>
+          <a:lstStyle/>
+          <a:p>
+            <a:r>
+              <a:rPr lang="en-US" dirty="0"/>
+              <a:t>Area Mean Time Series</a:t>
+            </a:r>
+          </a:p>
+          <a:p>
+            <a:r>
+              <a:rPr lang="en-US" dirty="0"/>
+              <a:t>ENSO</a:t>
+            </a:r>
+          </a:p>
+          <a:p>
+            <a:r>
+              <a:rPr lang="en-US" dirty="0"/>
+              <a:t>QBO</a:t>
+            </a:r>
+          </a:p>
+        </p:txBody>
+      </p:sp>
+      <p:sp>
+        <p:nvSpPr>
+          <p:cNvPr id="82" name="Round Diagonal Corner Rectangle 81">
+            <a:extLst>
+              <a:ext uri="{FF2B5EF4-FFF2-40B4-BE49-F238E27FC236}">
+                <a16:creationId xmlns:a16="http://schemas.microsoft.com/office/drawing/2014/main" id="{98B57922-CEC6-8A4C-86E8-A66F850B65FA}"/>
+              </a:ext>
+            </a:extLst>
+          </p:cNvPr>
+          <p:cNvSpPr/>
+          <p:nvPr/>
+        </p:nvSpPr>
+        <p:spPr>
+          <a:xfrm>
+            <a:off x="995418" y="6056379"/>
+            <a:ext cx="1706480" cy="1019888"/>
+          </a:xfrm>
+          <a:prstGeom prst="round2DiagRect">
+            <a:avLst/>
+          </a:prstGeom>
+          <a:solidFill>
+            <a:schemeClr val="accent2">
+              <a:lumMod val="40000"/>
+              <a:lumOff val="60000"/>
+            </a:schemeClr>
+          </a:solidFill>
+        </p:spPr>
+        <p:style>
+          <a:lnRef idx="2">
+            <a:schemeClr val="accent1">
+              <a:shade val="50000"/>
+            </a:schemeClr>
+          </a:lnRef>
+          <a:fillRef idx="1">
+            <a:schemeClr val="accent1"/>
+          </a:fillRef>
+          <a:effectRef idx="0">
+            <a:schemeClr val="accent1"/>
+          </a:effectRef>
+          <a:fontRef idx="minor">
+            <a:schemeClr val="lt1"/>
+          </a:fontRef>
+        </p:style>
+        <p:txBody>
+          <a:bodyPr rtlCol="0" anchor="t"/>
+          <a:lstStyle/>
+          <a:p>
+            <a:pPr algn="ctr"/>
+            <a:r>
+              <a:rPr lang="en-US" sz="2400" b="1" dirty="0" err="1">
+                <a:solidFill>
+                  <a:schemeClr val="tx1"/>
+                </a:solidFill>
+              </a:rPr>
+              <a:t>ts</a:t>
+            </a:r>
+            <a:endParaRPr lang="en-US" dirty="0">
+              <a:solidFill>
+                <a:schemeClr val="tx1"/>
+              </a:solidFill>
+            </a:endParaRPr>
+          </a:p>
+          <a:p>
+            <a:pPr marL="173038" indent="-173038">
+              <a:buFont typeface="Arial" panose="020B0604020202020204" pitchFamily="34" charset="0"/>
+              <a:buChar char="•"/>
+            </a:pPr>
+            <a:r>
+              <a:rPr lang="en-US" sz="1400" b="1" dirty="0">
+                <a:solidFill>
+                  <a:schemeClr val="tx1"/>
+                </a:solidFill>
+              </a:rPr>
+              <a:t>atm, global</a:t>
+            </a:r>
+          </a:p>
+          <a:p>
+            <a:pPr marL="173038" indent="-173038">
+              <a:buFont typeface="Arial" panose="020B0604020202020204" pitchFamily="34" charset="0"/>
+              <a:buChar char="•"/>
+            </a:pPr>
+            <a:r>
+              <a:rPr lang="en-US" sz="1400" b="1" dirty="0">
+                <a:solidFill>
+                  <a:schemeClr val="tx1"/>
+                </a:solidFill>
+              </a:rPr>
+              <a:t>Years 1-10</a:t>
+            </a:r>
+          </a:p>
+        </p:txBody>
+      </p:sp>
+      <p:sp>
+        <p:nvSpPr>
+          <p:cNvPr id="83" name="Round Diagonal Corner Rectangle 82">
+            <a:extLst>
+              <a:ext uri="{FF2B5EF4-FFF2-40B4-BE49-F238E27FC236}">
+                <a16:creationId xmlns:a16="http://schemas.microsoft.com/office/drawing/2014/main" id="{D47942CB-B20B-F34C-A1A0-10F1E9E50229}"/>
+              </a:ext>
+            </a:extLst>
+          </p:cNvPr>
+          <p:cNvSpPr/>
+          <p:nvPr/>
+        </p:nvSpPr>
+        <p:spPr>
+          <a:xfrm>
+            <a:off x="977802" y="7946862"/>
+            <a:ext cx="1706480" cy="1019888"/>
+          </a:xfrm>
+          <a:prstGeom prst="round2DiagRect">
+            <a:avLst/>
+          </a:prstGeom>
+          <a:solidFill>
+            <a:schemeClr val="accent2">
+              <a:lumMod val="40000"/>
+              <a:lumOff val="60000"/>
+            </a:schemeClr>
+          </a:solidFill>
+        </p:spPr>
+        <p:style>
+          <a:lnRef idx="2">
+            <a:schemeClr val="accent1">
+              <a:shade val="50000"/>
+            </a:schemeClr>
+          </a:lnRef>
+          <a:fillRef idx="1">
+            <a:schemeClr val="accent1"/>
+          </a:fillRef>
+          <a:effectRef idx="0">
+            <a:schemeClr val="accent1"/>
+          </a:effectRef>
+          <a:fontRef idx="minor">
+            <a:schemeClr val="lt1"/>
+          </a:fontRef>
+        </p:style>
+        <p:txBody>
+          <a:bodyPr rtlCol="0" anchor="t"/>
+          <a:lstStyle/>
+          <a:p>
+            <a:pPr algn="ctr"/>
+            <a:r>
+              <a:rPr lang="en-US" sz="2400" b="1" dirty="0" err="1">
+                <a:solidFill>
+                  <a:schemeClr val="tx1"/>
+                </a:solidFill>
+              </a:rPr>
+              <a:t>ts</a:t>
+            </a:r>
+            <a:endParaRPr lang="en-US" dirty="0">
+              <a:solidFill>
+                <a:schemeClr val="tx1"/>
+              </a:solidFill>
+            </a:endParaRPr>
+          </a:p>
+          <a:p>
+            <a:pPr marL="173038" indent="-173038">
+              <a:buFont typeface="Arial" panose="020B0604020202020204" pitchFamily="34" charset="0"/>
+              <a:buChar char="•"/>
+            </a:pPr>
+            <a:r>
+              <a:rPr lang="en-US" sz="1400" b="1" dirty="0">
+                <a:solidFill>
+                  <a:schemeClr val="tx1"/>
+                </a:solidFill>
+              </a:rPr>
+              <a:t>atm, global</a:t>
+            </a:r>
+          </a:p>
+          <a:p>
+            <a:pPr marL="173038" indent="-173038">
+              <a:buFont typeface="Arial" panose="020B0604020202020204" pitchFamily="34" charset="0"/>
+              <a:buChar char="•"/>
+            </a:pPr>
+            <a:r>
+              <a:rPr lang="en-US" sz="1400" b="1" dirty="0">
+                <a:solidFill>
+                  <a:schemeClr val="tx1"/>
+                </a:solidFill>
+              </a:rPr>
+              <a:t>Years 41-50</a:t>
+            </a:r>
+          </a:p>
+        </p:txBody>
+      </p:sp>
+      <p:sp>
+        <p:nvSpPr>
+          <p:cNvPr id="84" name="Round Diagonal Corner Rectangle 83">
+            <a:extLst>
+              <a:ext uri="{FF2B5EF4-FFF2-40B4-BE49-F238E27FC236}">
+                <a16:creationId xmlns:a16="http://schemas.microsoft.com/office/drawing/2014/main" id="{FD51B8A4-FE5C-D245-A208-F0F94BC045AD}"/>
+              </a:ext>
+            </a:extLst>
+          </p:cNvPr>
+          <p:cNvSpPr/>
+          <p:nvPr/>
+        </p:nvSpPr>
+        <p:spPr>
+          <a:xfrm>
+            <a:off x="5272023" y="8444084"/>
+            <a:ext cx="2395848" cy="868407"/>
+          </a:xfrm>
+          <a:prstGeom prst="round2DiagRect">
+            <a:avLst/>
+          </a:prstGeom>
+          <a:solidFill>
+            <a:schemeClr val="accent6">
+              <a:lumMod val="40000"/>
+              <a:lumOff val="60000"/>
+            </a:schemeClr>
+          </a:solidFill>
+        </p:spPr>
+        <p:style>
+          <a:lnRef idx="2">
+            <a:schemeClr val="accent1">
+              <a:shade val="50000"/>
+            </a:schemeClr>
+          </a:lnRef>
+          <a:fillRef idx="1">
+            <a:schemeClr val="accent1"/>
+          </a:fillRef>
+          <a:effectRef idx="0">
+            <a:schemeClr val="accent1"/>
+          </a:effectRef>
+          <a:fontRef idx="minor">
+            <a:schemeClr val="lt1"/>
+          </a:fontRef>
+        </p:style>
+        <p:txBody>
+          <a:bodyPr rtlCol="0" anchor="t"/>
+          <a:lstStyle/>
+          <a:p>
+            <a:pPr algn="ctr"/>
+            <a:r>
+              <a:rPr lang="en-US" sz="2000" b="1" dirty="0" err="1">
+                <a:solidFill>
+                  <a:schemeClr val="tx1"/>
+                </a:solidFill>
+              </a:rPr>
+              <a:t>global_time_series</a:t>
+            </a:r>
+            <a:endParaRPr lang="en-US" sz="2000" b="1" dirty="0">
+              <a:solidFill>
+                <a:schemeClr val="tx1"/>
+              </a:solidFill>
+            </a:endParaRPr>
+          </a:p>
+          <a:p>
+            <a:pPr marL="130175" indent="-130175">
+              <a:buFont typeface="Arial" panose="020B0604020202020204" pitchFamily="34" charset="0"/>
+              <a:buChar char="•"/>
+            </a:pPr>
+            <a:r>
+              <a:rPr lang="en-US" sz="1400" b="1" dirty="0">
+                <a:solidFill>
+                  <a:schemeClr val="tx1"/>
+                </a:solidFill>
+              </a:rPr>
+              <a:t>Time series years: 1-50</a:t>
+            </a:r>
+          </a:p>
+          <a:p>
+            <a:pPr marL="130175" indent="-130175">
+              <a:buFont typeface="Arial" panose="020B0604020202020204" pitchFamily="34" charset="0"/>
+              <a:buChar char="•"/>
+            </a:pPr>
+            <a:r>
+              <a:rPr lang="en-US" sz="1400" b="1" dirty="0">
+                <a:solidFill>
+                  <a:schemeClr val="tx1"/>
+                </a:solidFill>
+              </a:rPr>
+              <a:t>Climatology years: 21-50</a:t>
+            </a:r>
+          </a:p>
+          <a:p>
+            <a:pPr algn="ctr"/>
+            <a:endParaRPr lang="en-US" dirty="0">
+              <a:solidFill>
+                <a:schemeClr val="tx1"/>
+              </a:solidFill>
+            </a:endParaRPr>
+          </a:p>
+        </p:txBody>
+      </p:sp>
+      <p:cxnSp>
+        <p:nvCxnSpPr>
+          <p:cNvPr id="87" name="Straight Arrow Connector 86">
+            <a:extLst>
+              <a:ext uri="{FF2B5EF4-FFF2-40B4-BE49-F238E27FC236}">
+                <a16:creationId xmlns:a16="http://schemas.microsoft.com/office/drawing/2014/main" id="{510B251F-5232-C04A-9599-159935B39160}"/>
+              </a:ext>
+            </a:extLst>
+          </p:cNvPr>
+          <p:cNvCxnSpPr>
+            <a:cxnSpLocks/>
+            <a:stCxn id="82" idx="0"/>
+          </p:cNvCxnSpPr>
+          <p:nvPr/>
+        </p:nvCxnSpPr>
+        <p:spPr>
+          <a:xfrm>
+            <a:off x="2701898" y="6566323"/>
+            <a:ext cx="2570125" cy="2166160"/>
+          </a:xfrm>
+          <a:prstGeom prst="straightConnector1">
+            <a:avLst/>
+          </a:prstGeom>
+          <a:ln w="38100">
+            <a:tailEnd type="triangle"/>
+          </a:ln>
+        </p:spPr>
+        <p:style>
+          <a:lnRef idx="1">
+            <a:schemeClr val="accent1"/>
+          </a:lnRef>
+          <a:fillRef idx="0">
+            <a:schemeClr val="accent1"/>
+          </a:fillRef>
+          <a:effectRef idx="0">
+            <a:schemeClr val="accent1"/>
+          </a:effectRef>
+          <a:fontRef idx="minor">
+            <a:schemeClr val="tx1"/>
+          </a:fontRef>
+        </p:style>
+      </p:cxnSp>
+      <p:cxnSp>
+        <p:nvCxnSpPr>
+          <p:cNvPr id="88" name="Straight Arrow Connector 87">
+            <a:extLst>
+              <a:ext uri="{FF2B5EF4-FFF2-40B4-BE49-F238E27FC236}">
+                <a16:creationId xmlns:a16="http://schemas.microsoft.com/office/drawing/2014/main" id="{52F4059B-5560-5E49-8116-21B230D04839}"/>
+              </a:ext>
+            </a:extLst>
+          </p:cNvPr>
+          <p:cNvCxnSpPr>
+            <a:cxnSpLocks/>
+            <a:stCxn id="83" idx="0"/>
+            <a:endCxn id="84" idx="2"/>
+          </p:cNvCxnSpPr>
+          <p:nvPr/>
+        </p:nvCxnSpPr>
+        <p:spPr>
+          <a:xfrm>
+            <a:off x="2684282" y="8456806"/>
+            <a:ext cx="2587741" cy="421482"/>
+          </a:xfrm>
+          <a:prstGeom prst="straightConnector1">
+            <a:avLst/>
+          </a:prstGeom>
+          <a:ln w="38100">
+            <a:tailEnd type="triangle"/>
+          </a:ln>
+        </p:spPr>
+        <p:style>
+          <a:lnRef idx="1">
+            <a:schemeClr val="accent1"/>
+          </a:lnRef>
+          <a:fillRef idx="0">
+            <a:schemeClr val="accent1"/>
+          </a:fillRef>
+          <a:effectRef idx="0">
+            <a:schemeClr val="accent1"/>
+          </a:effectRef>
+          <a:fontRef idx="minor">
+            <a:schemeClr val="tx1"/>
+          </a:fontRef>
+        </p:style>
+      </p:cxnSp>
+      <p:cxnSp>
+        <p:nvCxnSpPr>
+          <p:cNvPr id="89" name="Straight Connector 88">
+            <a:extLst>
+              <a:ext uri="{FF2B5EF4-FFF2-40B4-BE49-F238E27FC236}">
+                <a16:creationId xmlns:a16="http://schemas.microsoft.com/office/drawing/2014/main" id="{173AB570-EBAE-BD48-AA60-166188A6415D}"/>
+              </a:ext>
+            </a:extLst>
+          </p:cNvPr>
+          <p:cNvCxnSpPr>
+            <a:cxnSpLocks/>
+          </p:cNvCxnSpPr>
+          <p:nvPr/>
+        </p:nvCxnSpPr>
+        <p:spPr>
+          <a:xfrm>
+            <a:off x="1808555" y="7207040"/>
+            <a:ext cx="0" cy="578650"/>
+          </a:xfrm>
+          <a:prstGeom prst="line">
+            <a:avLst/>
+          </a:prstGeom>
+          <a:ln w="63500">
+            <a:prstDash val="sysDot"/>
+          </a:ln>
+        </p:spPr>
+        <p:style>
+          <a:lnRef idx="1">
+            <a:schemeClr val="dk1"/>
+          </a:lnRef>
+          <a:fillRef idx="0">
+            <a:schemeClr val="dk1"/>
+          </a:fillRef>
+          <a:effectRef idx="0">
+            <a:schemeClr val="dk1"/>
+          </a:effectRef>
+          <a:fontRef idx="minor">
+            <a:schemeClr val="tx1"/>
+          </a:fontRef>
+        </p:style>
+      </p:cxnSp>
+      <p:cxnSp>
+        <p:nvCxnSpPr>
+          <p:cNvPr id="90" name="Straight Arrow Connector 89">
+            <a:extLst>
+              <a:ext uri="{FF2B5EF4-FFF2-40B4-BE49-F238E27FC236}">
+                <a16:creationId xmlns:a16="http://schemas.microsoft.com/office/drawing/2014/main" id="{B7C407B3-147E-A54B-AE8B-2EE006EDA6E5}"/>
+              </a:ext>
+            </a:extLst>
+          </p:cNvPr>
+          <p:cNvCxnSpPr>
+            <a:cxnSpLocks/>
+          </p:cNvCxnSpPr>
+          <p:nvPr/>
+        </p:nvCxnSpPr>
+        <p:spPr>
+          <a:xfrm flipV="1">
+            <a:off x="2764752" y="9035109"/>
+            <a:ext cx="2520925" cy="907889"/>
+          </a:xfrm>
+          <a:prstGeom prst="straightConnector1">
+            <a:avLst/>
+          </a:prstGeom>
+          <a:ln w="38100">
+            <a:tailEnd type="triangle"/>
+          </a:ln>
+        </p:spPr>
+        <p:style>
+          <a:lnRef idx="1">
+            <a:schemeClr val="accent1"/>
+          </a:lnRef>
+          <a:fillRef idx="0">
+            <a:schemeClr val="accent1"/>
+          </a:fillRef>
+          <a:effectRef idx="0">
+            <a:schemeClr val="accent1"/>
+          </a:effectRef>
+          <a:fontRef idx="minor">
+            <a:schemeClr val="tx1"/>
+          </a:fontRef>
+        </p:style>
+      </p:cxnSp>
+      <p:sp>
+        <p:nvSpPr>
+          <p:cNvPr id="91" name="Round Diagonal Corner Rectangle 90">
+            <a:extLst>
+              <a:ext uri="{FF2B5EF4-FFF2-40B4-BE49-F238E27FC236}">
+                <a16:creationId xmlns:a16="http://schemas.microsoft.com/office/drawing/2014/main" id="{E735A35E-3B42-D74A-9D63-AC7C96267A20}"/>
+              </a:ext>
+            </a:extLst>
+          </p:cNvPr>
+          <p:cNvSpPr/>
+          <p:nvPr/>
+        </p:nvSpPr>
+        <p:spPr>
+          <a:xfrm>
+            <a:off x="9512936" y="10935175"/>
+            <a:ext cx="2395848" cy="868406"/>
+          </a:xfrm>
+          <a:prstGeom prst="round2DiagRect">
+            <a:avLst/>
+          </a:prstGeom>
+          <a:solidFill>
+            <a:schemeClr val="accent6">
+              <a:lumMod val="40000"/>
+              <a:lumOff val="60000"/>
+            </a:schemeClr>
+          </a:solidFill>
+        </p:spPr>
+        <p:style>
+          <a:lnRef idx="2">
+            <a:schemeClr val="accent1">
+              <a:shade val="50000"/>
+            </a:schemeClr>
+          </a:lnRef>
+          <a:fillRef idx="1">
+            <a:schemeClr val="accent1"/>
+          </a:fillRef>
+          <a:effectRef idx="0">
+            <a:schemeClr val="accent1"/>
+          </a:effectRef>
+          <a:fontRef idx="minor">
+            <a:schemeClr val="lt1"/>
+          </a:fontRef>
+        </p:style>
+        <p:txBody>
+          <a:bodyPr rtlCol="0" anchor="t"/>
+          <a:lstStyle/>
+          <a:p>
+            <a:pPr algn="ctr"/>
+            <a:r>
+              <a:rPr lang="en-US" sz="2000" b="1" dirty="0" err="1">
+                <a:solidFill>
+                  <a:schemeClr val="tx1"/>
+                </a:solidFill>
+              </a:rPr>
+              <a:t>global_time_series</a:t>
+            </a:r>
+            <a:endParaRPr lang="en-US" sz="2000" b="1" dirty="0">
+              <a:solidFill>
+                <a:schemeClr val="tx1"/>
+              </a:solidFill>
+            </a:endParaRPr>
+          </a:p>
+          <a:p>
+            <a:pPr marL="130175" indent="-130175">
+              <a:buFont typeface="Arial" panose="020B0604020202020204" pitchFamily="34" charset="0"/>
+              <a:buChar char="•"/>
+            </a:pPr>
+            <a:r>
+              <a:rPr lang="en-US" sz="1400" b="1" dirty="0">
+                <a:solidFill>
+                  <a:schemeClr val="tx1"/>
+                </a:solidFill>
+              </a:rPr>
+              <a:t>Time series years: 51-100</a:t>
+            </a:r>
+          </a:p>
+          <a:p>
+            <a:pPr marL="130175" indent="-130175">
+              <a:buFont typeface="Arial" panose="020B0604020202020204" pitchFamily="34" charset="0"/>
+              <a:buChar char="•"/>
+            </a:pPr>
+            <a:r>
+              <a:rPr lang="en-US" sz="1400" b="1" dirty="0">
+                <a:solidFill>
+                  <a:schemeClr val="tx1"/>
+                </a:solidFill>
+              </a:rPr>
+              <a:t>Climatology years: 51-100</a:t>
+            </a:r>
+          </a:p>
+          <a:p>
+            <a:pPr algn="ctr"/>
+            <a:endParaRPr lang="en-US" dirty="0">
+              <a:solidFill>
+                <a:schemeClr val="tx1"/>
+              </a:solidFill>
+            </a:endParaRPr>
+          </a:p>
+        </p:txBody>
+      </p:sp>
+      <p:cxnSp>
+        <p:nvCxnSpPr>
+          <p:cNvPr id="92" name="Straight Arrow Connector 91">
+            <a:extLst>
+              <a:ext uri="{FF2B5EF4-FFF2-40B4-BE49-F238E27FC236}">
+                <a16:creationId xmlns:a16="http://schemas.microsoft.com/office/drawing/2014/main" id="{F71C1469-F92E-4C4C-84B3-44D3D53FE399}"/>
+              </a:ext>
+            </a:extLst>
+          </p:cNvPr>
+          <p:cNvCxnSpPr>
+            <a:cxnSpLocks/>
+          </p:cNvCxnSpPr>
+          <p:nvPr/>
+        </p:nvCxnSpPr>
+        <p:spPr>
+          <a:xfrm>
+            <a:off x="2764752" y="9942997"/>
+            <a:ext cx="2511945" cy="209417"/>
+          </a:xfrm>
+          <a:prstGeom prst="straightConnector1">
+            <a:avLst/>
+          </a:prstGeom>
+          <a:ln w="38100">
+            <a:tailEnd type="triangle"/>
+          </a:ln>
+        </p:spPr>
+        <p:style>
+          <a:lnRef idx="1">
+            <a:schemeClr val="accent1"/>
+          </a:lnRef>
+          <a:fillRef idx="0">
+            <a:schemeClr val="accent1"/>
+          </a:fillRef>
+          <a:effectRef idx="0">
+            <a:schemeClr val="accent1"/>
+          </a:effectRef>
+          <a:fontRef idx="minor">
+            <a:schemeClr val="tx1"/>
+          </a:fontRef>
+        </p:style>
+      </p:cxnSp>
+      <p:cxnSp>
+        <p:nvCxnSpPr>
+          <p:cNvPr id="93" name="Straight Connector 92">
+            <a:extLst>
+              <a:ext uri="{FF2B5EF4-FFF2-40B4-BE49-F238E27FC236}">
+                <a16:creationId xmlns:a16="http://schemas.microsoft.com/office/drawing/2014/main" id="{DB9F530E-D713-924B-AC88-554F011B11DE}"/>
+              </a:ext>
+            </a:extLst>
+          </p:cNvPr>
+          <p:cNvCxnSpPr>
+            <a:cxnSpLocks/>
+          </p:cNvCxnSpPr>
+          <p:nvPr/>
+        </p:nvCxnSpPr>
+        <p:spPr>
+          <a:xfrm flipV="1">
+            <a:off x="977802" y="5688767"/>
+            <a:ext cx="12206047" cy="80372"/>
+          </a:xfrm>
+          <a:prstGeom prst="line">
+            <a:avLst/>
+          </a:prstGeom>
+          <a:ln w="63500">
+            <a:prstDash val="solid"/>
+          </a:ln>
+        </p:spPr>
+        <p:style>
+          <a:lnRef idx="1">
+            <a:schemeClr val="dk1"/>
+          </a:lnRef>
+          <a:fillRef idx="0">
+            <a:schemeClr val="dk1"/>
+          </a:fillRef>
+          <a:effectRef idx="0">
+            <a:schemeClr val="dk1"/>
+          </a:effectRef>
+          <a:fontRef idx="minor">
+            <a:schemeClr val="tx1"/>
+          </a:fontRef>
+        </p:style>
+      </p:cxnSp>
+      <p:sp>
+        <p:nvSpPr>
+          <p:cNvPr id="42" name="TextBox 41">
+            <a:extLst>
+              <a:ext uri="{FF2B5EF4-FFF2-40B4-BE49-F238E27FC236}">
+                <a16:creationId xmlns:a16="http://schemas.microsoft.com/office/drawing/2014/main" id="{D4B3B9BE-AF72-C34B-BE4D-9590C25DB510}"/>
+              </a:ext>
+            </a:extLst>
+          </p:cNvPr>
+          <p:cNvSpPr txBox="1"/>
+          <p:nvPr/>
+        </p:nvSpPr>
+        <p:spPr>
+          <a:xfrm>
+            <a:off x="5089161" y="83888"/>
+            <a:ext cx="3290341" cy="369332"/>
+          </a:xfrm>
+          <a:prstGeom prst="rect">
+            <a:avLst/>
+          </a:prstGeom>
+          <a:noFill/>
+        </p:spPr>
+        <p:txBody>
+          <a:bodyPr wrap="square" rtlCol="0">
+            <a:spAutoFit/>
+          </a:bodyPr>
+          <a:lstStyle/>
+          <a:p>
+            <a:r>
+              <a:rPr lang="en-US" dirty="0"/>
+              <a:t>Dependencies in </a:t>
+            </a:r>
+            <a:r>
+              <a:rPr lang="en-US" dirty="0" err="1"/>
+              <a:t>zppy</a:t>
+            </a:r>
+            <a:r>
+              <a:rPr lang="en-US" dirty="0"/>
+              <a:t> jobs</a:t>
+            </a:r>
+          </a:p>
+        </p:txBody>
+      </p:sp>
+      <p:sp>
+        <p:nvSpPr>
+          <p:cNvPr id="101" name="Round Diagonal Corner Rectangle 100">
+            <a:extLst>
+              <a:ext uri="{FF2B5EF4-FFF2-40B4-BE49-F238E27FC236}">
+                <a16:creationId xmlns:a16="http://schemas.microsoft.com/office/drawing/2014/main" id="{5DB7C68C-42F6-8941-8BE2-01CE05B89844}"/>
+              </a:ext>
+            </a:extLst>
+          </p:cNvPr>
+          <p:cNvSpPr/>
+          <p:nvPr/>
+        </p:nvSpPr>
+        <p:spPr>
+          <a:xfrm>
+            <a:off x="955315" y="10550508"/>
+            <a:ext cx="1706480" cy="1019888"/>
+          </a:xfrm>
+          <a:prstGeom prst="round2DiagRect">
+            <a:avLst/>
+          </a:prstGeom>
+          <a:solidFill>
+            <a:schemeClr val="accent2">
+              <a:lumMod val="40000"/>
+              <a:lumOff val="60000"/>
+            </a:schemeClr>
+          </a:solidFill>
+        </p:spPr>
+        <p:style>
+          <a:lnRef idx="2">
+            <a:schemeClr val="accent1">
+              <a:shade val="50000"/>
+            </a:schemeClr>
+          </a:lnRef>
+          <a:fillRef idx="1">
+            <a:schemeClr val="accent1"/>
+          </a:fillRef>
+          <a:effectRef idx="0">
+            <a:schemeClr val="accent1"/>
+          </a:effectRef>
+          <a:fontRef idx="minor">
+            <a:schemeClr val="lt1"/>
+          </a:fontRef>
+        </p:style>
+        <p:txBody>
+          <a:bodyPr rtlCol="0" anchor="t"/>
+          <a:lstStyle/>
+          <a:p>
+            <a:pPr algn="ctr"/>
+            <a:r>
+              <a:rPr lang="en-US" sz="2400" b="1" dirty="0" err="1">
+                <a:solidFill>
+                  <a:schemeClr val="tx1"/>
+                </a:solidFill>
+              </a:rPr>
+              <a:t>ts</a:t>
+            </a:r>
+            <a:endParaRPr lang="en-US" dirty="0">
+              <a:solidFill>
+                <a:schemeClr val="tx1"/>
+              </a:solidFill>
+            </a:endParaRPr>
+          </a:p>
+          <a:p>
+            <a:pPr marL="173038" indent="-173038">
+              <a:buFont typeface="Arial" panose="020B0604020202020204" pitchFamily="34" charset="0"/>
+              <a:buChar char="•"/>
+            </a:pPr>
+            <a:r>
+              <a:rPr lang="en-US" sz="1400" b="1" dirty="0">
+                <a:solidFill>
+                  <a:schemeClr val="tx1"/>
+                </a:solidFill>
+              </a:rPr>
+              <a:t>atm, global</a:t>
+            </a:r>
+          </a:p>
+          <a:p>
+            <a:pPr marL="173038" indent="-173038">
+              <a:buFont typeface="Arial" panose="020B0604020202020204" pitchFamily="34" charset="0"/>
+              <a:buChar char="•"/>
+            </a:pPr>
+            <a:r>
+              <a:rPr lang="en-US" sz="1400" b="1" dirty="0">
+                <a:solidFill>
+                  <a:schemeClr val="tx1"/>
+                </a:solidFill>
+              </a:rPr>
+              <a:t>Years 51-60</a:t>
+            </a:r>
+          </a:p>
+        </p:txBody>
+      </p:sp>
+      <p:cxnSp>
+        <p:nvCxnSpPr>
+          <p:cNvPr id="104" name="Straight Connector 103">
+            <a:extLst>
+              <a:ext uri="{FF2B5EF4-FFF2-40B4-BE49-F238E27FC236}">
+                <a16:creationId xmlns:a16="http://schemas.microsoft.com/office/drawing/2014/main" id="{A365BB03-5858-DC4A-AFFC-5E64D6E7259C}"/>
+              </a:ext>
+            </a:extLst>
+          </p:cNvPr>
+          <p:cNvCxnSpPr>
+            <a:cxnSpLocks/>
+          </p:cNvCxnSpPr>
+          <p:nvPr/>
+        </p:nvCxnSpPr>
+        <p:spPr>
+          <a:xfrm>
+            <a:off x="1723355" y="11736637"/>
+            <a:ext cx="0" cy="578650"/>
+          </a:xfrm>
+          <a:prstGeom prst="line">
+            <a:avLst/>
+          </a:prstGeom>
+          <a:ln w="63500">
+            <a:prstDash val="sysDot"/>
+          </a:ln>
+        </p:spPr>
+        <p:style>
+          <a:lnRef idx="1">
+            <a:schemeClr val="dk1"/>
+          </a:lnRef>
+          <a:fillRef idx="0">
+            <a:schemeClr val="dk1"/>
+          </a:fillRef>
+          <a:effectRef idx="0">
+            <a:schemeClr val="dk1"/>
+          </a:effectRef>
+          <a:fontRef idx="minor">
+            <a:schemeClr val="tx1"/>
+          </a:fontRef>
+        </p:style>
+      </p:cxnSp>
+      <p:sp>
+        <p:nvSpPr>
+          <p:cNvPr id="105" name="Round Diagonal Corner Rectangle 104">
+            <a:extLst>
+              <a:ext uri="{FF2B5EF4-FFF2-40B4-BE49-F238E27FC236}">
+                <a16:creationId xmlns:a16="http://schemas.microsoft.com/office/drawing/2014/main" id="{F9FE0F04-2237-E14B-BF64-3C3F4C395C55}"/>
+              </a:ext>
+            </a:extLst>
+          </p:cNvPr>
+          <p:cNvSpPr/>
+          <p:nvPr/>
+        </p:nvSpPr>
+        <p:spPr>
+          <a:xfrm>
+            <a:off x="932564" y="12481528"/>
+            <a:ext cx="1706480" cy="1019888"/>
+          </a:xfrm>
+          <a:prstGeom prst="round2DiagRect">
+            <a:avLst/>
+          </a:prstGeom>
+          <a:solidFill>
+            <a:schemeClr val="accent2">
+              <a:lumMod val="40000"/>
+              <a:lumOff val="60000"/>
+            </a:schemeClr>
+          </a:solidFill>
+        </p:spPr>
+        <p:style>
+          <a:lnRef idx="2">
+            <a:schemeClr val="accent1">
+              <a:shade val="50000"/>
+            </a:schemeClr>
+          </a:lnRef>
+          <a:fillRef idx="1">
+            <a:schemeClr val="accent1"/>
+          </a:fillRef>
+          <a:effectRef idx="0">
+            <a:schemeClr val="accent1"/>
+          </a:effectRef>
+          <a:fontRef idx="minor">
+            <a:schemeClr val="lt1"/>
+          </a:fontRef>
+        </p:style>
+        <p:txBody>
+          <a:bodyPr rtlCol="0" anchor="t"/>
+          <a:lstStyle/>
+          <a:p>
+            <a:pPr algn="ctr"/>
+            <a:r>
+              <a:rPr lang="en-US" sz="2400" b="1" dirty="0" err="1">
+                <a:solidFill>
+                  <a:schemeClr val="tx1"/>
+                </a:solidFill>
+              </a:rPr>
+              <a:t>ts</a:t>
+            </a:r>
+            <a:endParaRPr lang="en-US" dirty="0">
+              <a:solidFill>
+                <a:schemeClr val="tx1"/>
+              </a:solidFill>
+            </a:endParaRPr>
+          </a:p>
+          <a:p>
+            <a:pPr marL="173038" indent="-173038">
+              <a:buFont typeface="Arial" panose="020B0604020202020204" pitchFamily="34" charset="0"/>
+              <a:buChar char="•"/>
+            </a:pPr>
+            <a:r>
+              <a:rPr lang="en-US" sz="1400" b="1" dirty="0">
+                <a:solidFill>
+                  <a:schemeClr val="tx1"/>
+                </a:solidFill>
+              </a:rPr>
+              <a:t>atm, global</a:t>
+            </a:r>
+          </a:p>
+          <a:p>
+            <a:pPr marL="173038" indent="-173038">
+              <a:buFont typeface="Arial" panose="020B0604020202020204" pitchFamily="34" charset="0"/>
+              <a:buChar char="•"/>
+            </a:pPr>
+            <a:r>
+              <a:rPr lang="en-US" sz="1400" b="1" dirty="0">
+                <a:solidFill>
+                  <a:schemeClr val="tx1"/>
+                </a:solidFill>
+              </a:rPr>
+              <a:t>Years 91-100</a:t>
+            </a:r>
+          </a:p>
+        </p:txBody>
+      </p:sp>
+      <p:cxnSp>
+        <p:nvCxnSpPr>
+          <p:cNvPr id="106" name="Straight Arrow Connector 105">
+            <a:extLst>
+              <a:ext uri="{FF2B5EF4-FFF2-40B4-BE49-F238E27FC236}">
+                <a16:creationId xmlns:a16="http://schemas.microsoft.com/office/drawing/2014/main" id="{E3432108-4905-2F43-A24C-43CAA82D11DE}"/>
+              </a:ext>
+            </a:extLst>
+          </p:cNvPr>
+          <p:cNvCxnSpPr>
+            <a:cxnSpLocks/>
+            <a:endCxn id="91" idx="2"/>
+          </p:cNvCxnSpPr>
+          <p:nvPr/>
+        </p:nvCxnSpPr>
+        <p:spPr>
+          <a:xfrm>
+            <a:off x="2667492" y="11044239"/>
+            <a:ext cx="6845444" cy="325139"/>
+          </a:xfrm>
+          <a:prstGeom prst="straightConnector1">
+            <a:avLst/>
+          </a:prstGeom>
+          <a:ln w="38100">
+            <a:tailEnd type="triangle"/>
+          </a:ln>
+        </p:spPr>
+        <p:style>
+          <a:lnRef idx="1">
+            <a:schemeClr val="accent1"/>
+          </a:lnRef>
+          <a:fillRef idx="0">
+            <a:schemeClr val="accent1"/>
+          </a:fillRef>
+          <a:effectRef idx="0">
+            <a:schemeClr val="accent1"/>
+          </a:effectRef>
+          <a:fontRef idx="minor">
+            <a:schemeClr val="tx1"/>
+          </a:fontRef>
+        </p:style>
+      </p:cxnSp>
+      <p:cxnSp>
+        <p:nvCxnSpPr>
+          <p:cNvPr id="108" name="Straight Arrow Connector 107">
+            <a:extLst>
+              <a:ext uri="{FF2B5EF4-FFF2-40B4-BE49-F238E27FC236}">
+                <a16:creationId xmlns:a16="http://schemas.microsoft.com/office/drawing/2014/main" id="{251673AD-98F8-A74E-9563-91DEFAA1EAC5}"/>
+              </a:ext>
+            </a:extLst>
+          </p:cNvPr>
+          <p:cNvCxnSpPr>
+            <a:cxnSpLocks/>
+          </p:cNvCxnSpPr>
+          <p:nvPr/>
+        </p:nvCxnSpPr>
+        <p:spPr>
+          <a:xfrm flipV="1">
+            <a:off x="2639044" y="11535619"/>
+            <a:ext cx="6873892" cy="1455853"/>
+          </a:xfrm>
+          <a:prstGeom prst="straightConnector1">
+            <a:avLst/>
+          </a:prstGeom>
+          <a:ln w="38100">
+            <a:tailEnd type="triangle"/>
+          </a:ln>
+        </p:spPr>
+        <p:style>
+          <a:lnRef idx="1">
+            <a:schemeClr val="accent1"/>
+          </a:lnRef>
+          <a:fillRef idx="0">
+            <a:schemeClr val="accent1"/>
+          </a:fillRef>
+          <a:effectRef idx="0">
+            <a:schemeClr val="accent1"/>
+          </a:effectRef>
+          <a:fontRef idx="minor">
+            <a:schemeClr val="tx1"/>
+          </a:fontRef>
+        </p:style>
+      </p:cxnSp>
+      <p:cxnSp>
+        <p:nvCxnSpPr>
+          <p:cNvPr id="109" name="Straight Arrow Connector 108">
+            <a:extLst>
+              <a:ext uri="{FF2B5EF4-FFF2-40B4-BE49-F238E27FC236}">
+                <a16:creationId xmlns:a16="http://schemas.microsoft.com/office/drawing/2014/main" id="{80B93B62-6A6E-3C4E-B442-CCD2E40D2A08}"/>
+              </a:ext>
+            </a:extLst>
+          </p:cNvPr>
+          <p:cNvCxnSpPr>
+            <a:cxnSpLocks/>
+            <a:stCxn id="33" idx="0"/>
+          </p:cNvCxnSpPr>
+          <p:nvPr/>
+        </p:nvCxnSpPr>
+        <p:spPr>
+          <a:xfrm>
+            <a:off x="7686199" y="10017133"/>
+            <a:ext cx="1840391" cy="1201134"/>
+          </a:xfrm>
+          <a:prstGeom prst="straightConnector1">
+            <a:avLst/>
+          </a:prstGeom>
+          <a:ln w="38100">
+            <a:tailEnd type="triangle"/>
+          </a:ln>
+        </p:spPr>
+        <p:style>
+          <a:lnRef idx="1">
+            <a:schemeClr val="accent1"/>
+          </a:lnRef>
+          <a:fillRef idx="0">
+            <a:schemeClr val="accent1"/>
+          </a:fillRef>
+          <a:effectRef idx="0">
+            <a:schemeClr val="accent1"/>
+          </a:effectRef>
+          <a:fontRef idx="minor">
+            <a:schemeClr val="tx1"/>
+          </a:fontRef>
+        </p:style>
+      </p:cxnSp>
+      <p:sp>
+        <p:nvSpPr>
+          <p:cNvPr id="32" name="Round Diagonal Corner Rectangle 31">
+            <a:extLst>
+              <a:ext uri="{FF2B5EF4-FFF2-40B4-BE49-F238E27FC236}">
+                <a16:creationId xmlns:a16="http://schemas.microsoft.com/office/drawing/2014/main" id="{3092FD4B-706C-E544-9226-20E8F60C793F}"/>
+              </a:ext>
+            </a:extLst>
+          </p:cNvPr>
+          <p:cNvSpPr/>
+          <p:nvPr/>
+        </p:nvSpPr>
+        <p:spPr>
+          <a:xfrm>
+            <a:off x="413608" y="9431296"/>
+            <a:ext cx="2395848" cy="952971"/>
+          </a:xfrm>
+          <a:prstGeom prst="round2DiagRect">
+            <a:avLst/>
+          </a:prstGeom>
+          <a:solidFill>
+            <a:schemeClr val="accent5">
+              <a:lumMod val="40000"/>
+              <a:lumOff val="60000"/>
+            </a:schemeClr>
+          </a:solidFill>
+        </p:spPr>
+        <p:style>
+          <a:lnRef idx="2">
+            <a:schemeClr val="accent1">
+              <a:shade val="50000"/>
+            </a:schemeClr>
+          </a:lnRef>
+          <a:fillRef idx="1">
+            <a:schemeClr val="accent1"/>
+          </a:fillRef>
+          <a:effectRef idx="0">
+            <a:schemeClr val="accent1"/>
+          </a:effectRef>
+          <a:fontRef idx="minor">
+            <a:schemeClr val="lt1"/>
+          </a:fontRef>
+        </p:style>
+        <p:txBody>
+          <a:bodyPr rtlCol="0" anchor="t"/>
+          <a:lstStyle/>
+          <a:p>
+            <a:pPr algn="ctr"/>
+            <a:r>
+              <a:rPr lang="en-US" sz="2000" b="1" dirty="0" err="1">
+                <a:solidFill>
+                  <a:schemeClr val="tx1"/>
+                </a:solidFill>
+              </a:rPr>
+              <a:t>mpas_analysis</a:t>
+            </a:r>
+            <a:endParaRPr lang="en-US" sz="2000" b="1" dirty="0">
+              <a:solidFill>
+                <a:schemeClr val="tx1"/>
+              </a:solidFill>
+            </a:endParaRPr>
+          </a:p>
+          <a:p>
+            <a:pPr marL="130175" indent="-130175">
+              <a:buFont typeface="Arial" panose="020B0604020202020204" pitchFamily="34" charset="0"/>
+              <a:buChar char="•"/>
+            </a:pPr>
+            <a:r>
+              <a:rPr lang="en-US" sz="1400" b="1" dirty="0">
+                <a:solidFill>
+                  <a:schemeClr val="tx1"/>
+                </a:solidFill>
+              </a:rPr>
+              <a:t>Time series years: 1-50</a:t>
+            </a:r>
+          </a:p>
+          <a:p>
+            <a:pPr marL="130175" indent="-130175">
+              <a:buFont typeface="Arial" panose="020B0604020202020204" pitchFamily="34" charset="0"/>
+              <a:buChar char="•"/>
+            </a:pPr>
+            <a:r>
+              <a:rPr lang="en-US" sz="1400" b="1" dirty="0">
+                <a:solidFill>
+                  <a:schemeClr val="tx1"/>
+                </a:solidFill>
+              </a:rPr>
+              <a:t>Climatology years: 21-50</a:t>
+            </a:r>
+          </a:p>
+          <a:p>
+            <a:pPr algn="ctr"/>
+            <a:endParaRPr lang="en-US" dirty="0">
+              <a:solidFill>
+                <a:schemeClr val="tx1"/>
+              </a:solidFill>
+            </a:endParaRPr>
+          </a:p>
+        </p:txBody>
+      </p:sp>
+      <p:sp>
+        <p:nvSpPr>
+          <p:cNvPr id="33" name="Round Diagonal Corner Rectangle 32">
+            <a:extLst>
+              <a:ext uri="{FF2B5EF4-FFF2-40B4-BE49-F238E27FC236}">
+                <a16:creationId xmlns:a16="http://schemas.microsoft.com/office/drawing/2014/main" id="{2248389C-38B7-A347-B06E-87B9E009ABA0}"/>
+              </a:ext>
+            </a:extLst>
+          </p:cNvPr>
+          <p:cNvSpPr/>
+          <p:nvPr/>
+        </p:nvSpPr>
+        <p:spPr>
+          <a:xfrm>
+            <a:off x="5290351" y="9540647"/>
+            <a:ext cx="2395848" cy="952971"/>
+          </a:xfrm>
+          <a:prstGeom prst="round2DiagRect">
+            <a:avLst/>
+          </a:prstGeom>
+          <a:solidFill>
+            <a:schemeClr val="accent5">
+              <a:lumMod val="40000"/>
+              <a:lumOff val="60000"/>
+            </a:schemeClr>
+          </a:solidFill>
+        </p:spPr>
+        <p:style>
+          <a:lnRef idx="2">
+            <a:schemeClr val="accent1">
+              <a:shade val="50000"/>
+            </a:schemeClr>
+          </a:lnRef>
+          <a:fillRef idx="1">
+            <a:schemeClr val="accent1"/>
+          </a:fillRef>
+          <a:effectRef idx="0">
+            <a:schemeClr val="accent1"/>
+          </a:effectRef>
+          <a:fontRef idx="minor">
+            <a:schemeClr val="lt1"/>
+          </a:fontRef>
+        </p:style>
+        <p:txBody>
+          <a:bodyPr rtlCol="0" anchor="t"/>
+          <a:lstStyle/>
+          <a:p>
+            <a:pPr algn="ctr"/>
+            <a:r>
+              <a:rPr lang="en-US" sz="2000" b="1" dirty="0" err="1">
+                <a:solidFill>
+                  <a:schemeClr val="tx1"/>
+                </a:solidFill>
+              </a:rPr>
+              <a:t>mpas_analysis</a:t>
+            </a:r>
+            <a:endParaRPr lang="en-US" sz="2000" b="1" dirty="0">
+              <a:solidFill>
+                <a:schemeClr val="tx1"/>
+              </a:solidFill>
+            </a:endParaRPr>
+          </a:p>
+          <a:p>
+            <a:pPr marL="130175" indent="-130175">
+              <a:buFont typeface="Arial" panose="020B0604020202020204" pitchFamily="34" charset="0"/>
+              <a:buChar char="•"/>
+            </a:pPr>
+            <a:r>
+              <a:rPr lang="en-US" sz="1400" b="1" dirty="0">
+                <a:solidFill>
+                  <a:schemeClr val="tx1"/>
+                </a:solidFill>
+              </a:rPr>
+              <a:t>Time series years: 51-100</a:t>
+            </a:r>
+          </a:p>
+          <a:p>
+            <a:pPr marL="130175" indent="-130175">
+              <a:buFont typeface="Arial" panose="020B0604020202020204" pitchFamily="34" charset="0"/>
+              <a:buChar char="•"/>
+            </a:pPr>
+            <a:r>
+              <a:rPr lang="en-US" sz="1400" b="1" dirty="0">
+                <a:solidFill>
+                  <a:schemeClr val="tx1"/>
+                </a:solidFill>
+              </a:rPr>
+              <a:t>Climatology years: 51-100</a:t>
+            </a:r>
+          </a:p>
+          <a:p>
+            <a:pPr algn="ctr"/>
+            <a:endParaRPr lang="en-US" dirty="0">
+              <a:solidFill>
+                <a:schemeClr val="tx1"/>
+              </a:solidFill>
+            </a:endParaRPr>
+          </a:p>
+        </p:txBody>
+      </p:sp>
+    </p:spTree>
+    <p:extLst>
+      <p:ext uri="{BB962C8B-B14F-4D97-AF65-F5344CB8AC3E}">
+        <p14:creationId xmlns:p14="http://schemas.microsoft.com/office/powerpoint/2010/main" val="1212606390"/>
       </p:ext>
     </p:extLst>
   </p:cSld>
